--- a/Processed figure/blockdiagram.pptx
+++ b/Processed figure/blockdiagram.pptx
@@ -2,12 +2,13 @@
 <file path=ppt/presentation.xml><?xml version="1.0" encoding="utf-8"?>
 <p:presentation xmlns:a="http://schemas.openxmlformats.org/drawingml/2006/main" xmlns:r="http://schemas.openxmlformats.org/officeDocument/2006/relationships" xmlns:p="http://schemas.openxmlformats.org/presentationml/2006/main" saveSubsetFonts="1">
   <p:sldMasterIdLst>
-    <p:sldMasterId id="2147483672" r:id="rId1"/>
+    <p:sldMasterId id="2147483684" r:id="rId1"/>
   </p:sldMasterIdLst>
   <p:sldIdLst>
     <p:sldId id="256" r:id="rId2"/>
+    <p:sldId id="257" r:id="rId3"/>
   </p:sldIdLst>
-  <p:sldSz cx="6400800" cy="2286000"/>
+  <p:sldSz cx="6840538" cy="2286000"/>
   <p:notesSz cx="6858000" cy="9144000"/>
   <p:defaultTextStyle>
     <a:defPPr>
@@ -104,6 +105,11 @@
       </a:defRPr>
     </a:lvl9pPr>
   </p:defaultTextStyle>
+  <p:extLst>
+    <p:ext uri="{EFAFB233-063F-42B5-8137-9DF3F51BA10A}">
+      <p15:sldGuideLst xmlns:p15="http://schemas.microsoft.com/office/powerpoint/2012/main"/>
+    </p:ext>
+  </p:extLst>
 </p:presentation>
 </file>
 
@@ -136,8 +142,8 @@
         </p:nvSpPr>
         <p:spPr>
           <a:xfrm>
-            <a:off x="800100" y="374121"/>
-            <a:ext cx="4800600" cy="795867"/>
+            <a:off x="855067" y="374121"/>
+            <a:ext cx="5130404" cy="795867"/>
           </a:xfrm>
         </p:spPr>
         <p:txBody>
@@ -168,8 +174,8 @@
         </p:nvSpPr>
         <p:spPr>
           <a:xfrm>
-            <a:off x="800100" y="1200679"/>
-            <a:ext cx="4800600" cy="551921"/>
+            <a:off x="855067" y="1200679"/>
+            <a:ext cx="5130404" cy="551921"/>
           </a:xfrm>
         </p:spPr>
         <p:txBody>
@@ -238,7 +244,7 @@
           <a:p>
             <a:fld id="{3B1DD487-E9A5-4BD0-B6C1-1043E79918C3}" type="datetimeFigureOut">
               <a:rPr lang="en-US" smtClean="0"/>
-              <a:t>7/12/2021</a:t>
+              <a:t>12/30/2021</a:t>
             </a:fld>
             <a:endParaRPr lang="en-US"/>
           </a:p>
@@ -289,7 +295,7 @@
     </p:spTree>
     <p:extLst>
       <p:ext uri="{BB962C8B-B14F-4D97-AF65-F5344CB8AC3E}">
-        <p14:creationId xmlns:p14="http://schemas.microsoft.com/office/powerpoint/2010/main" val="1598565069"/>
+        <p14:creationId xmlns:p14="http://schemas.microsoft.com/office/powerpoint/2010/main" val="356505140"/>
       </p:ext>
     </p:extLst>
   </p:cSld>
@@ -408,7 +414,7 @@
           <a:p>
             <a:fld id="{3B1DD487-E9A5-4BD0-B6C1-1043E79918C3}" type="datetimeFigureOut">
               <a:rPr lang="en-US" smtClean="0"/>
-              <a:t>7/12/2021</a:t>
+              <a:t>12/30/2021</a:t>
             </a:fld>
             <a:endParaRPr lang="en-US"/>
           </a:p>
@@ -459,7 +465,7 @@
     </p:spTree>
     <p:extLst>
       <p:ext uri="{BB962C8B-B14F-4D97-AF65-F5344CB8AC3E}">
-        <p14:creationId xmlns:p14="http://schemas.microsoft.com/office/powerpoint/2010/main" val="354867975"/>
+        <p14:creationId xmlns:p14="http://schemas.microsoft.com/office/powerpoint/2010/main" val="2016642615"/>
       </p:ext>
     </p:extLst>
   </p:cSld>
@@ -498,8 +504,8 @@
         </p:nvSpPr>
         <p:spPr>
           <a:xfrm>
-            <a:off x="4580572" y="121709"/>
-            <a:ext cx="1380173" cy="1937279"/>
+            <a:off x="4895260" y="121709"/>
+            <a:ext cx="1474991" cy="1937279"/>
           </a:xfrm>
         </p:spPr>
         <p:txBody>
@@ -526,8 +532,8 @@
         </p:nvSpPr>
         <p:spPr>
           <a:xfrm>
-            <a:off x="440055" y="121709"/>
-            <a:ext cx="4060508" cy="1937279"/>
+            <a:off x="470287" y="121709"/>
+            <a:ext cx="4339466" cy="1937279"/>
           </a:xfrm>
         </p:spPr>
         <p:txBody>
@@ -588,7 +594,7 @@
           <a:p>
             <a:fld id="{3B1DD487-E9A5-4BD0-B6C1-1043E79918C3}" type="datetimeFigureOut">
               <a:rPr lang="en-US" smtClean="0"/>
-              <a:t>7/12/2021</a:t>
+              <a:t>12/30/2021</a:t>
             </a:fld>
             <a:endParaRPr lang="en-US"/>
           </a:p>
@@ -639,7 +645,7 @@
     </p:spTree>
     <p:extLst>
       <p:ext uri="{BB962C8B-B14F-4D97-AF65-F5344CB8AC3E}">
-        <p14:creationId xmlns:p14="http://schemas.microsoft.com/office/powerpoint/2010/main" val="2161443728"/>
+        <p14:creationId xmlns:p14="http://schemas.microsoft.com/office/powerpoint/2010/main" val="2383698194"/>
       </p:ext>
     </p:extLst>
   </p:cSld>
@@ -758,7 +764,7 @@
           <a:p>
             <a:fld id="{3B1DD487-E9A5-4BD0-B6C1-1043E79918C3}" type="datetimeFigureOut">
               <a:rPr lang="en-US" smtClean="0"/>
-              <a:t>7/12/2021</a:t>
+              <a:t>12/30/2021</a:t>
             </a:fld>
             <a:endParaRPr lang="en-US"/>
           </a:p>
@@ -809,7 +815,7 @@
     </p:spTree>
     <p:extLst>
       <p:ext uri="{BB962C8B-B14F-4D97-AF65-F5344CB8AC3E}">
-        <p14:creationId xmlns:p14="http://schemas.microsoft.com/office/powerpoint/2010/main" val="1227957535"/>
+        <p14:creationId xmlns:p14="http://schemas.microsoft.com/office/powerpoint/2010/main" val="1137720634"/>
       </p:ext>
     </p:extLst>
   </p:cSld>
@@ -848,8 +854,8 @@
         </p:nvSpPr>
         <p:spPr>
           <a:xfrm>
-            <a:off x="436721" y="569913"/>
-            <a:ext cx="5520690" cy="950912"/>
+            <a:off x="466724" y="569913"/>
+            <a:ext cx="5899964" cy="950912"/>
           </a:xfrm>
         </p:spPr>
         <p:txBody>
@@ -880,8 +886,8 @@
         </p:nvSpPr>
         <p:spPr>
           <a:xfrm>
-            <a:off x="436721" y="1529821"/>
-            <a:ext cx="5520690" cy="500062"/>
+            <a:off x="466724" y="1529821"/>
+            <a:ext cx="5899964" cy="500062"/>
           </a:xfrm>
         </p:spPr>
         <p:txBody>
@@ -1004,7 +1010,7 @@
           <a:p>
             <a:fld id="{3B1DD487-E9A5-4BD0-B6C1-1043E79918C3}" type="datetimeFigureOut">
               <a:rPr lang="en-US" smtClean="0"/>
-              <a:t>7/12/2021</a:t>
+              <a:t>12/30/2021</a:t>
             </a:fld>
             <a:endParaRPr lang="en-US"/>
           </a:p>
@@ -1055,7 +1061,7 @@
     </p:spTree>
     <p:extLst>
       <p:ext uri="{BB962C8B-B14F-4D97-AF65-F5344CB8AC3E}">
-        <p14:creationId xmlns:p14="http://schemas.microsoft.com/office/powerpoint/2010/main" val="3391540806"/>
+        <p14:creationId xmlns:p14="http://schemas.microsoft.com/office/powerpoint/2010/main" val="2339999971"/>
       </p:ext>
     </p:extLst>
   </p:cSld>
@@ -1117,8 +1123,8 @@
         </p:nvSpPr>
         <p:spPr>
           <a:xfrm>
-            <a:off x="440055" y="608542"/>
-            <a:ext cx="2720340" cy="1450446"/>
+            <a:off x="470287" y="608542"/>
+            <a:ext cx="2907229" cy="1450446"/>
           </a:xfrm>
         </p:spPr>
         <p:txBody>
@@ -1174,8 +1180,8 @@
         </p:nvSpPr>
         <p:spPr>
           <a:xfrm>
-            <a:off x="3240405" y="608542"/>
-            <a:ext cx="2720340" cy="1450446"/>
+            <a:off x="3463022" y="608542"/>
+            <a:ext cx="2907229" cy="1450446"/>
           </a:xfrm>
         </p:spPr>
         <p:txBody>
@@ -1236,7 +1242,7 @@
           <a:p>
             <a:fld id="{3B1DD487-E9A5-4BD0-B6C1-1043E79918C3}" type="datetimeFigureOut">
               <a:rPr lang="en-US" smtClean="0"/>
-              <a:t>7/12/2021</a:t>
+              <a:t>12/30/2021</a:t>
             </a:fld>
             <a:endParaRPr lang="en-US"/>
           </a:p>
@@ -1287,7 +1293,7 @@
     </p:spTree>
     <p:extLst>
       <p:ext uri="{BB962C8B-B14F-4D97-AF65-F5344CB8AC3E}">
-        <p14:creationId xmlns:p14="http://schemas.microsoft.com/office/powerpoint/2010/main" val="1607124106"/>
+        <p14:creationId xmlns:p14="http://schemas.microsoft.com/office/powerpoint/2010/main" val="757850577"/>
       </p:ext>
     </p:extLst>
   </p:cSld>
@@ -1326,8 +1332,8 @@
         </p:nvSpPr>
         <p:spPr>
           <a:xfrm>
-            <a:off x="440889" y="121709"/>
-            <a:ext cx="5520690" cy="441854"/>
+            <a:off x="471178" y="121709"/>
+            <a:ext cx="5899964" cy="441854"/>
           </a:xfrm>
         </p:spPr>
         <p:txBody>
@@ -1354,8 +1360,8 @@
         </p:nvSpPr>
         <p:spPr>
           <a:xfrm>
-            <a:off x="440889" y="560388"/>
-            <a:ext cx="2707838" cy="274637"/>
+            <a:off x="471178" y="560388"/>
+            <a:ext cx="2893868" cy="274637"/>
           </a:xfrm>
         </p:spPr>
         <p:txBody>
@@ -1419,8 +1425,8 @@
         </p:nvSpPr>
         <p:spPr>
           <a:xfrm>
-            <a:off x="440889" y="835025"/>
-            <a:ext cx="2707838" cy="1228196"/>
+            <a:off x="471178" y="835025"/>
+            <a:ext cx="2893868" cy="1228196"/>
           </a:xfrm>
         </p:spPr>
         <p:txBody>
@@ -1476,8 +1482,8 @@
         </p:nvSpPr>
         <p:spPr>
           <a:xfrm>
-            <a:off x="3240405" y="560388"/>
-            <a:ext cx="2721174" cy="274637"/>
+            <a:off x="3463022" y="560388"/>
+            <a:ext cx="2908120" cy="274637"/>
           </a:xfrm>
         </p:spPr>
         <p:txBody>
@@ -1541,8 +1547,8 @@
         </p:nvSpPr>
         <p:spPr>
           <a:xfrm>
-            <a:off x="3240405" y="835025"/>
-            <a:ext cx="2721174" cy="1228196"/>
+            <a:off x="3463022" y="835025"/>
+            <a:ext cx="2908120" cy="1228196"/>
           </a:xfrm>
         </p:spPr>
         <p:txBody>
@@ -1603,7 +1609,7 @@
           <a:p>
             <a:fld id="{3B1DD487-E9A5-4BD0-B6C1-1043E79918C3}" type="datetimeFigureOut">
               <a:rPr lang="en-US" smtClean="0"/>
-              <a:t>7/12/2021</a:t>
+              <a:t>12/30/2021</a:t>
             </a:fld>
             <a:endParaRPr lang="en-US"/>
           </a:p>
@@ -1654,7 +1660,7 @@
     </p:spTree>
     <p:extLst>
       <p:ext uri="{BB962C8B-B14F-4D97-AF65-F5344CB8AC3E}">
-        <p14:creationId xmlns:p14="http://schemas.microsoft.com/office/powerpoint/2010/main" val="4059832165"/>
+        <p14:creationId xmlns:p14="http://schemas.microsoft.com/office/powerpoint/2010/main" val="1284069781"/>
       </p:ext>
     </p:extLst>
   </p:cSld>
@@ -1721,7 +1727,7 @@
           <a:p>
             <a:fld id="{3B1DD487-E9A5-4BD0-B6C1-1043E79918C3}" type="datetimeFigureOut">
               <a:rPr lang="en-US" smtClean="0"/>
-              <a:t>7/12/2021</a:t>
+              <a:t>12/30/2021</a:t>
             </a:fld>
             <a:endParaRPr lang="en-US"/>
           </a:p>
@@ -1772,7 +1778,7 @@
     </p:spTree>
     <p:extLst>
       <p:ext uri="{BB962C8B-B14F-4D97-AF65-F5344CB8AC3E}">
-        <p14:creationId xmlns:p14="http://schemas.microsoft.com/office/powerpoint/2010/main" val="1229593383"/>
+        <p14:creationId xmlns:p14="http://schemas.microsoft.com/office/powerpoint/2010/main" val="1146695104"/>
       </p:ext>
     </p:extLst>
   </p:cSld>
@@ -1816,7 +1822,7 @@
           <a:p>
             <a:fld id="{3B1DD487-E9A5-4BD0-B6C1-1043E79918C3}" type="datetimeFigureOut">
               <a:rPr lang="en-US" smtClean="0"/>
-              <a:t>7/12/2021</a:t>
+              <a:t>12/30/2021</a:t>
             </a:fld>
             <a:endParaRPr lang="en-US"/>
           </a:p>
@@ -1867,7 +1873,7 @@
     </p:spTree>
     <p:extLst>
       <p:ext uri="{BB962C8B-B14F-4D97-AF65-F5344CB8AC3E}">
-        <p14:creationId xmlns:p14="http://schemas.microsoft.com/office/powerpoint/2010/main" val="1496534379"/>
+        <p14:creationId xmlns:p14="http://schemas.microsoft.com/office/powerpoint/2010/main" val="1882918639"/>
       </p:ext>
     </p:extLst>
   </p:cSld>
@@ -1906,8 +1912,8 @@
         </p:nvSpPr>
         <p:spPr>
           <a:xfrm>
-            <a:off x="440889" y="152400"/>
-            <a:ext cx="2064424" cy="533400"/>
+            <a:off x="471178" y="152400"/>
+            <a:ext cx="2206251" cy="533400"/>
           </a:xfrm>
         </p:spPr>
         <p:txBody>
@@ -1938,8 +1944,8 @@
         </p:nvSpPr>
         <p:spPr>
           <a:xfrm>
-            <a:off x="2721174" y="329142"/>
-            <a:ext cx="3240405" cy="1624542"/>
+            <a:off x="2908120" y="329142"/>
+            <a:ext cx="3463022" cy="1624542"/>
           </a:xfrm>
         </p:spPr>
         <p:txBody>
@@ -2023,8 +2029,8 @@
         </p:nvSpPr>
         <p:spPr>
           <a:xfrm>
-            <a:off x="440889" y="685800"/>
-            <a:ext cx="2064424" cy="1270529"/>
+            <a:off x="471178" y="685800"/>
+            <a:ext cx="2206251" cy="1270529"/>
           </a:xfrm>
         </p:spPr>
         <p:txBody>
@@ -2093,7 +2099,7 @@
           <a:p>
             <a:fld id="{3B1DD487-E9A5-4BD0-B6C1-1043E79918C3}" type="datetimeFigureOut">
               <a:rPr lang="en-US" smtClean="0"/>
-              <a:t>7/12/2021</a:t>
+              <a:t>12/30/2021</a:t>
             </a:fld>
             <a:endParaRPr lang="en-US"/>
           </a:p>
@@ -2144,7 +2150,7 @@
     </p:spTree>
     <p:extLst>
       <p:ext uri="{BB962C8B-B14F-4D97-AF65-F5344CB8AC3E}">
-        <p14:creationId xmlns:p14="http://schemas.microsoft.com/office/powerpoint/2010/main" val="1370698571"/>
+        <p14:creationId xmlns:p14="http://schemas.microsoft.com/office/powerpoint/2010/main" val="1626966607"/>
       </p:ext>
     </p:extLst>
   </p:cSld>
@@ -2183,8 +2189,8 @@
         </p:nvSpPr>
         <p:spPr>
           <a:xfrm>
-            <a:off x="440889" y="152400"/>
-            <a:ext cx="2064424" cy="533400"/>
+            <a:off x="471178" y="152400"/>
+            <a:ext cx="2206251" cy="533400"/>
           </a:xfrm>
         </p:spPr>
         <p:txBody>
@@ -2215,8 +2221,8 @@
         </p:nvSpPr>
         <p:spPr>
           <a:xfrm>
-            <a:off x="2721174" y="329142"/>
-            <a:ext cx="3240405" cy="1624542"/>
+            <a:off x="2908120" y="329142"/>
+            <a:ext cx="3463022" cy="1624542"/>
           </a:xfrm>
         </p:spPr>
         <p:txBody>
@@ -2280,8 +2286,8 @@
         </p:nvSpPr>
         <p:spPr>
           <a:xfrm>
-            <a:off x="440889" y="685800"/>
-            <a:ext cx="2064424" cy="1270529"/>
+            <a:off x="471178" y="685800"/>
+            <a:ext cx="2206251" cy="1270529"/>
           </a:xfrm>
         </p:spPr>
         <p:txBody>
@@ -2350,7 +2356,7 @@
           <a:p>
             <a:fld id="{3B1DD487-E9A5-4BD0-B6C1-1043E79918C3}" type="datetimeFigureOut">
               <a:rPr lang="en-US" smtClean="0"/>
-              <a:t>7/12/2021</a:t>
+              <a:t>12/30/2021</a:t>
             </a:fld>
             <a:endParaRPr lang="en-US"/>
           </a:p>
@@ -2401,7 +2407,7 @@
     </p:spTree>
     <p:extLst>
       <p:ext uri="{BB962C8B-B14F-4D97-AF65-F5344CB8AC3E}">
-        <p14:creationId xmlns:p14="http://schemas.microsoft.com/office/powerpoint/2010/main" val="2320659979"/>
+        <p14:creationId xmlns:p14="http://schemas.microsoft.com/office/powerpoint/2010/main" val="324704218"/>
       </p:ext>
     </p:extLst>
   </p:cSld>
@@ -2445,8 +2451,8 @@
         </p:nvSpPr>
         <p:spPr>
           <a:xfrm>
-            <a:off x="440055" y="121709"/>
-            <a:ext cx="5520690" cy="441854"/>
+            <a:off x="470287" y="121709"/>
+            <a:ext cx="5899964" cy="441854"/>
           </a:xfrm>
           <a:prstGeom prst="rect">
             <a:avLst/>
@@ -2478,8 +2484,8 @@
         </p:nvSpPr>
         <p:spPr>
           <a:xfrm>
-            <a:off x="440055" y="608542"/>
-            <a:ext cx="5520690" cy="1450446"/>
+            <a:off x="470287" y="608542"/>
+            <a:ext cx="5899964" cy="1450446"/>
           </a:xfrm>
           <a:prstGeom prst="rect">
             <a:avLst/>
@@ -2540,8 +2546,8 @@
         </p:nvSpPr>
         <p:spPr>
           <a:xfrm>
-            <a:off x="440055" y="2118784"/>
-            <a:ext cx="1440180" cy="121708"/>
+            <a:off x="470287" y="2118784"/>
+            <a:ext cx="1539121" cy="121708"/>
           </a:xfrm>
           <a:prstGeom prst="rect">
             <a:avLst/>
@@ -2563,7 +2569,7 @@
           <a:p>
             <a:fld id="{3B1DD487-E9A5-4BD0-B6C1-1043E79918C3}" type="datetimeFigureOut">
               <a:rPr lang="en-US" smtClean="0"/>
-              <a:t>7/12/2021</a:t>
+              <a:t>12/30/2021</a:t>
             </a:fld>
             <a:endParaRPr lang="en-US"/>
           </a:p>
@@ -2581,8 +2587,8 @@
         </p:nvSpPr>
         <p:spPr>
           <a:xfrm>
-            <a:off x="2120265" y="2118784"/>
-            <a:ext cx="2160270" cy="121708"/>
+            <a:off x="2265928" y="2118784"/>
+            <a:ext cx="2308682" cy="121708"/>
           </a:xfrm>
           <a:prstGeom prst="rect">
             <a:avLst/>
@@ -2618,8 +2624,8 @@
         </p:nvSpPr>
         <p:spPr>
           <a:xfrm>
-            <a:off x="4520565" y="2118784"/>
-            <a:ext cx="1440180" cy="121708"/>
+            <a:off x="4831130" y="2118784"/>
+            <a:ext cx="1539121" cy="121708"/>
           </a:xfrm>
           <a:prstGeom prst="rect">
             <a:avLst/>
@@ -2650,23 +2656,23 @@
     </p:spTree>
     <p:extLst>
       <p:ext uri="{BB962C8B-B14F-4D97-AF65-F5344CB8AC3E}">
-        <p14:creationId xmlns:p14="http://schemas.microsoft.com/office/powerpoint/2010/main" val="284810273"/>
+        <p14:creationId xmlns:p14="http://schemas.microsoft.com/office/powerpoint/2010/main" val="1429565917"/>
       </p:ext>
     </p:extLst>
   </p:cSld>
   <p:clrMap bg1="lt1" tx1="dk1" bg2="lt2" tx2="dk2" accent1="accent1" accent2="accent2" accent3="accent3" accent4="accent4" accent5="accent5" accent6="accent6" hlink="hlink" folHlink="folHlink"/>
   <p:sldLayoutIdLst>
-    <p:sldLayoutId id="2147483673" r:id="rId1"/>
-    <p:sldLayoutId id="2147483674" r:id="rId2"/>
-    <p:sldLayoutId id="2147483675" r:id="rId3"/>
-    <p:sldLayoutId id="2147483676" r:id="rId4"/>
-    <p:sldLayoutId id="2147483677" r:id="rId5"/>
-    <p:sldLayoutId id="2147483678" r:id="rId6"/>
-    <p:sldLayoutId id="2147483679" r:id="rId7"/>
-    <p:sldLayoutId id="2147483680" r:id="rId8"/>
-    <p:sldLayoutId id="2147483681" r:id="rId9"/>
-    <p:sldLayoutId id="2147483682" r:id="rId10"/>
-    <p:sldLayoutId id="2147483683" r:id="rId11"/>
+    <p:sldLayoutId id="2147483685" r:id="rId1"/>
+    <p:sldLayoutId id="2147483686" r:id="rId2"/>
+    <p:sldLayoutId id="2147483687" r:id="rId3"/>
+    <p:sldLayoutId id="2147483688" r:id="rId4"/>
+    <p:sldLayoutId id="2147483689" r:id="rId5"/>
+    <p:sldLayoutId id="2147483690" r:id="rId6"/>
+    <p:sldLayoutId id="2147483691" r:id="rId7"/>
+    <p:sldLayoutId id="2147483692" r:id="rId8"/>
+    <p:sldLayoutId id="2147483693" r:id="rId9"/>
+    <p:sldLayoutId id="2147483694" r:id="rId10"/>
+    <p:sldLayoutId id="2147483695" r:id="rId11"/>
   </p:sldLayoutIdLst>
   <p:txStyles>
     <p:titleStyle>
@@ -2982,8 +2988,8 @@
         </p:nvSpPr>
         <p:spPr>
           <a:xfrm>
-            <a:off x="619127" y="767060"/>
-            <a:ext cx="802219" cy="461665"/>
+            <a:off x="661662" y="741233"/>
+            <a:ext cx="857332" cy="486928"/>
           </a:xfrm>
           <a:prstGeom prst="rect">
             <a:avLst/>
@@ -3003,7 +3009,7 @@
           <a:p>
             <a:pPr algn="ctr"/>
             <a:r>
-              <a:rPr lang="en-US" sz="1200" dirty="0">
+              <a:rPr lang="en-US" sz="1282" dirty="0">
                 <a:solidFill>
                   <a:srgbClr val="FF0000"/>
                 </a:solidFill>
@@ -3014,7 +3020,7 @@
           <a:p>
             <a:pPr algn="ctr"/>
             <a:r>
-              <a:rPr lang="en-US" sz="1200" dirty="0">
+              <a:rPr lang="en-US" sz="1282" dirty="0">
                 <a:solidFill>
                   <a:srgbClr val="FF0000"/>
                 </a:solidFill>
@@ -3041,8 +3047,8 @@
         </p:nvCxnSpPr>
         <p:spPr>
           <a:xfrm flipV="1">
-            <a:off x="123826" y="997893"/>
-            <a:ext cx="495300" cy="3"/>
+            <a:off x="132334" y="984697"/>
+            <a:ext cx="529328" cy="3231"/>
           </a:xfrm>
           <a:prstGeom prst="straightConnector1">
             <a:avLst/>
@@ -3086,9 +3092,9 @@
           <p:nvPr/>
         </p:nvCxnSpPr>
         <p:spPr>
-          <a:xfrm flipV="1">
-            <a:off x="1421346" y="997890"/>
-            <a:ext cx="163039" cy="2"/>
+          <a:xfrm>
+            <a:off x="1518994" y="984697"/>
+            <a:ext cx="174238" cy="3224"/>
           </a:xfrm>
           <a:prstGeom prst="straightConnector1">
             <a:avLst/>
@@ -3129,8 +3135,8 @@
         </p:nvSpPr>
         <p:spPr>
           <a:xfrm>
-            <a:off x="3435000" y="859393"/>
-            <a:ext cx="516157" cy="276999"/>
+            <a:off x="3670987" y="839910"/>
+            <a:ext cx="551617" cy="289631"/>
           </a:xfrm>
           <a:prstGeom prst="rect">
             <a:avLst/>
@@ -3150,7 +3156,7 @@
           <a:p>
             <a:pPr algn="ctr"/>
             <a:r>
-              <a:rPr lang="en-US" sz="1200" dirty="0"/>
+              <a:rPr lang="en-US" sz="1282" dirty="0"/>
               <a:t>SMC</a:t>
             </a:r>
           </a:p>
@@ -3170,8 +3176,8 @@
         </p:nvSpPr>
         <p:spPr>
           <a:xfrm>
-            <a:off x="1584384" y="929310"/>
-            <a:ext cx="137160" cy="137160"/>
+            <a:off x="1693232" y="914629"/>
+            <a:ext cx="146583" cy="146583"/>
           </a:xfrm>
           <a:prstGeom prst="ellipse">
             <a:avLst/>
@@ -3204,7 +3210,7 @@
           <a:lstStyle/>
           <a:p>
             <a:pPr algn="ctr"/>
-            <a:endParaRPr lang="en-US" sz="1799"/>
+            <a:endParaRPr lang="en-US" sz="1923"/>
           </a:p>
         </p:txBody>
       </p:sp>
@@ -3222,8 +3228,8 @@
         </p:nvSpPr>
         <p:spPr>
           <a:xfrm>
-            <a:off x="4192524" y="767060"/>
-            <a:ext cx="753522" cy="461665"/>
+            <a:off x="4480552" y="741233"/>
+            <a:ext cx="805289" cy="486928"/>
           </a:xfrm>
           <a:prstGeom prst="rect">
             <a:avLst/>
@@ -3243,10 +3249,10 @@
           <a:p>
             <a:pPr algn="ctr"/>
             <a:r>
-              <a:rPr lang="en-US" sz="1200" dirty="0" err="1"/>
+              <a:rPr lang="en-US" sz="1282" dirty="0" err="1"/>
               <a:t>PressrueControl</a:t>
             </a:r>
-            <a:endParaRPr lang="en-US" sz="1200" dirty="0"/>
+            <a:endParaRPr lang="en-US" sz="1282" dirty="0"/>
           </a:p>
         </p:txBody>
       </p:sp>
@@ -3264,8 +3270,8 @@
         </p:nvSpPr>
         <p:spPr>
           <a:xfrm>
-            <a:off x="5200653" y="767060"/>
-            <a:ext cx="781050" cy="461665"/>
+            <a:off x="5557940" y="741233"/>
+            <a:ext cx="834708" cy="486928"/>
           </a:xfrm>
           <a:prstGeom prst="rect">
             <a:avLst/>
@@ -3285,14 +3291,14 @@
           <a:p>
             <a:pPr algn="ctr"/>
             <a:r>
-              <a:rPr lang="en-US" sz="1200" dirty="0"/>
+              <a:rPr lang="en-US" sz="1282" dirty="0"/>
               <a:t>Soft</a:t>
             </a:r>
           </a:p>
           <a:p>
             <a:pPr algn="ctr"/>
             <a:r>
-              <a:rPr lang="en-US" sz="1200" dirty="0"/>
+              <a:rPr lang="en-US" sz="1282" dirty="0"/>
               <a:t>Actuator</a:t>
             </a:r>
           </a:p>
@@ -3315,9 +3321,9 @@
           <p:nvPr/>
         </p:nvCxnSpPr>
         <p:spPr>
-          <a:xfrm>
-            <a:off x="3951156" y="997892"/>
-            <a:ext cx="241368" cy="0"/>
+          <a:xfrm flipV="1">
+            <a:off x="4222604" y="984697"/>
+            <a:ext cx="257948" cy="29"/>
           </a:xfrm>
           <a:prstGeom prst="straightConnector1">
             <a:avLst/>
@@ -3362,8 +3368,8 @@
         </p:nvCxnSpPr>
         <p:spPr>
           <a:xfrm>
-            <a:off x="4946047" y="997892"/>
-            <a:ext cx="254607" cy="0"/>
+            <a:off x="5285841" y="984697"/>
+            <a:ext cx="272099" cy="0"/>
           </a:xfrm>
           <a:prstGeom prst="straightConnector1">
             <a:avLst/>
@@ -3406,9 +3412,9 @@
           <p:nvPr/>
         </p:nvCxnSpPr>
         <p:spPr>
-          <a:xfrm flipV="1">
-            <a:off x="5981704" y="997892"/>
-            <a:ext cx="373857" cy="1"/>
+          <a:xfrm>
+            <a:off x="6392648" y="984697"/>
+            <a:ext cx="399543" cy="3229"/>
           </a:xfrm>
           <a:prstGeom prst="straightConnector1">
             <a:avLst/>
@@ -3467,8 +3473,8 @@
         </p:blipFill>
         <p:spPr>
           <a:xfrm>
-            <a:off x="20790" y="789665"/>
-            <a:ext cx="544914" cy="175543"/>
+            <a:off x="22218" y="765391"/>
+            <a:ext cx="582350" cy="187603"/>
           </a:xfrm>
           <a:prstGeom prst="rect">
             <a:avLst/>
@@ -3507,8 +3513,8 @@
         </p:blipFill>
         <p:spPr>
           <a:xfrm>
-            <a:off x="1437651" y="862154"/>
-            <a:ext cx="102400" cy="106057"/>
+            <a:off x="1536418" y="842860"/>
+            <a:ext cx="109435" cy="113343"/>
           </a:xfrm>
           <a:prstGeom prst="rect">
             <a:avLst/>
@@ -3547,8 +3553,8 @@
         </p:blipFill>
         <p:spPr>
           <a:xfrm>
-            <a:off x="1534885" y="1165431"/>
-            <a:ext cx="95086" cy="10971"/>
+            <a:off x="1640333" y="1166972"/>
+            <a:ext cx="101618" cy="11725"/>
           </a:xfrm>
           <a:prstGeom prst="rect">
             <a:avLst/>
@@ -3587,8 +3593,8 @@
         </p:blipFill>
         <p:spPr>
           <a:xfrm>
-            <a:off x="1766286" y="876781"/>
-            <a:ext cx="72533" cy="76800"/>
+            <a:off x="1887631" y="858492"/>
+            <a:ext cx="77516" cy="82076"/>
           </a:xfrm>
           <a:prstGeom prst="rect">
             <a:avLst/>
@@ -3609,10 +3615,10 @@
         </p:nvGrpSpPr>
         <p:grpSpPr>
           <a:xfrm>
-            <a:off x="2078169" y="367284"/>
-            <a:ext cx="602909" cy="276999"/>
+            <a:off x="2220941" y="313993"/>
+            <a:ext cx="644329" cy="289631"/>
             <a:chOff x="1997416" y="1398635"/>
-            <a:chExt cx="602909" cy="276999"/>
+            <a:chExt cx="602909" cy="271012"/>
           </a:xfrm>
         </p:grpSpPr>
         <p:sp>
@@ -3630,7 +3636,7 @@
           <p:spPr>
             <a:xfrm>
               <a:off x="1997416" y="1398635"/>
-              <a:ext cx="602909" cy="276999"/>
+              <a:ext cx="602909" cy="271012"/>
             </a:xfrm>
             <a:prstGeom prst="rect">
               <a:avLst/>
@@ -3649,7 +3655,7 @@
             <a:lstStyle/>
             <a:p>
               <a:pPr algn="ctr"/>
-              <a:endParaRPr lang="en-US" sz="1200" dirty="0"/>
+              <a:endParaRPr lang="en-US" sz="1282" dirty="0"/>
             </a:p>
           </p:txBody>
         </p:sp>
@@ -3726,8 +3732,8 @@
         </p:blipFill>
         <p:spPr>
           <a:xfrm>
-            <a:off x="1755516" y="1175696"/>
-            <a:ext cx="65829" cy="106057"/>
+            <a:off x="1876122" y="1177943"/>
+            <a:ext cx="70351" cy="113343"/>
           </a:xfrm>
           <a:prstGeom prst="rect">
             <a:avLst/>
@@ -3750,8 +3756,8 @@
         </p:nvCxnSpPr>
         <p:spPr>
           <a:xfrm flipH="1" flipV="1">
-            <a:off x="1652964" y="1935003"/>
-            <a:ext cx="4447988" cy="12848"/>
+            <a:off x="1766523" y="1989414"/>
+            <a:ext cx="4753567" cy="13731"/>
           </a:xfrm>
           <a:prstGeom prst="line">
             <a:avLst/>
@@ -3789,8 +3795,8 @@
         </p:nvCxnSpPr>
         <p:spPr>
           <a:xfrm flipH="1" flipV="1">
-            <a:off x="1652964" y="1066470"/>
-            <a:ext cx="0" cy="873444"/>
+            <a:off x="1766524" y="1061212"/>
+            <a:ext cx="0" cy="933450"/>
           </a:xfrm>
           <a:prstGeom prst="straightConnector1">
             <a:avLst/>
@@ -3833,8 +3839,8 @@
         </p:nvCxnSpPr>
         <p:spPr>
           <a:xfrm flipV="1">
-            <a:off x="6100952" y="997889"/>
-            <a:ext cx="0" cy="942025"/>
+            <a:off x="6520090" y="987921"/>
+            <a:ext cx="0" cy="1006742"/>
           </a:xfrm>
           <a:prstGeom prst="line">
             <a:avLst/>
@@ -3887,8 +3893,8 @@
         </p:blipFill>
         <p:spPr>
           <a:xfrm>
-            <a:off x="6052240" y="847524"/>
-            <a:ext cx="230401" cy="135314"/>
+            <a:off x="6468032" y="827225"/>
+            <a:ext cx="246230" cy="144610"/>
           </a:xfrm>
           <a:prstGeom prst="rect">
             <a:avLst/>
@@ -3909,10 +3915,10 @@
         </p:nvGrpSpPr>
         <p:grpSpPr>
           <a:xfrm>
-            <a:off x="2078170" y="859395"/>
-            <a:ext cx="602909" cy="276999"/>
+            <a:off x="2220942" y="839913"/>
+            <a:ext cx="644329" cy="289631"/>
             <a:chOff x="2276570" y="1008312"/>
-            <a:chExt cx="602909" cy="276999"/>
+            <a:chExt cx="602909" cy="271012"/>
           </a:xfrm>
         </p:grpSpPr>
         <p:sp>
@@ -3930,7 +3936,7 @@
           <p:spPr>
             <a:xfrm>
               <a:off x="2276570" y="1008312"/>
-              <a:ext cx="602909" cy="276999"/>
+              <a:ext cx="602909" cy="271012"/>
             </a:xfrm>
             <a:prstGeom prst="rect">
               <a:avLst/>
@@ -3949,7 +3955,7 @@
             <a:lstStyle/>
             <a:p>
               <a:pPr algn="ctr"/>
-              <a:endParaRPr lang="en-US" sz="1200" dirty="0"/>
+              <a:endParaRPr lang="en-US" sz="1282" dirty="0"/>
             </a:p>
           </p:txBody>
         </p:sp>
@@ -4011,9 +4017,9 @@
           <p:nvPr/>
         </p:nvCxnSpPr>
         <p:spPr>
-          <a:xfrm>
-            <a:off x="1721545" y="997890"/>
-            <a:ext cx="356625" cy="4"/>
+          <a:xfrm flipV="1">
+            <a:off x="1839815" y="984729"/>
+            <a:ext cx="381127" cy="3192"/>
           </a:xfrm>
           <a:prstGeom prst="straightConnector1">
             <a:avLst/>
@@ -4054,8 +4060,8 @@
         </p:nvSpPr>
         <p:spPr>
           <a:xfrm>
-            <a:off x="2887718" y="929310"/>
-            <a:ext cx="137160" cy="137160"/>
+            <a:off x="3086106" y="914629"/>
+            <a:ext cx="146583" cy="146583"/>
           </a:xfrm>
           <a:prstGeom prst="ellipse">
             <a:avLst/>
@@ -4088,7 +4094,7 @@
           <a:lstStyle/>
           <a:p>
             <a:pPr algn="ctr"/>
-            <a:endParaRPr lang="en-US" sz="1799"/>
+            <a:endParaRPr lang="en-US" sz="1923"/>
           </a:p>
         </p:txBody>
       </p:sp>
@@ -4106,8 +4112,8 @@
         </p:nvSpPr>
         <p:spPr>
           <a:xfrm>
-            <a:off x="4284156" y="1468199"/>
-            <a:ext cx="592073" cy="276999"/>
+            <a:off x="4578480" y="1490541"/>
+            <a:ext cx="632749" cy="289631"/>
           </a:xfrm>
           <a:prstGeom prst="rect">
             <a:avLst/>
@@ -4140,7 +4146,7 @@
           <a:p>
             <a:pPr algn="ctr"/>
             <a:r>
-              <a:rPr lang="en-US" sz="1200" dirty="0">
+              <a:rPr lang="en-US" sz="1282" dirty="0">
                 <a:solidFill>
                   <a:srgbClr val="2D0AFE"/>
                 </a:solidFill>
@@ -4167,9 +4173,9 @@
           <p:nvPr/>
         </p:nvCxnSpPr>
         <p:spPr>
-          <a:xfrm flipV="1">
-            <a:off x="2681078" y="997890"/>
-            <a:ext cx="206640" cy="4"/>
+          <a:xfrm>
+            <a:off x="2865271" y="984729"/>
+            <a:ext cx="220835" cy="3192"/>
           </a:xfrm>
           <a:prstGeom prst="straightConnector1">
             <a:avLst/>
@@ -4228,8 +4234,8 @@
         </p:blipFill>
         <p:spPr>
           <a:xfrm>
-            <a:off x="2721039" y="862154"/>
-            <a:ext cx="102400" cy="106057"/>
+            <a:off x="2907976" y="842860"/>
+            <a:ext cx="109435" cy="113343"/>
           </a:xfrm>
           <a:prstGeom prst="rect">
             <a:avLst/>
@@ -4253,9 +4259,9 @@
           <p:nvPr/>
         </p:nvCxnSpPr>
         <p:spPr>
-          <a:xfrm>
-            <a:off x="3024879" y="997890"/>
-            <a:ext cx="410121" cy="2"/>
+          <a:xfrm flipV="1">
+            <a:off x="3232689" y="984726"/>
+            <a:ext cx="438298" cy="3195"/>
           </a:xfrm>
           <a:prstGeom prst="straightConnector1">
             <a:avLst/>
@@ -4298,8 +4304,8 @@
         </p:nvCxnSpPr>
         <p:spPr>
           <a:xfrm flipH="1">
-            <a:off x="4876228" y="1683283"/>
-            <a:ext cx="1224724" cy="0"/>
+            <a:off x="5211227" y="1720401"/>
+            <a:ext cx="1308863" cy="0"/>
           </a:xfrm>
           <a:prstGeom prst="straightConnector1">
             <a:avLst/>
@@ -4343,8 +4349,8 @@
         </p:nvCxnSpPr>
         <p:spPr>
           <a:xfrm rot="5400000">
-            <a:off x="4631451" y="1242667"/>
-            <a:ext cx="608809" cy="119252"/>
+            <a:off x="4951235" y="1247915"/>
+            <a:ext cx="647437" cy="127447"/>
           </a:xfrm>
           <a:prstGeom prst="bentConnector2">
             <a:avLst/>
@@ -4403,8 +4409,8 @@
         </p:blipFill>
         <p:spPr>
           <a:xfrm>
-            <a:off x="2971528" y="751992"/>
-            <a:ext cx="102400" cy="106057"/>
+            <a:off x="3175673" y="725130"/>
+            <a:ext cx="109435" cy="113343"/>
           </a:xfrm>
           <a:prstGeom prst="rect">
             <a:avLst/>
@@ -4443,8 +4449,8 @@
         </p:blipFill>
         <p:spPr>
           <a:xfrm>
-            <a:off x="3170806" y="882270"/>
-            <a:ext cx="84114" cy="65829"/>
+            <a:off x="3388642" y="864359"/>
+            <a:ext cx="89893" cy="70351"/>
           </a:xfrm>
           <a:prstGeom prst="rect">
             <a:avLst/>
@@ -4468,8 +4474,8 @@
         </p:nvCxnSpPr>
         <p:spPr>
           <a:xfrm>
-            <a:off x="2681078" y="505784"/>
-            <a:ext cx="275221" cy="423527"/>
+            <a:off x="2865270" y="458809"/>
+            <a:ext cx="294128" cy="455820"/>
           </a:xfrm>
           <a:prstGeom prst="bentConnector2">
             <a:avLst/>
@@ -4509,8 +4515,8 @@
         </p:nvCxnSpPr>
         <p:spPr>
           <a:xfrm rot="5400000" flipH="1" flipV="1">
-            <a:off x="1742959" y="662682"/>
-            <a:ext cx="492108" cy="178310"/>
+            <a:off x="1861102" y="628087"/>
+            <a:ext cx="529116" cy="190561"/>
           </a:xfrm>
           <a:prstGeom prst="bentConnector2">
             <a:avLst/>
@@ -4550,8 +4556,8 @@
         </p:nvCxnSpPr>
         <p:spPr>
           <a:xfrm rot="10800000" flipV="1">
-            <a:off x="1259778" y="997888"/>
-            <a:ext cx="640080" cy="230836"/>
+            <a:off x="1346325" y="987919"/>
+            <a:ext cx="684054" cy="246695"/>
           </a:xfrm>
           <a:prstGeom prst="bentConnector4">
             <a:avLst>
@@ -4599,8 +4605,8 @@
         </p:nvCxnSpPr>
         <p:spPr>
           <a:xfrm rot="10800000">
-            <a:off x="3693080" y="1136393"/>
-            <a:ext cx="591077" cy="470307"/>
+            <a:off x="3946796" y="1129541"/>
+            <a:ext cx="631684" cy="505816"/>
           </a:xfrm>
           <a:prstGeom prst="bentConnector2">
             <a:avLst/>
@@ -4637,14 +4643,15 @@
             </a:extLst>
           </p:cNvPr>
           <p:cNvCxnSpPr>
+            <a:cxnSpLocks/>
             <a:endCxn id="4" idx="2"/>
           </p:cNvCxnSpPr>
           <p:nvPr/>
         </p:nvCxnSpPr>
         <p:spPr>
           <a:xfrm rot="10800000">
-            <a:off x="1020238" y="1228726"/>
-            <a:ext cx="2672845" cy="377977"/>
+            <a:off x="1090329" y="1228162"/>
+            <a:ext cx="2856475" cy="410401"/>
           </a:xfrm>
           <a:prstGeom prst="bentConnector2">
             <a:avLst/>
@@ -4704,8 +4711,8 @@
         </p:blipFill>
         <p:spPr>
           <a:xfrm>
-            <a:off x="3717973" y="1428224"/>
-            <a:ext cx="117028" cy="149943"/>
+            <a:off x="3973399" y="1447820"/>
+            <a:ext cx="125068" cy="160244"/>
           </a:xfrm>
           <a:prstGeom prst="rect">
             <a:avLst/>
@@ -4744,8 +4751,8 @@
         </p:blipFill>
         <p:spPr>
           <a:xfrm>
-            <a:off x="3971767" y="867639"/>
-            <a:ext cx="146285" cy="95086"/>
+            <a:off x="4244630" y="848722"/>
+            <a:ext cx="156335" cy="101618"/>
           </a:xfrm>
           <a:prstGeom prst="rect">
             <a:avLst/>
@@ -4784,8 +4791,8 @@
         </p:blipFill>
         <p:spPr>
           <a:xfrm>
-            <a:off x="4961926" y="867639"/>
-            <a:ext cx="190170" cy="95086"/>
+            <a:off x="5302812" y="848722"/>
+            <a:ext cx="203235" cy="101618"/>
           </a:xfrm>
           <a:prstGeom prst="rect">
             <a:avLst/>
@@ -4808,8 +4815,8 @@
         </p:nvCxnSpPr>
         <p:spPr>
           <a:xfrm rot="5400000" flipH="1" flipV="1">
-            <a:off x="2909218" y="1420485"/>
-            <a:ext cx="868680" cy="182881"/>
+            <a:off x="3109083" y="1439549"/>
+            <a:ext cx="928359" cy="195445"/>
           </a:xfrm>
           <a:prstGeom prst="bentConnector2">
             <a:avLst/>
@@ -4865,8 +4872,8 @@
         </p:blipFill>
         <p:spPr>
           <a:xfrm>
-            <a:off x="3146769" y="1110355"/>
-            <a:ext cx="80458" cy="135314"/>
+            <a:off x="3362954" y="1108112"/>
+            <a:ext cx="85985" cy="144610"/>
           </a:xfrm>
           <a:prstGeom prst="rect">
             <a:avLst/>
@@ -4877,6 +4884,2053 @@
     <p:extLst>
       <p:ext uri="{BB962C8B-B14F-4D97-AF65-F5344CB8AC3E}">
         <p14:creationId xmlns:p14="http://schemas.microsoft.com/office/powerpoint/2010/main" val="1699504175"/>
+      </p:ext>
+    </p:extLst>
+  </p:cSld>
+  <p:clrMapOvr>
+    <a:masterClrMapping/>
+  </p:clrMapOvr>
+</p:sld>
+</file>
+
+<file path=ppt/slides/slide2.xml><?xml version="1.0" encoding="utf-8"?>
+<p:sld xmlns:a="http://schemas.openxmlformats.org/drawingml/2006/main" xmlns:r="http://schemas.openxmlformats.org/officeDocument/2006/relationships" xmlns:p="http://schemas.openxmlformats.org/presentationml/2006/main">
+  <p:cSld>
+    <p:spTree>
+      <p:nvGrpSpPr>
+        <p:cNvPr id="1" name=""/>
+        <p:cNvGrpSpPr/>
+        <p:nvPr/>
+      </p:nvGrpSpPr>
+      <p:grpSpPr>
+        <a:xfrm>
+          <a:off x="0" y="0"/>
+          <a:ext cx="0" cy="0"/>
+          <a:chOff x="0" y="0"/>
+          <a:chExt cx="0" cy="0"/>
+        </a:xfrm>
+      </p:grpSpPr>
+      <p:grpSp>
+        <p:nvGrpSpPr>
+          <p:cNvPr id="130" name="Group 129">
+            <a:extLst>
+              <a:ext uri="{FF2B5EF4-FFF2-40B4-BE49-F238E27FC236}">
+                <a16:creationId xmlns:a16="http://schemas.microsoft.com/office/drawing/2014/main" id="{0CBF73D7-C769-4B50-B9C6-FC542C0BCCD9}"/>
+              </a:ext>
+            </a:extLst>
+          </p:cNvPr>
+          <p:cNvGrpSpPr/>
+          <p:nvPr/>
+        </p:nvGrpSpPr>
+        <p:grpSpPr>
+          <a:xfrm>
+            <a:off x="46526" y="310540"/>
+            <a:ext cx="6748910" cy="1212236"/>
+            <a:chOff x="46526" y="310540"/>
+            <a:chExt cx="6748910" cy="1212236"/>
+          </a:xfrm>
+        </p:grpSpPr>
+        <p:sp>
+          <p:nvSpPr>
+            <p:cNvPr id="10" name="TextBox 9">
+              <a:extLst>
+                <a:ext uri="{FF2B5EF4-FFF2-40B4-BE49-F238E27FC236}">
+                  <a16:creationId xmlns:a16="http://schemas.microsoft.com/office/drawing/2014/main" id="{543511DD-202A-41E7-8154-6F188206CAF9}"/>
+                </a:ext>
+              </a:extLst>
+            </p:cNvPr>
+            <p:cNvSpPr txBox="1"/>
+            <p:nvPr/>
+          </p:nvSpPr>
+          <p:spPr>
+            <a:xfrm>
+              <a:off x="3796729" y="802788"/>
+              <a:ext cx="425875" cy="215444"/>
+            </a:xfrm>
+            <a:prstGeom prst="rect">
+              <a:avLst/>
+            </a:prstGeom>
+            <a:noFill/>
+            <a:ln>
+              <a:solidFill>
+                <a:schemeClr val="tx1"/>
+              </a:solidFill>
+            </a:ln>
+          </p:spPr>
+          <p:txBody>
+            <a:bodyPr wrap="square" rtlCol="0">
+              <a:spAutoFit/>
+            </a:bodyPr>
+            <a:lstStyle/>
+            <a:p>
+              <a:pPr algn="ctr"/>
+              <a:r>
+                <a:rPr lang="en-US" sz="800" dirty="0"/>
+                <a:t>SMC</a:t>
+              </a:r>
+            </a:p>
+          </p:txBody>
+        </p:sp>
+        <p:sp>
+          <p:nvSpPr>
+            <p:cNvPr id="11" name="Oval 10">
+              <a:extLst>
+                <a:ext uri="{FF2B5EF4-FFF2-40B4-BE49-F238E27FC236}">
+                  <a16:creationId xmlns:a16="http://schemas.microsoft.com/office/drawing/2014/main" id="{D46CA3CE-A48A-463F-8C30-13916A92913B}"/>
+                </a:ext>
+              </a:extLst>
+            </p:cNvPr>
+            <p:cNvSpPr/>
+            <p:nvPr/>
+          </p:nvSpPr>
+          <p:spPr>
+            <a:xfrm>
+              <a:off x="1817048" y="837219"/>
+              <a:ext cx="146583" cy="146583"/>
+            </a:xfrm>
+            <a:prstGeom prst="ellipse">
+              <a:avLst/>
+            </a:prstGeom>
+            <a:noFill/>
+            <a:ln>
+              <a:solidFill>
+                <a:schemeClr val="tx1"/>
+              </a:solidFill>
+            </a:ln>
+          </p:spPr>
+          <p:style>
+            <a:lnRef idx="2">
+              <a:schemeClr val="accent1">
+                <a:shade val="50000"/>
+              </a:schemeClr>
+            </a:lnRef>
+            <a:fillRef idx="1">
+              <a:schemeClr val="accent1"/>
+            </a:fillRef>
+            <a:effectRef idx="0">
+              <a:schemeClr val="accent1"/>
+            </a:effectRef>
+            <a:fontRef idx="minor">
+              <a:schemeClr val="lt1"/>
+            </a:fontRef>
+          </p:style>
+          <p:txBody>
+            <a:bodyPr rtlCol="0" anchor="ctr"/>
+            <a:lstStyle/>
+            <a:p>
+              <a:pPr algn="ctr"/>
+              <a:endParaRPr lang="en-US" sz="800"/>
+            </a:p>
+          </p:txBody>
+        </p:sp>
+        <p:sp>
+          <p:nvSpPr>
+            <p:cNvPr id="12" name="TextBox 11">
+              <a:extLst>
+                <a:ext uri="{FF2B5EF4-FFF2-40B4-BE49-F238E27FC236}">
+                  <a16:creationId xmlns:a16="http://schemas.microsoft.com/office/drawing/2014/main" id="{6E48F243-184B-4D77-BBAA-2CC44FC0E547}"/>
+                </a:ext>
+              </a:extLst>
+            </p:cNvPr>
+            <p:cNvSpPr txBox="1"/>
+            <p:nvPr/>
+          </p:nvSpPr>
+          <p:spPr>
+            <a:xfrm>
+              <a:off x="4480553" y="741233"/>
+              <a:ext cx="630930" cy="338554"/>
+            </a:xfrm>
+            <a:prstGeom prst="rect">
+              <a:avLst/>
+            </a:prstGeom>
+            <a:noFill/>
+            <a:ln>
+              <a:solidFill>
+                <a:schemeClr val="tx1"/>
+              </a:solidFill>
+            </a:ln>
+          </p:spPr>
+          <p:txBody>
+            <a:bodyPr wrap="square" rtlCol="0">
+              <a:spAutoFit/>
+            </a:bodyPr>
+            <a:lstStyle/>
+            <a:p>
+              <a:pPr algn="ctr"/>
+              <a:r>
+                <a:rPr lang="en-US" sz="800" dirty="0"/>
+                <a:t>Pressure Control</a:t>
+              </a:r>
+            </a:p>
+          </p:txBody>
+        </p:sp>
+        <p:sp>
+          <p:nvSpPr>
+            <p:cNvPr id="13" name="TextBox 12">
+              <a:extLst>
+                <a:ext uri="{FF2B5EF4-FFF2-40B4-BE49-F238E27FC236}">
+                  <a16:creationId xmlns:a16="http://schemas.microsoft.com/office/drawing/2014/main" id="{AF6733C1-4E59-4FFE-9FAA-2A77E55FE8DF}"/>
+                </a:ext>
+              </a:extLst>
+            </p:cNvPr>
+            <p:cNvSpPr txBox="1"/>
+            <p:nvPr/>
+          </p:nvSpPr>
+          <p:spPr>
+            <a:xfrm>
+              <a:off x="5557940" y="741233"/>
+              <a:ext cx="678828" cy="338554"/>
+            </a:xfrm>
+            <a:prstGeom prst="rect">
+              <a:avLst/>
+            </a:prstGeom>
+            <a:noFill/>
+            <a:ln>
+              <a:solidFill>
+                <a:schemeClr val="tx1"/>
+              </a:solidFill>
+            </a:ln>
+          </p:spPr>
+          <p:txBody>
+            <a:bodyPr wrap="square" rtlCol="0">
+              <a:spAutoFit/>
+            </a:bodyPr>
+            <a:lstStyle/>
+            <a:p>
+              <a:pPr algn="ctr"/>
+              <a:r>
+                <a:rPr lang="en-US" sz="800" dirty="0"/>
+                <a:t>Soft</a:t>
+              </a:r>
+            </a:p>
+            <a:p>
+              <a:pPr algn="ctr"/>
+              <a:r>
+                <a:rPr lang="en-US" sz="800" dirty="0"/>
+                <a:t>Actuator</a:t>
+              </a:r>
+            </a:p>
+          </p:txBody>
+        </p:sp>
+        <p:cxnSp>
+          <p:nvCxnSpPr>
+            <p:cNvPr id="20" name="Straight Arrow Connector 19">
+              <a:extLst>
+                <a:ext uri="{FF2B5EF4-FFF2-40B4-BE49-F238E27FC236}">
+                  <a16:creationId xmlns:a16="http://schemas.microsoft.com/office/drawing/2014/main" id="{7EABE422-1956-4A4B-A2C3-94A99C5F7276}"/>
+                </a:ext>
+              </a:extLst>
+            </p:cNvPr>
+            <p:cNvCxnSpPr>
+              <a:cxnSpLocks/>
+              <a:stCxn id="10" idx="3"/>
+              <a:endCxn id="12" idx="1"/>
+            </p:cNvCxnSpPr>
+            <p:nvPr/>
+          </p:nvCxnSpPr>
+          <p:spPr>
+            <a:xfrm>
+              <a:off x="4222604" y="910510"/>
+              <a:ext cx="257949" cy="0"/>
+            </a:xfrm>
+            <a:prstGeom prst="straightConnector1">
+              <a:avLst/>
+            </a:prstGeom>
+            <a:ln>
+              <a:solidFill>
+                <a:schemeClr val="tx1"/>
+              </a:solidFill>
+              <a:tailEnd type="triangle"/>
+            </a:ln>
+          </p:spPr>
+          <p:style>
+            <a:lnRef idx="1">
+              <a:schemeClr val="accent1"/>
+            </a:lnRef>
+            <a:fillRef idx="0">
+              <a:schemeClr val="accent1"/>
+            </a:fillRef>
+            <a:effectRef idx="0">
+              <a:schemeClr val="accent1"/>
+            </a:effectRef>
+            <a:fontRef idx="minor">
+              <a:schemeClr val="tx1"/>
+            </a:fontRef>
+          </p:style>
+        </p:cxnSp>
+        <p:cxnSp>
+          <p:nvCxnSpPr>
+            <p:cNvPr id="23" name="Straight Arrow Connector 22">
+              <a:extLst>
+                <a:ext uri="{FF2B5EF4-FFF2-40B4-BE49-F238E27FC236}">
+                  <a16:creationId xmlns:a16="http://schemas.microsoft.com/office/drawing/2014/main" id="{23A12E2C-E2F2-4D5B-877F-90E41F56E5CE}"/>
+                </a:ext>
+              </a:extLst>
+            </p:cNvPr>
+            <p:cNvCxnSpPr>
+              <a:cxnSpLocks/>
+              <a:stCxn id="12" idx="3"/>
+              <a:endCxn id="13" idx="1"/>
+            </p:cNvCxnSpPr>
+            <p:nvPr/>
+          </p:nvCxnSpPr>
+          <p:spPr>
+            <a:xfrm>
+              <a:off x="5111483" y="910510"/>
+              <a:ext cx="446457" cy="0"/>
+            </a:xfrm>
+            <a:prstGeom prst="straightConnector1">
+              <a:avLst/>
+            </a:prstGeom>
+            <a:ln>
+              <a:solidFill>
+                <a:schemeClr val="tx1"/>
+              </a:solidFill>
+              <a:tailEnd type="triangle"/>
+            </a:ln>
+          </p:spPr>
+          <p:style>
+            <a:lnRef idx="1">
+              <a:schemeClr val="accent1"/>
+            </a:lnRef>
+            <a:fillRef idx="0">
+              <a:schemeClr val="accent1"/>
+            </a:fillRef>
+            <a:effectRef idx="0">
+              <a:schemeClr val="accent1"/>
+            </a:effectRef>
+            <a:fontRef idx="minor">
+              <a:schemeClr val="tx1"/>
+            </a:fontRef>
+          </p:style>
+        </p:cxnSp>
+        <p:cxnSp>
+          <p:nvCxnSpPr>
+            <p:cNvPr id="26" name="Straight Arrow Connector 25">
+              <a:extLst>
+                <a:ext uri="{FF2B5EF4-FFF2-40B4-BE49-F238E27FC236}">
+                  <a16:creationId xmlns:a16="http://schemas.microsoft.com/office/drawing/2014/main" id="{64DA64FE-3A58-4E1F-B874-6A02AF822377}"/>
+                </a:ext>
+              </a:extLst>
+            </p:cNvPr>
+            <p:cNvCxnSpPr>
+              <a:cxnSpLocks/>
+              <a:stCxn id="13" idx="3"/>
+            </p:cNvCxnSpPr>
+            <p:nvPr/>
+          </p:nvCxnSpPr>
+          <p:spPr>
+            <a:xfrm>
+              <a:off x="6236768" y="910510"/>
+              <a:ext cx="558668" cy="0"/>
+            </a:xfrm>
+            <a:prstGeom prst="straightConnector1">
+              <a:avLst/>
+            </a:prstGeom>
+            <a:ln>
+              <a:solidFill>
+                <a:schemeClr val="tx1"/>
+              </a:solidFill>
+              <a:tailEnd type="triangle"/>
+            </a:ln>
+          </p:spPr>
+          <p:style>
+            <a:lnRef idx="1">
+              <a:schemeClr val="accent1"/>
+            </a:lnRef>
+            <a:fillRef idx="0">
+              <a:schemeClr val="accent1"/>
+            </a:fillRef>
+            <a:effectRef idx="0">
+              <a:schemeClr val="accent1"/>
+            </a:effectRef>
+            <a:fontRef idx="minor">
+              <a:schemeClr val="tx1"/>
+            </a:fontRef>
+          </p:style>
+        </p:cxnSp>
+        <p:pic>
+          <p:nvPicPr>
+            <p:cNvPr id="16" name="Picture 15" descr="\documentclass{article}&#10;\usepackage{amsmath}&#10;\pagestyle{empty}&#10;\begin{document}&#10;\begin{align}&#10;\theta_d,\dot{\theta}_d,\ddot{\theta}_d\nonumber&#10;\end{align}&#10;\end{document}" title="IguanaTex Bitmap Display">
+              <a:extLst>
+                <a:ext uri="{FF2B5EF4-FFF2-40B4-BE49-F238E27FC236}">
+                  <a16:creationId xmlns:a16="http://schemas.microsoft.com/office/drawing/2014/main" id="{F82AB8E1-4B09-402A-B32B-5BF48BC78D15}"/>
+                </a:ext>
+              </a:extLst>
+            </p:cNvPr>
+            <p:cNvPicPr>
+              <a:picLocks noChangeAspect="1"/>
+            </p:cNvPicPr>
+            <p:nvPr>
+              <p:custDataLst>
+                <p:tags r:id="rId1"/>
+              </p:custDataLst>
+            </p:nvPr>
+          </p:nvPicPr>
+          <p:blipFill>
+            <a:blip r:embed="rId16">
+              <a:extLst>
+                <a:ext uri="{28A0092B-C50C-407E-A947-70E740481C1C}">
+                  <a14:useLocalDpi xmlns:a14="http://schemas.microsoft.com/office/drawing/2010/main" val="0"/>
+                </a:ext>
+              </a:extLst>
+            </a:blip>
+            <a:stretch>
+              <a:fillRect/>
+            </a:stretch>
+          </p:blipFill>
+          <p:spPr>
+            <a:xfrm>
+              <a:off x="66494" y="761488"/>
+              <a:ext cx="363276" cy="117029"/>
+            </a:xfrm>
+            <a:prstGeom prst="rect">
+              <a:avLst/>
+            </a:prstGeom>
+          </p:spPr>
+        </p:pic>
+        <p:pic>
+          <p:nvPicPr>
+            <p:cNvPr id="35" name="Picture 34" descr="\documentclass{article}&#10;\usepackage{amsmath}&#10;\pagestyle{empty}&#10;\begin{document}&#10;\begin{align}&#10;+\nonumber&#10;\end{align}&#10;\end{document}" title="IguanaTex Bitmap Display">
+              <a:extLst>
+                <a:ext uri="{FF2B5EF4-FFF2-40B4-BE49-F238E27FC236}">
+                  <a16:creationId xmlns:a16="http://schemas.microsoft.com/office/drawing/2014/main" id="{81C1A4E1-C0E0-4E81-9086-250B4CB0D9C4}"/>
+                </a:ext>
+              </a:extLst>
+            </p:cNvPr>
+            <p:cNvPicPr>
+              <a:picLocks noChangeAspect="1"/>
+            </p:cNvPicPr>
+            <p:nvPr>
+              <p:custDataLst>
+                <p:tags r:id="rId2"/>
+              </p:custDataLst>
+            </p:nvPr>
+          </p:nvPicPr>
+          <p:blipFill>
+            <a:blip r:embed="rId17">
+              <a:extLst>
+                <a:ext uri="{28A0092B-C50C-407E-A947-70E740481C1C}">
+                  <a14:useLocalDpi xmlns:a14="http://schemas.microsoft.com/office/drawing/2010/main" val="0"/>
+                </a:ext>
+              </a:extLst>
+            </a:blip>
+            <a:stretch>
+              <a:fillRect/>
+            </a:stretch>
+          </p:blipFill>
+          <p:spPr>
+            <a:xfrm>
+              <a:off x="1660234" y="842860"/>
+              <a:ext cx="44143" cy="45720"/>
+            </a:xfrm>
+            <a:prstGeom prst="rect">
+              <a:avLst/>
+            </a:prstGeom>
+          </p:spPr>
+        </p:pic>
+        <p:pic>
+          <p:nvPicPr>
+            <p:cNvPr id="24" name="Picture 23" descr="\documentclass{article}&#10;\usepackage{amsmath}&#10;\pagestyle{empty}&#10;\begin{document}&#10;\begin{align}&#10;e\nonumber&#10;\end{align}&#10;\end{document}" title="IguanaTex Bitmap Display">
+              <a:extLst>
+                <a:ext uri="{FF2B5EF4-FFF2-40B4-BE49-F238E27FC236}">
+                  <a16:creationId xmlns:a16="http://schemas.microsoft.com/office/drawing/2014/main" id="{3C1E2A6C-7440-4164-B2FA-1499524B60F2}"/>
+                </a:ext>
+              </a:extLst>
+            </p:cNvPr>
+            <p:cNvPicPr>
+              <a:picLocks noChangeAspect="1"/>
+            </p:cNvPicPr>
+            <p:nvPr>
+              <p:custDataLst>
+                <p:tags r:id="rId3"/>
+              </p:custDataLst>
+            </p:nvPr>
+          </p:nvPicPr>
+          <p:blipFill>
+            <a:blip r:embed="rId18">
+              <a:extLst>
+                <a:ext uri="{28A0092B-C50C-407E-A947-70E740481C1C}">
+                  <a14:useLocalDpi xmlns:a14="http://schemas.microsoft.com/office/drawing/2010/main" val="0"/>
+                </a:ext>
+              </a:extLst>
+            </a:blip>
+            <a:stretch>
+              <a:fillRect/>
+            </a:stretch>
+          </p:blipFill>
+          <p:spPr>
+            <a:xfrm>
+              <a:off x="2011447" y="858492"/>
+              <a:ext cx="41448" cy="43886"/>
+            </a:xfrm>
+            <a:prstGeom prst="rect">
+              <a:avLst/>
+            </a:prstGeom>
+          </p:spPr>
+        </p:pic>
+        <p:grpSp>
+          <p:nvGrpSpPr>
+            <p:cNvPr id="21" name="Group 20">
+              <a:extLst>
+                <a:ext uri="{FF2B5EF4-FFF2-40B4-BE49-F238E27FC236}">
+                  <a16:creationId xmlns:a16="http://schemas.microsoft.com/office/drawing/2014/main" id="{46D0FD86-12C5-4F5A-BCE5-E8BF4AC5D661}"/>
+                </a:ext>
+              </a:extLst>
+            </p:cNvPr>
+            <p:cNvGrpSpPr/>
+            <p:nvPr/>
+          </p:nvGrpSpPr>
+          <p:grpSpPr>
+            <a:xfrm>
+              <a:off x="2344757" y="313995"/>
+              <a:ext cx="644329" cy="215444"/>
+              <a:chOff x="2220941" y="313995"/>
+              <a:chExt cx="644329" cy="215444"/>
+            </a:xfrm>
+          </p:grpSpPr>
+          <p:sp>
+            <p:nvSpPr>
+              <p:cNvPr id="40" name="TextBox 39">
+                <a:extLst>
+                  <a:ext uri="{FF2B5EF4-FFF2-40B4-BE49-F238E27FC236}">
+                    <a16:creationId xmlns:a16="http://schemas.microsoft.com/office/drawing/2014/main" id="{151912DB-9BBC-4B84-AD90-4CA6394B5ED5}"/>
+                  </a:ext>
+                </a:extLst>
+              </p:cNvPr>
+              <p:cNvSpPr txBox="1"/>
+              <p:nvPr/>
+            </p:nvSpPr>
+            <p:spPr>
+              <a:xfrm>
+                <a:off x="2220941" y="313995"/>
+                <a:ext cx="644329" cy="215444"/>
+              </a:xfrm>
+              <a:prstGeom prst="rect">
+                <a:avLst/>
+              </a:prstGeom>
+              <a:noFill/>
+              <a:ln>
+                <a:solidFill>
+                  <a:schemeClr val="tx1"/>
+                </a:solidFill>
+              </a:ln>
+            </p:spPr>
+            <p:txBody>
+              <a:bodyPr wrap="square" rtlCol="0">
+                <a:spAutoFit/>
+              </a:bodyPr>
+              <a:lstStyle/>
+              <a:p>
+                <a:pPr algn="ctr"/>
+                <a:endParaRPr lang="en-US" sz="800" dirty="0"/>
+              </a:p>
+            </p:txBody>
+          </p:sp>
+          <p:pic>
+            <p:nvPicPr>
+              <p:cNvPr id="19" name="Picture 18" descr="\documentclass{article}&#10;\usepackage{amsmath}&#10;\pagestyle{empty}&#10;\begin{document}&#10;\begin{align}&#10;de/dt\nonumber&#10;\end{align}&#10;\end{document}" title="IguanaTex Bitmap Display">
+                <a:extLst>
+                  <a:ext uri="{FF2B5EF4-FFF2-40B4-BE49-F238E27FC236}">
+                    <a16:creationId xmlns:a16="http://schemas.microsoft.com/office/drawing/2014/main" id="{13496898-009F-4878-87FC-25051F68126D}"/>
+                  </a:ext>
+                </a:extLst>
+              </p:cNvPr>
+              <p:cNvPicPr>
+                <a:picLocks noChangeAspect="1"/>
+              </p:cNvPicPr>
+              <p:nvPr>
+                <p:custDataLst>
+                  <p:tags r:id="rId14"/>
+                </p:custDataLst>
+              </p:nvPr>
+            </p:nvPicPr>
+            <p:blipFill>
+              <a:blip r:embed="rId19">
+                <a:extLst>
+                  <a:ext uri="{28A0092B-C50C-407E-A947-70E740481C1C}">
+                    <a14:useLocalDpi xmlns:a14="http://schemas.microsoft.com/office/drawing/2010/main" val="0"/>
+                  </a:ext>
+                </a:extLst>
+              </a:blip>
+              <a:stretch>
+                <a:fillRect/>
+              </a:stretch>
+            </p:blipFill>
+            <p:spPr>
+              <a:xfrm>
+                <a:off x="2353548" y="381886"/>
+                <a:ext cx="236495" cy="99962"/>
+              </a:xfrm>
+              <a:prstGeom prst="rect">
+                <a:avLst/>
+              </a:prstGeom>
+            </p:spPr>
+          </p:pic>
+        </p:grpSp>
+        <p:pic>
+          <p:nvPicPr>
+            <p:cNvPr id="32" name="Picture 31" descr="\documentclass{article}&#10;\usepackage{amsmath}&#10;\pagestyle{empty}&#10;\begin{document}&#10;\begin{align}&#10;\theta\nonumber&#10;\end{align}&#10;\end{document}" title="IguanaTex Bitmap Display">
+              <a:extLst>
+                <a:ext uri="{FF2B5EF4-FFF2-40B4-BE49-F238E27FC236}">
+                  <a16:creationId xmlns:a16="http://schemas.microsoft.com/office/drawing/2014/main" id="{5B91D9D6-87AA-44B9-9069-65CDD625948B}"/>
+                </a:ext>
+              </a:extLst>
+            </p:cNvPr>
+            <p:cNvPicPr>
+              <a:picLocks noChangeAspect="1"/>
+            </p:cNvPicPr>
+            <p:nvPr>
+              <p:custDataLst>
+                <p:tags r:id="rId4"/>
+              </p:custDataLst>
+            </p:nvPr>
+          </p:nvPicPr>
+          <p:blipFill>
+            <a:blip r:embed="rId20">
+              <a:extLst>
+                <a:ext uri="{28A0092B-C50C-407E-A947-70E740481C1C}">
+                  <a14:useLocalDpi xmlns:a14="http://schemas.microsoft.com/office/drawing/2010/main" val="0"/>
+                </a:ext>
+              </a:extLst>
+            </a:blip>
+            <a:stretch>
+              <a:fillRect/>
+            </a:stretch>
+          </p:blipFill>
+          <p:spPr>
+            <a:xfrm>
+              <a:off x="1999938" y="1177944"/>
+              <a:ext cx="43886" cy="70705"/>
+            </a:xfrm>
+            <a:prstGeom prst="rect">
+              <a:avLst/>
+            </a:prstGeom>
+          </p:spPr>
+        </p:pic>
+        <p:cxnSp>
+          <p:nvCxnSpPr>
+            <p:cNvPr id="55" name="Straight Connector 54">
+              <a:extLst>
+                <a:ext uri="{FF2B5EF4-FFF2-40B4-BE49-F238E27FC236}">
+                  <a16:creationId xmlns:a16="http://schemas.microsoft.com/office/drawing/2014/main" id="{ACB84D1B-80C9-42B5-9335-3D6AA1792E01}"/>
+                </a:ext>
+              </a:extLst>
+            </p:cNvPr>
+            <p:cNvCxnSpPr>
+              <a:cxnSpLocks/>
+            </p:cNvCxnSpPr>
+            <p:nvPr/>
+          </p:nvCxnSpPr>
+          <p:spPr>
+            <a:xfrm flipH="1" flipV="1">
+              <a:off x="1890340" y="1509043"/>
+              <a:ext cx="4629751" cy="13733"/>
+            </a:xfrm>
+            <a:prstGeom prst="line">
+              <a:avLst/>
+            </a:prstGeom>
+          </p:spPr>
+          <p:style>
+            <a:lnRef idx="1">
+              <a:schemeClr val="dk1"/>
+            </a:lnRef>
+            <a:fillRef idx="0">
+              <a:schemeClr val="dk1"/>
+            </a:fillRef>
+            <a:effectRef idx="0">
+              <a:schemeClr val="dk1"/>
+            </a:effectRef>
+            <a:fontRef idx="minor">
+              <a:schemeClr val="tx1"/>
+            </a:fontRef>
+          </p:style>
+        </p:cxnSp>
+        <p:cxnSp>
+          <p:nvCxnSpPr>
+            <p:cNvPr id="57" name="Straight Arrow Connector 56">
+              <a:extLst>
+                <a:ext uri="{FF2B5EF4-FFF2-40B4-BE49-F238E27FC236}">
+                  <a16:creationId xmlns:a16="http://schemas.microsoft.com/office/drawing/2014/main" id="{4941E9D7-A0C7-465A-9389-D6514F171261}"/>
+                </a:ext>
+              </a:extLst>
+            </p:cNvPr>
+            <p:cNvCxnSpPr>
+              <a:cxnSpLocks/>
+              <a:endCxn id="11" idx="4"/>
+            </p:cNvCxnSpPr>
+            <p:nvPr/>
+          </p:nvCxnSpPr>
+          <p:spPr>
+            <a:xfrm flipV="1">
+              <a:off x="1890340" y="983802"/>
+              <a:ext cx="0" cy="525241"/>
+            </a:xfrm>
+            <a:prstGeom prst="straightConnector1">
+              <a:avLst/>
+            </a:prstGeom>
+            <a:ln>
+              <a:solidFill>
+                <a:schemeClr val="tx1"/>
+              </a:solidFill>
+              <a:tailEnd type="triangle"/>
+            </a:ln>
+          </p:spPr>
+          <p:style>
+            <a:lnRef idx="1">
+              <a:schemeClr val="accent1"/>
+            </a:lnRef>
+            <a:fillRef idx="0">
+              <a:schemeClr val="accent1"/>
+            </a:fillRef>
+            <a:effectRef idx="0">
+              <a:schemeClr val="accent1"/>
+            </a:effectRef>
+            <a:fontRef idx="minor">
+              <a:schemeClr val="tx1"/>
+            </a:fontRef>
+          </p:style>
+        </p:cxnSp>
+        <p:cxnSp>
+          <p:nvCxnSpPr>
+            <p:cNvPr id="59" name="Straight Connector 58">
+              <a:extLst>
+                <a:ext uri="{FF2B5EF4-FFF2-40B4-BE49-F238E27FC236}">
+                  <a16:creationId xmlns:a16="http://schemas.microsoft.com/office/drawing/2014/main" id="{E39A80A6-28D1-4903-BB54-BB6B408FA620}"/>
+                </a:ext>
+              </a:extLst>
+            </p:cNvPr>
+            <p:cNvCxnSpPr>
+              <a:cxnSpLocks/>
+            </p:cNvCxnSpPr>
+            <p:nvPr/>
+          </p:nvCxnSpPr>
+          <p:spPr>
+            <a:xfrm flipV="1">
+              <a:off x="6520090" y="912096"/>
+              <a:ext cx="0" cy="608768"/>
+            </a:xfrm>
+            <a:prstGeom prst="line">
+              <a:avLst/>
+            </a:prstGeom>
+          </p:spPr>
+          <p:style>
+            <a:lnRef idx="1">
+              <a:schemeClr val="dk1"/>
+            </a:lnRef>
+            <a:fillRef idx="0">
+              <a:schemeClr val="dk1"/>
+            </a:fillRef>
+            <a:effectRef idx="0">
+              <a:schemeClr val="dk1"/>
+            </a:effectRef>
+            <a:fontRef idx="minor">
+              <a:schemeClr val="tx1"/>
+            </a:fontRef>
+          </p:style>
+        </p:cxnSp>
+        <p:pic>
+          <p:nvPicPr>
+            <p:cNvPr id="90" name="Picture 89" descr="\documentclass{article}&#10;\usepackage{amsmath}&#10;\pagestyle{empty}&#10;\begin{document}&#10;\begin{align}&#10;\theta,\phi\nonumber&#10;\end{align}&#10;\end{document}" title="IguanaTex Bitmap Display">
+              <a:extLst>
+                <a:ext uri="{FF2B5EF4-FFF2-40B4-BE49-F238E27FC236}">
+                  <a16:creationId xmlns:a16="http://schemas.microsoft.com/office/drawing/2014/main" id="{616F6575-6726-4FFD-925F-A0B43A6F3065}"/>
+                </a:ext>
+              </a:extLst>
+            </p:cNvPr>
+            <p:cNvPicPr>
+              <a:picLocks noChangeAspect="1"/>
+            </p:cNvPicPr>
+            <p:nvPr>
+              <p:custDataLst>
+                <p:tags r:id="rId5"/>
+              </p:custDataLst>
+            </p:nvPr>
+          </p:nvPicPr>
+          <p:blipFill>
+            <a:blip r:embed="rId21">
+              <a:extLst>
+                <a:ext uri="{28A0092B-C50C-407E-A947-70E740481C1C}">
+                  <a14:useLocalDpi xmlns:a14="http://schemas.microsoft.com/office/drawing/2010/main" val="0"/>
+                </a:ext>
+              </a:extLst>
+            </a:blip>
+            <a:stretch>
+              <a:fillRect/>
+            </a:stretch>
+          </p:blipFill>
+          <p:spPr>
+            <a:xfrm>
+              <a:off x="6465362" y="772931"/>
+              <a:ext cx="153600" cy="90210"/>
+            </a:xfrm>
+            <a:prstGeom prst="rect">
+              <a:avLst/>
+            </a:prstGeom>
+          </p:spPr>
+        </p:pic>
+        <p:sp>
+          <p:nvSpPr>
+            <p:cNvPr id="66" name="TextBox 65">
+              <a:extLst>
+                <a:ext uri="{FF2B5EF4-FFF2-40B4-BE49-F238E27FC236}">
+                  <a16:creationId xmlns:a16="http://schemas.microsoft.com/office/drawing/2014/main" id="{62440E85-9892-4632-BEFD-B8ABAAE7BCA0}"/>
+                </a:ext>
+              </a:extLst>
+            </p:cNvPr>
+            <p:cNvSpPr txBox="1"/>
+            <p:nvPr/>
+          </p:nvSpPr>
+          <p:spPr>
+            <a:xfrm>
+              <a:off x="2344758" y="802788"/>
+              <a:ext cx="644329" cy="215444"/>
+            </a:xfrm>
+            <a:prstGeom prst="rect">
+              <a:avLst/>
+            </a:prstGeom>
+            <a:noFill/>
+            <a:ln>
+              <a:solidFill>
+                <a:schemeClr val="tx1"/>
+              </a:solidFill>
+            </a:ln>
+          </p:spPr>
+          <p:txBody>
+            <a:bodyPr wrap="square" rtlCol="0">
+              <a:spAutoFit/>
+            </a:bodyPr>
+            <a:lstStyle/>
+            <a:p>
+              <a:pPr algn="ctr"/>
+              <a:endParaRPr lang="en-US" sz="800" dirty="0"/>
+            </a:p>
+          </p:txBody>
+        </p:sp>
+        <p:cxnSp>
+          <p:nvCxnSpPr>
+            <p:cNvPr id="72" name="Straight Arrow Connector 71">
+              <a:extLst>
+                <a:ext uri="{FF2B5EF4-FFF2-40B4-BE49-F238E27FC236}">
+                  <a16:creationId xmlns:a16="http://schemas.microsoft.com/office/drawing/2014/main" id="{1850513D-B5E7-4D2F-84A1-FC7CC60DC1AF}"/>
+                </a:ext>
+              </a:extLst>
+            </p:cNvPr>
+            <p:cNvCxnSpPr>
+              <a:cxnSpLocks/>
+              <a:stCxn id="11" idx="6"/>
+              <a:endCxn id="66" idx="1"/>
+            </p:cNvCxnSpPr>
+            <p:nvPr/>
+          </p:nvCxnSpPr>
+          <p:spPr>
+            <a:xfrm flipV="1">
+              <a:off x="1963631" y="910510"/>
+              <a:ext cx="381127" cy="1"/>
+            </a:xfrm>
+            <a:prstGeom prst="straightConnector1">
+              <a:avLst/>
+            </a:prstGeom>
+            <a:ln>
+              <a:solidFill>
+                <a:schemeClr val="tx1"/>
+              </a:solidFill>
+              <a:tailEnd type="triangle"/>
+            </a:ln>
+          </p:spPr>
+          <p:style>
+            <a:lnRef idx="1">
+              <a:schemeClr val="accent1"/>
+            </a:lnRef>
+            <a:fillRef idx="0">
+              <a:schemeClr val="accent1"/>
+            </a:fillRef>
+            <a:effectRef idx="0">
+              <a:schemeClr val="accent1"/>
+            </a:effectRef>
+            <a:fontRef idx="minor">
+              <a:schemeClr val="tx1"/>
+            </a:fontRef>
+          </p:style>
+        </p:cxnSp>
+        <p:sp>
+          <p:nvSpPr>
+            <p:cNvPr id="78" name="Oval 77">
+              <a:extLst>
+                <a:ext uri="{FF2B5EF4-FFF2-40B4-BE49-F238E27FC236}">
+                  <a16:creationId xmlns:a16="http://schemas.microsoft.com/office/drawing/2014/main" id="{5AEFDE95-8E1A-43C2-94D5-5610F8B6A696}"/>
+                </a:ext>
+              </a:extLst>
+            </p:cNvPr>
+            <p:cNvSpPr/>
+            <p:nvPr/>
+          </p:nvSpPr>
+          <p:spPr>
+            <a:xfrm>
+              <a:off x="3209922" y="837219"/>
+              <a:ext cx="146583" cy="146583"/>
+            </a:xfrm>
+            <a:prstGeom prst="ellipse">
+              <a:avLst/>
+            </a:prstGeom>
+            <a:noFill/>
+            <a:ln>
+              <a:solidFill>
+                <a:schemeClr val="tx1"/>
+              </a:solidFill>
+            </a:ln>
+          </p:spPr>
+          <p:style>
+            <a:lnRef idx="2">
+              <a:schemeClr val="accent1">
+                <a:shade val="50000"/>
+              </a:schemeClr>
+            </a:lnRef>
+            <a:fillRef idx="1">
+              <a:schemeClr val="accent1"/>
+            </a:fillRef>
+            <a:effectRef idx="0">
+              <a:schemeClr val="accent1"/>
+            </a:effectRef>
+            <a:fontRef idx="minor">
+              <a:schemeClr val="lt1"/>
+            </a:fontRef>
+          </p:style>
+          <p:txBody>
+            <a:bodyPr rtlCol="0" anchor="ctr"/>
+            <a:lstStyle/>
+            <a:p>
+              <a:pPr algn="ctr"/>
+              <a:endParaRPr lang="en-US" sz="800"/>
+            </a:p>
+          </p:txBody>
+        </p:sp>
+        <p:sp>
+          <p:nvSpPr>
+            <p:cNvPr id="80" name="TextBox 79">
+              <a:extLst>
+                <a:ext uri="{FF2B5EF4-FFF2-40B4-BE49-F238E27FC236}">
+                  <a16:creationId xmlns:a16="http://schemas.microsoft.com/office/drawing/2014/main" id="{61482F87-BCEC-465F-A278-5C159BA01843}"/>
+                </a:ext>
+              </a:extLst>
+            </p:cNvPr>
+            <p:cNvSpPr txBox="1"/>
+            <p:nvPr/>
+          </p:nvSpPr>
+          <p:spPr>
+            <a:xfrm>
+              <a:off x="4578480" y="1214614"/>
+              <a:ext cx="632749" cy="215444"/>
+            </a:xfrm>
+            <a:prstGeom prst="rect">
+              <a:avLst/>
+            </a:prstGeom>
+            <a:ln>
+              <a:solidFill>
+                <a:srgbClr val="2D0AFE"/>
+              </a:solidFill>
+            </a:ln>
+          </p:spPr>
+          <p:style>
+            <a:lnRef idx="2">
+              <a:schemeClr val="accent1"/>
+            </a:lnRef>
+            <a:fillRef idx="1">
+              <a:schemeClr val="lt1"/>
+            </a:fillRef>
+            <a:effectRef idx="0">
+              <a:schemeClr val="accent1"/>
+            </a:effectRef>
+            <a:fontRef idx="minor">
+              <a:schemeClr val="dk1"/>
+            </a:fontRef>
+          </p:style>
+          <p:txBody>
+            <a:bodyPr wrap="square" rtlCol="0">
+              <a:spAutoFit/>
+            </a:bodyPr>
+            <a:lstStyle/>
+            <a:p>
+              <a:pPr algn="ctr"/>
+              <a:r>
+                <a:rPr lang="en-US" sz="800" dirty="0">
+                  <a:solidFill>
+                    <a:srgbClr val="2D0AFE"/>
+                  </a:solidFill>
+                </a:rPr>
+                <a:t>NDOB</a:t>
+              </a:r>
+            </a:p>
+          </p:txBody>
+        </p:sp>
+        <p:cxnSp>
+          <p:nvCxnSpPr>
+            <p:cNvPr id="81" name="Straight Arrow Connector 80">
+              <a:extLst>
+                <a:ext uri="{FF2B5EF4-FFF2-40B4-BE49-F238E27FC236}">
+                  <a16:creationId xmlns:a16="http://schemas.microsoft.com/office/drawing/2014/main" id="{4AF73A00-5D17-4C62-94C4-AFEA1C3D07DF}"/>
+                </a:ext>
+              </a:extLst>
+            </p:cNvPr>
+            <p:cNvCxnSpPr>
+              <a:cxnSpLocks/>
+              <a:stCxn id="66" idx="3"/>
+              <a:endCxn id="78" idx="2"/>
+            </p:cNvCxnSpPr>
+            <p:nvPr/>
+          </p:nvCxnSpPr>
+          <p:spPr>
+            <a:xfrm>
+              <a:off x="2989087" y="910510"/>
+              <a:ext cx="220835" cy="1"/>
+            </a:xfrm>
+            <a:prstGeom prst="straightConnector1">
+              <a:avLst/>
+            </a:prstGeom>
+            <a:ln>
+              <a:solidFill>
+                <a:schemeClr val="tx1"/>
+              </a:solidFill>
+              <a:tailEnd type="triangle"/>
+            </a:ln>
+          </p:spPr>
+          <p:style>
+            <a:lnRef idx="1">
+              <a:schemeClr val="accent1"/>
+            </a:lnRef>
+            <a:fillRef idx="0">
+              <a:schemeClr val="accent1"/>
+            </a:fillRef>
+            <a:effectRef idx="0">
+              <a:schemeClr val="accent1"/>
+            </a:effectRef>
+            <a:fontRef idx="minor">
+              <a:schemeClr val="tx1"/>
+            </a:fontRef>
+          </p:style>
+        </p:cxnSp>
+        <p:pic>
+          <p:nvPicPr>
+            <p:cNvPr id="84" name="Picture 83" descr="\documentclass{article}&#10;\usepackage{amsmath}&#10;\pagestyle{empty}&#10;\begin{document}&#10;\begin{align}&#10;+\nonumber&#10;\end{align}&#10;\end{document}" title="IguanaTex Bitmap Display">
+              <a:extLst>
+                <a:ext uri="{FF2B5EF4-FFF2-40B4-BE49-F238E27FC236}">
+                  <a16:creationId xmlns:a16="http://schemas.microsoft.com/office/drawing/2014/main" id="{F098568F-D4E0-4920-9E13-561FEDBEB1DD}"/>
+                </a:ext>
+              </a:extLst>
+            </p:cNvPr>
+            <p:cNvPicPr>
+              <a:picLocks noChangeAspect="1"/>
+            </p:cNvPicPr>
+            <p:nvPr>
+              <p:custDataLst>
+                <p:tags r:id="rId6"/>
+              </p:custDataLst>
+            </p:nvPr>
+          </p:nvPicPr>
+          <p:blipFill>
+            <a:blip r:embed="rId17">
+              <a:extLst>
+                <a:ext uri="{28A0092B-C50C-407E-A947-70E740481C1C}">
+                  <a14:useLocalDpi xmlns:a14="http://schemas.microsoft.com/office/drawing/2010/main" val="0"/>
+                </a:ext>
+              </a:extLst>
+            </a:blip>
+            <a:stretch>
+              <a:fillRect/>
+            </a:stretch>
+          </p:blipFill>
+          <p:spPr>
+            <a:xfrm>
+              <a:off x="3119529" y="807833"/>
+              <a:ext cx="44143" cy="45720"/>
+            </a:xfrm>
+            <a:prstGeom prst="rect">
+              <a:avLst/>
+            </a:prstGeom>
+          </p:spPr>
+        </p:pic>
+        <p:cxnSp>
+          <p:nvCxnSpPr>
+            <p:cNvPr id="85" name="Straight Arrow Connector 84">
+              <a:extLst>
+                <a:ext uri="{FF2B5EF4-FFF2-40B4-BE49-F238E27FC236}">
+                  <a16:creationId xmlns:a16="http://schemas.microsoft.com/office/drawing/2014/main" id="{3F21E414-1E94-4960-8247-208ADEDC7A48}"/>
+                </a:ext>
+              </a:extLst>
+            </p:cNvPr>
+            <p:cNvCxnSpPr>
+              <a:cxnSpLocks/>
+              <a:stCxn id="78" idx="6"/>
+              <a:endCxn id="10" idx="1"/>
+            </p:cNvCxnSpPr>
+            <p:nvPr/>
+          </p:nvCxnSpPr>
+          <p:spPr>
+            <a:xfrm flipV="1">
+              <a:off x="3356505" y="910510"/>
+              <a:ext cx="440224" cy="1"/>
+            </a:xfrm>
+            <a:prstGeom prst="straightConnector1">
+              <a:avLst/>
+            </a:prstGeom>
+            <a:ln>
+              <a:solidFill>
+                <a:schemeClr val="tx1"/>
+              </a:solidFill>
+              <a:tailEnd type="triangle"/>
+            </a:ln>
+          </p:spPr>
+          <p:style>
+            <a:lnRef idx="1">
+              <a:schemeClr val="accent1"/>
+            </a:lnRef>
+            <a:fillRef idx="0">
+              <a:schemeClr val="accent1"/>
+            </a:fillRef>
+            <a:effectRef idx="0">
+              <a:schemeClr val="accent1"/>
+            </a:effectRef>
+            <a:fontRef idx="minor">
+              <a:schemeClr val="tx1"/>
+            </a:fontRef>
+          </p:style>
+        </p:cxnSp>
+        <p:cxnSp>
+          <p:nvCxnSpPr>
+            <p:cNvPr id="89" name="Straight Arrow Connector 88">
+              <a:extLst>
+                <a:ext uri="{FF2B5EF4-FFF2-40B4-BE49-F238E27FC236}">
+                  <a16:creationId xmlns:a16="http://schemas.microsoft.com/office/drawing/2014/main" id="{D8DCA91C-A18A-4055-8FC4-9D68C319B712}"/>
+                </a:ext>
+              </a:extLst>
+            </p:cNvPr>
+            <p:cNvCxnSpPr>
+              <a:cxnSpLocks/>
+            </p:cNvCxnSpPr>
+            <p:nvPr/>
+          </p:nvCxnSpPr>
+          <p:spPr>
+            <a:xfrm flipH="1">
+              <a:off x="5211227" y="1395128"/>
+              <a:ext cx="1308863" cy="0"/>
+            </a:xfrm>
+            <a:prstGeom prst="straightConnector1">
+              <a:avLst/>
+            </a:prstGeom>
+            <a:ln>
+              <a:solidFill>
+                <a:srgbClr val="2D0AFE"/>
+              </a:solidFill>
+              <a:tailEnd type="triangle"/>
+            </a:ln>
+          </p:spPr>
+          <p:style>
+            <a:lnRef idx="1">
+              <a:schemeClr val="accent1"/>
+            </a:lnRef>
+            <a:fillRef idx="0">
+              <a:schemeClr val="accent1"/>
+            </a:fillRef>
+            <a:effectRef idx="0">
+              <a:schemeClr val="accent1"/>
+            </a:effectRef>
+            <a:fontRef idx="minor">
+              <a:schemeClr val="tx1"/>
+            </a:fontRef>
+          </p:style>
+        </p:cxnSp>
+        <p:cxnSp>
+          <p:nvCxnSpPr>
+            <p:cNvPr id="92" name="Connector: Elbow 91">
+              <a:extLst>
+                <a:ext uri="{FF2B5EF4-FFF2-40B4-BE49-F238E27FC236}">
+                  <a16:creationId xmlns:a16="http://schemas.microsoft.com/office/drawing/2014/main" id="{479C5FD2-0AF1-45F4-B7F0-765035E440DD}"/>
+                </a:ext>
+              </a:extLst>
+            </p:cNvPr>
+            <p:cNvCxnSpPr>
+              <a:cxnSpLocks/>
+              <a:endCxn id="80" idx="3"/>
+            </p:cNvCxnSpPr>
+            <p:nvPr/>
+          </p:nvCxnSpPr>
+          <p:spPr>
+            <a:xfrm rot="5400000">
+              <a:off x="5097104" y="1024638"/>
+              <a:ext cx="411824" cy="183573"/>
+            </a:xfrm>
+            <a:prstGeom prst="bentConnector2">
+              <a:avLst/>
+            </a:prstGeom>
+            <a:ln>
+              <a:solidFill>
+                <a:srgbClr val="2D0AFE"/>
+              </a:solidFill>
+              <a:tailEnd type="triangle"/>
+            </a:ln>
+          </p:spPr>
+          <p:style>
+            <a:lnRef idx="1">
+              <a:schemeClr val="accent1"/>
+            </a:lnRef>
+            <a:fillRef idx="0">
+              <a:schemeClr val="accent1"/>
+            </a:fillRef>
+            <a:effectRef idx="0">
+              <a:schemeClr val="accent1"/>
+            </a:effectRef>
+            <a:fontRef idx="minor">
+              <a:schemeClr val="tx1"/>
+            </a:fontRef>
+          </p:style>
+        </p:cxnSp>
+        <p:pic>
+          <p:nvPicPr>
+            <p:cNvPr id="93" name="Picture 92" descr="\documentclass{article}&#10;\usepackage{amsmath}&#10;\pagestyle{empty}&#10;\begin{document}&#10;\begin{align}&#10;+\nonumber&#10;\end{align}&#10;\end{document}" title="IguanaTex Bitmap Display">
+              <a:extLst>
+                <a:ext uri="{FF2B5EF4-FFF2-40B4-BE49-F238E27FC236}">
+                  <a16:creationId xmlns:a16="http://schemas.microsoft.com/office/drawing/2014/main" id="{4201D366-25DC-42B6-876D-5A0A002084CD}"/>
+                </a:ext>
+              </a:extLst>
+            </p:cNvPr>
+            <p:cNvPicPr>
+              <a:picLocks noChangeAspect="1"/>
+            </p:cNvPicPr>
+            <p:nvPr>
+              <p:custDataLst>
+                <p:tags r:id="rId7"/>
+              </p:custDataLst>
+            </p:nvPr>
+          </p:nvPicPr>
+          <p:blipFill>
+            <a:blip r:embed="rId17">
+              <a:extLst>
+                <a:ext uri="{28A0092B-C50C-407E-A947-70E740481C1C}">
+                  <a14:useLocalDpi xmlns:a14="http://schemas.microsoft.com/office/drawing/2010/main" val="0"/>
+                </a:ext>
+              </a:extLst>
+            </a:blip>
+            <a:stretch>
+              <a:fillRect/>
+            </a:stretch>
+          </p:blipFill>
+          <p:spPr>
+            <a:xfrm>
+              <a:off x="3333856" y="734542"/>
+              <a:ext cx="44143" cy="45720"/>
+            </a:xfrm>
+            <a:prstGeom prst="rect">
+              <a:avLst/>
+            </a:prstGeom>
+          </p:spPr>
+        </p:pic>
+        <p:pic>
+          <p:nvPicPr>
+            <p:cNvPr id="44" name="Picture 43" descr="\documentclass{article}&#10;\usepackage{amsmath}&#10;\pagestyle{empty}&#10;\begin{document}&#10;\begin{align}&#10;\sigma\nonumber&#10;\end{align}&#10;\end{document}" title="IguanaTex Bitmap Display">
+              <a:extLst>
+                <a:ext uri="{FF2B5EF4-FFF2-40B4-BE49-F238E27FC236}">
+                  <a16:creationId xmlns:a16="http://schemas.microsoft.com/office/drawing/2014/main" id="{2367A69A-5530-4D98-AEC0-18D2EDE3E61F}"/>
+                </a:ext>
+              </a:extLst>
+            </p:cNvPr>
+            <p:cNvPicPr>
+              <a:picLocks noChangeAspect="1"/>
+            </p:cNvPicPr>
+            <p:nvPr>
+              <p:custDataLst>
+                <p:tags r:id="rId8"/>
+              </p:custDataLst>
+            </p:nvPr>
+          </p:nvPicPr>
+          <p:blipFill>
+            <a:blip r:embed="rId22">
+              <a:extLst>
+                <a:ext uri="{28A0092B-C50C-407E-A947-70E740481C1C}">
+                  <a14:useLocalDpi xmlns:a14="http://schemas.microsoft.com/office/drawing/2010/main" val="0"/>
+                </a:ext>
+              </a:extLst>
+            </a:blip>
+            <a:stretch>
+              <a:fillRect/>
+            </a:stretch>
+          </p:blipFill>
+          <p:spPr>
+            <a:xfrm>
+              <a:off x="3621836" y="858474"/>
+              <a:ext cx="56076" cy="43886"/>
+            </a:xfrm>
+            <a:prstGeom prst="rect">
+              <a:avLst/>
+            </a:prstGeom>
+          </p:spPr>
+        </p:pic>
+        <p:cxnSp>
+          <p:nvCxnSpPr>
+            <p:cNvPr id="108" name="Connector: Elbow 107">
+              <a:extLst>
+                <a:ext uri="{FF2B5EF4-FFF2-40B4-BE49-F238E27FC236}">
+                  <a16:creationId xmlns:a16="http://schemas.microsoft.com/office/drawing/2014/main" id="{1720501F-3AAE-4EFC-88B4-26E82C840D05}"/>
+                </a:ext>
+              </a:extLst>
+            </p:cNvPr>
+            <p:cNvCxnSpPr>
+              <a:stCxn id="40" idx="3"/>
+              <a:endCxn id="78" idx="0"/>
+            </p:cNvCxnSpPr>
+            <p:nvPr/>
+          </p:nvCxnSpPr>
+          <p:spPr>
+            <a:xfrm>
+              <a:off x="2989086" y="421717"/>
+              <a:ext cx="294128" cy="415502"/>
+            </a:xfrm>
+            <a:prstGeom prst="bentConnector2">
+              <a:avLst/>
+            </a:prstGeom>
+            <a:ln>
+              <a:tailEnd type="triangle"/>
+            </a:ln>
+          </p:spPr>
+          <p:style>
+            <a:lnRef idx="1">
+              <a:schemeClr val="dk1"/>
+            </a:lnRef>
+            <a:fillRef idx="0">
+              <a:schemeClr val="dk1"/>
+            </a:fillRef>
+            <a:effectRef idx="0">
+              <a:schemeClr val="dk1"/>
+            </a:effectRef>
+            <a:fontRef idx="minor">
+              <a:schemeClr val="tx1"/>
+            </a:fontRef>
+          </p:style>
+        </p:cxnSp>
+        <p:cxnSp>
+          <p:nvCxnSpPr>
+            <p:cNvPr id="110" name="Connector: Elbow 109">
+              <a:extLst>
+                <a:ext uri="{FF2B5EF4-FFF2-40B4-BE49-F238E27FC236}">
+                  <a16:creationId xmlns:a16="http://schemas.microsoft.com/office/drawing/2014/main" id="{F6E4717E-A7AF-4596-8B06-8C14D1FCFA09}"/>
+                </a:ext>
+              </a:extLst>
+            </p:cNvPr>
+            <p:cNvCxnSpPr>
+              <a:cxnSpLocks/>
+              <a:endCxn id="40" idx="1"/>
+            </p:cNvCxnSpPr>
+            <p:nvPr/>
+          </p:nvCxnSpPr>
+          <p:spPr>
+            <a:xfrm rot="5400000" flipH="1" flipV="1">
+              <a:off x="2009823" y="567445"/>
+              <a:ext cx="480661" cy="189207"/>
+            </a:xfrm>
+            <a:prstGeom prst="bentConnector2">
+              <a:avLst/>
+            </a:prstGeom>
+            <a:ln>
+              <a:tailEnd type="triangle"/>
+            </a:ln>
+          </p:spPr>
+          <p:style>
+            <a:lnRef idx="1">
+              <a:schemeClr val="dk1"/>
+            </a:lnRef>
+            <a:fillRef idx="0">
+              <a:schemeClr val="dk1"/>
+            </a:fillRef>
+            <a:effectRef idx="0">
+              <a:schemeClr val="dk1"/>
+            </a:effectRef>
+            <a:fontRef idx="minor">
+              <a:schemeClr val="tx1"/>
+            </a:fontRef>
+          </p:style>
+        </p:cxnSp>
+        <p:cxnSp>
+          <p:nvCxnSpPr>
+            <p:cNvPr id="125" name="Connector: Elbow 124">
+              <a:extLst>
+                <a:ext uri="{FF2B5EF4-FFF2-40B4-BE49-F238E27FC236}">
+                  <a16:creationId xmlns:a16="http://schemas.microsoft.com/office/drawing/2014/main" id="{BF91A2D9-744B-43C8-A284-4705EE063D1B}"/>
+                </a:ext>
+              </a:extLst>
+            </p:cNvPr>
+            <p:cNvCxnSpPr>
+              <a:cxnSpLocks/>
+              <a:stCxn id="80" idx="1"/>
+              <a:endCxn id="10" idx="2"/>
+            </p:cNvCxnSpPr>
+            <p:nvPr/>
+          </p:nvCxnSpPr>
+          <p:spPr>
+            <a:xfrm rot="10800000">
+              <a:off x="4009668" y="1018232"/>
+              <a:ext cx="568813" cy="304104"/>
+            </a:xfrm>
+            <a:prstGeom prst="bentConnector2">
+              <a:avLst/>
+            </a:prstGeom>
+            <a:ln>
+              <a:solidFill>
+                <a:srgbClr val="2D0AFE"/>
+              </a:solidFill>
+              <a:tailEnd type="triangle"/>
+            </a:ln>
+          </p:spPr>
+          <p:style>
+            <a:lnRef idx="1">
+              <a:schemeClr val="accent1"/>
+            </a:lnRef>
+            <a:fillRef idx="0">
+              <a:schemeClr val="accent1"/>
+            </a:fillRef>
+            <a:effectRef idx="0">
+              <a:schemeClr val="accent1"/>
+            </a:effectRef>
+            <a:fontRef idx="minor">
+              <a:schemeClr val="tx1"/>
+            </a:fontRef>
+          </p:style>
+        </p:cxnSp>
+        <p:pic>
+          <p:nvPicPr>
+            <p:cNvPr id="61" name="Picture 60" descr="\documentclass{article}&#10;\usepackage{amsmath}&#10;\usepackage{xcolor}&#10;\pagestyle{empty}&#10;\begin{document}&#10;\begin{align}&#10;\color{blue}&#10;\hat{\Delta}\nonumber&#10;\end{align}&#10;\end{document}" title="IguanaTex Bitmap Display">
+              <a:extLst>
+                <a:ext uri="{FF2B5EF4-FFF2-40B4-BE49-F238E27FC236}">
+                  <a16:creationId xmlns:a16="http://schemas.microsoft.com/office/drawing/2014/main" id="{1E9E9FFD-D0AD-45F0-8098-B3CB684616ED}"/>
+                </a:ext>
+              </a:extLst>
+            </p:cNvPr>
+            <p:cNvPicPr>
+              <a:picLocks noChangeAspect="1"/>
+            </p:cNvPicPr>
+            <p:nvPr>
+              <p:custDataLst>
+                <p:tags r:id="rId9"/>
+              </p:custDataLst>
+            </p:nvPr>
+          </p:nvPicPr>
+          <p:blipFill>
+            <a:blip r:embed="rId23">
+              <a:extLst>
+                <a:ext uri="{28A0092B-C50C-407E-A947-70E740481C1C}">
+                  <a14:useLocalDpi xmlns:a14="http://schemas.microsoft.com/office/drawing/2010/main" val="0"/>
+                </a:ext>
+              </a:extLst>
+            </a:blip>
+            <a:stretch>
+              <a:fillRect/>
+            </a:stretch>
+          </p:blipFill>
+          <p:spPr>
+            <a:xfrm>
+              <a:off x="4046750" y="1184237"/>
+              <a:ext cx="78019" cy="99962"/>
+            </a:xfrm>
+            <a:prstGeom prst="rect">
+              <a:avLst/>
+            </a:prstGeom>
+          </p:spPr>
+        </p:pic>
+        <p:pic>
+          <p:nvPicPr>
+            <p:cNvPr id="48" name="Picture 47" descr="\documentclass{article}&#10;\usepackage{amsmath}&#10;\pagestyle{empty}&#10;\begin{document}&#10;\begin{align}&#10;p_d\nonumber&#10;\end{align}&#10;\end{document}" title="IguanaTex Bitmap Display">
+              <a:extLst>
+                <a:ext uri="{FF2B5EF4-FFF2-40B4-BE49-F238E27FC236}">
+                  <a16:creationId xmlns:a16="http://schemas.microsoft.com/office/drawing/2014/main" id="{FCDACC32-1192-4613-AEAA-9903F6C1B36E}"/>
+                </a:ext>
+              </a:extLst>
+            </p:cNvPr>
+            <p:cNvPicPr>
+              <a:picLocks noChangeAspect="1"/>
+            </p:cNvPicPr>
+            <p:nvPr>
+              <p:custDataLst>
+                <p:tags r:id="rId10"/>
+              </p:custDataLst>
+            </p:nvPr>
+          </p:nvPicPr>
+          <p:blipFill>
+            <a:blip r:embed="rId24">
+              <a:extLst>
+                <a:ext uri="{28A0092B-C50C-407E-A947-70E740481C1C}">
+                  <a14:useLocalDpi xmlns:a14="http://schemas.microsoft.com/office/drawing/2010/main" val="0"/>
+                </a:ext>
+              </a:extLst>
+            </a:blip>
+            <a:stretch>
+              <a:fillRect/>
+            </a:stretch>
+          </p:blipFill>
+          <p:spPr>
+            <a:xfrm>
+              <a:off x="4278851" y="812429"/>
+              <a:ext cx="97524" cy="63390"/>
+            </a:xfrm>
+            <a:prstGeom prst="rect">
+              <a:avLst/>
+            </a:prstGeom>
+          </p:spPr>
+        </p:pic>
+        <p:pic>
+          <p:nvPicPr>
+            <p:cNvPr id="50" name="Picture 49" descr="\documentclass{article}&#10;\usepackage{amsmath}&#10;\pagestyle{empty}&#10;\begin{document}&#10;\begin{align}&#10;p_m\nonumber&#10;\end{align}&#10;\end{document}" title="IguanaTex Bitmap Display">
+              <a:extLst>
+                <a:ext uri="{FF2B5EF4-FFF2-40B4-BE49-F238E27FC236}">
+                  <a16:creationId xmlns:a16="http://schemas.microsoft.com/office/drawing/2014/main" id="{B267D12A-4989-4F30-B27C-39C36E081F16}"/>
+                </a:ext>
+              </a:extLst>
+            </p:cNvPr>
+            <p:cNvPicPr>
+              <a:picLocks noChangeAspect="1"/>
+            </p:cNvPicPr>
+            <p:nvPr>
+              <p:custDataLst>
+                <p:tags r:id="rId11"/>
+              </p:custDataLst>
+            </p:nvPr>
+          </p:nvPicPr>
+          <p:blipFill>
+            <a:blip r:embed="rId25">
+              <a:extLst>
+                <a:ext uri="{28A0092B-C50C-407E-A947-70E740481C1C}">
+                  <a14:useLocalDpi xmlns:a14="http://schemas.microsoft.com/office/drawing/2010/main" val="0"/>
+                </a:ext>
+              </a:extLst>
+            </a:blip>
+            <a:stretch>
+              <a:fillRect/>
+            </a:stretch>
+          </p:blipFill>
+          <p:spPr>
+            <a:xfrm>
+              <a:off x="5331412" y="797891"/>
+              <a:ext cx="126781" cy="63390"/>
+            </a:xfrm>
+            <a:prstGeom prst="rect">
+              <a:avLst/>
+            </a:prstGeom>
+          </p:spPr>
+        </p:pic>
+        <p:cxnSp>
+          <p:nvCxnSpPr>
+            <p:cNvPr id="142" name="Connector: Elbow 141">
+              <a:extLst>
+                <a:ext uri="{FF2B5EF4-FFF2-40B4-BE49-F238E27FC236}">
+                  <a16:creationId xmlns:a16="http://schemas.microsoft.com/office/drawing/2014/main" id="{2EDA6DC9-EAAA-4220-9575-B4FFF6A2C110}"/>
+                </a:ext>
+              </a:extLst>
+            </p:cNvPr>
+            <p:cNvCxnSpPr>
+              <a:cxnSpLocks/>
+            </p:cNvCxnSpPr>
+            <p:nvPr/>
+          </p:nvCxnSpPr>
+          <p:spPr>
+            <a:xfrm rot="5400000" flipH="1" flipV="1">
+              <a:off x="3413403" y="1127645"/>
+              <a:ext cx="521124" cy="241675"/>
+            </a:xfrm>
+            <a:prstGeom prst="bentConnector3">
+              <a:avLst>
+                <a:gd name="adj1" fmla="val 99254"/>
+              </a:avLst>
+            </a:prstGeom>
+            <a:ln>
+              <a:tailEnd type="triangle"/>
+            </a:ln>
+          </p:spPr>
+          <p:style>
+            <a:lnRef idx="1">
+              <a:schemeClr val="dk1"/>
+            </a:lnRef>
+            <a:fillRef idx="0">
+              <a:schemeClr val="dk1"/>
+            </a:fillRef>
+            <a:effectRef idx="0">
+              <a:schemeClr val="dk1"/>
+            </a:effectRef>
+            <a:fontRef idx="minor">
+              <a:schemeClr val="tx1"/>
+            </a:fontRef>
+          </p:style>
+        </p:cxnSp>
+        <p:pic>
+          <p:nvPicPr>
+            <p:cNvPr id="46" name="Picture 45" descr="\documentclass{article}&#10;\usepackage{amsmath}&#10;\pagestyle{empty}&#10;\begin{document}&#10;\begin{align}&#10;\phi\nonumber&#10;\end{align}&#10;\end{document}" title="IguanaTex Bitmap Display">
+              <a:extLst>
+                <a:ext uri="{FF2B5EF4-FFF2-40B4-BE49-F238E27FC236}">
+                  <a16:creationId xmlns:a16="http://schemas.microsoft.com/office/drawing/2014/main" id="{6ACB8DD9-620C-463A-BF93-3520C4A2FB5A}"/>
+                </a:ext>
+              </a:extLst>
+            </p:cNvPr>
+            <p:cNvPicPr>
+              <a:picLocks noChangeAspect="1"/>
+            </p:cNvPicPr>
+            <p:nvPr>
+              <p:custDataLst>
+                <p:tags r:id="rId12"/>
+              </p:custDataLst>
+            </p:nvPr>
+          </p:nvPicPr>
+          <p:blipFill>
+            <a:blip r:embed="rId26">
+              <a:extLst>
+                <a:ext uri="{28A0092B-C50C-407E-A947-70E740481C1C}">
+                  <a14:useLocalDpi xmlns:a14="http://schemas.microsoft.com/office/drawing/2010/main" val="0"/>
+                </a:ext>
+              </a:extLst>
+            </a:blip>
+            <a:stretch>
+              <a:fillRect/>
+            </a:stretch>
+          </p:blipFill>
+          <p:spPr>
+            <a:xfrm>
+              <a:off x="3605566" y="1006415"/>
+              <a:ext cx="53638" cy="90210"/>
+            </a:xfrm>
+            <a:prstGeom prst="rect">
+              <a:avLst/>
+            </a:prstGeom>
+          </p:spPr>
+        </p:pic>
+        <p:grpSp>
+          <p:nvGrpSpPr>
+            <p:cNvPr id="14" name="Group 13">
+              <a:extLst>
+                <a:ext uri="{FF2B5EF4-FFF2-40B4-BE49-F238E27FC236}">
+                  <a16:creationId xmlns:a16="http://schemas.microsoft.com/office/drawing/2014/main" id="{93B87088-D6B9-4E1A-8DEB-E8E669858BCA}"/>
+                </a:ext>
+              </a:extLst>
+            </p:cNvPr>
+            <p:cNvGrpSpPr/>
+            <p:nvPr/>
+          </p:nvGrpSpPr>
+          <p:grpSpPr>
+            <a:xfrm>
+              <a:off x="512951" y="310540"/>
+              <a:ext cx="1067082" cy="1200329"/>
+              <a:chOff x="579985" y="244501"/>
+              <a:chExt cx="1067082" cy="1200329"/>
+            </a:xfrm>
+          </p:grpSpPr>
+          <p:sp>
+            <p:nvSpPr>
+              <p:cNvPr id="4" name="TextBox 3">
+                <a:extLst>
+                  <a:ext uri="{FF2B5EF4-FFF2-40B4-BE49-F238E27FC236}">
+                    <a16:creationId xmlns:a16="http://schemas.microsoft.com/office/drawing/2014/main" id="{39E59FA6-C8C0-47B2-96FF-4C3017BE85D2}"/>
+                  </a:ext>
+                </a:extLst>
+              </p:cNvPr>
+              <p:cNvSpPr txBox="1"/>
+              <p:nvPr/>
+            </p:nvSpPr>
+            <p:spPr>
+              <a:xfrm>
+                <a:off x="579985" y="244501"/>
+                <a:ext cx="1067082" cy="1200329"/>
+              </a:xfrm>
+              <a:prstGeom prst="rect">
+                <a:avLst/>
+              </a:prstGeom>
+              <a:noFill/>
+              <a:ln>
+                <a:solidFill>
+                  <a:srgbClr val="FF0000"/>
+                </a:solidFill>
+              </a:ln>
+            </p:spPr>
+            <p:txBody>
+              <a:bodyPr wrap="square" rtlCol="0">
+                <a:spAutoFit/>
+              </a:bodyPr>
+              <a:lstStyle/>
+              <a:p>
+                <a:pPr algn="ctr"/>
+                <a:r>
+                  <a:rPr lang="en-US" sz="800" dirty="0">
+                    <a:solidFill>
+                      <a:srgbClr val="FF0000"/>
+                    </a:solidFill>
+                  </a:rPr>
+                  <a:t>Mode Switching</a:t>
+                </a:r>
+              </a:p>
+              <a:p>
+                <a:pPr algn="ctr"/>
+                <a:endParaRPr lang="en-US" sz="800" dirty="0">
+                  <a:solidFill>
+                    <a:srgbClr val="FF0000"/>
+                  </a:solidFill>
+                </a:endParaRPr>
+              </a:p>
+              <a:p>
+                <a:pPr algn="ctr"/>
+                <a:endParaRPr lang="en-US" sz="800" dirty="0">
+                  <a:solidFill>
+                    <a:srgbClr val="FF0000"/>
+                  </a:solidFill>
+                </a:endParaRPr>
+              </a:p>
+              <a:p>
+                <a:pPr algn="ctr"/>
+                <a:endParaRPr lang="en-US" sz="800" dirty="0">
+                  <a:solidFill>
+                    <a:srgbClr val="FF0000"/>
+                  </a:solidFill>
+                </a:endParaRPr>
+              </a:p>
+              <a:p>
+                <a:pPr algn="ctr"/>
+                <a:endParaRPr lang="en-US" sz="800" dirty="0">
+                  <a:solidFill>
+                    <a:srgbClr val="FF0000"/>
+                  </a:solidFill>
+                </a:endParaRPr>
+              </a:p>
+              <a:p>
+                <a:pPr algn="ctr"/>
+                <a:endParaRPr lang="en-US" sz="800" dirty="0">
+                  <a:solidFill>
+                    <a:srgbClr val="FF0000"/>
+                  </a:solidFill>
+                </a:endParaRPr>
+              </a:p>
+              <a:p>
+                <a:pPr algn="ctr"/>
+                <a:endParaRPr lang="en-US" sz="800" dirty="0">
+                  <a:solidFill>
+                    <a:srgbClr val="FF0000"/>
+                  </a:solidFill>
+                </a:endParaRPr>
+              </a:p>
+              <a:p>
+                <a:pPr algn="ctr"/>
+                <a:endParaRPr lang="en-US" sz="800" dirty="0">
+                  <a:solidFill>
+                    <a:srgbClr val="FF0000"/>
+                  </a:solidFill>
+                </a:endParaRPr>
+              </a:p>
+              <a:p>
+                <a:pPr algn="ctr"/>
+                <a:endParaRPr lang="en-US" sz="800" dirty="0">
+                  <a:solidFill>
+                    <a:srgbClr val="FF0000"/>
+                  </a:solidFill>
+                </a:endParaRPr>
+              </a:p>
+            </p:txBody>
+          </p:sp>
+          <p:pic>
+            <p:nvPicPr>
+              <p:cNvPr id="9" name="Picture 8" descr="A picture containing graphical user interface&#10;&#10;Description automatically generated">
+                <a:extLst>
+                  <a:ext uri="{FF2B5EF4-FFF2-40B4-BE49-F238E27FC236}">
+                    <a16:creationId xmlns:a16="http://schemas.microsoft.com/office/drawing/2014/main" id="{7E726BF1-A175-4EF2-A02F-90B98FAC40EC}"/>
+                  </a:ext>
+                </a:extLst>
+              </p:cNvPr>
+              <p:cNvPicPr>
+                <a:picLocks noChangeAspect="1"/>
+              </p:cNvPicPr>
+              <p:nvPr/>
+            </p:nvPicPr>
+            <p:blipFill>
+              <a:blip r:embed="rId27">
+                <a:extLst>
+                  <a:ext uri="{28A0092B-C50C-407E-A947-70E740481C1C}">
+                    <a14:useLocalDpi xmlns:a14="http://schemas.microsoft.com/office/drawing/2010/main" val="0"/>
+                  </a:ext>
+                </a:extLst>
+              </a:blip>
+              <a:stretch>
+                <a:fillRect/>
+              </a:stretch>
+            </p:blipFill>
+            <p:spPr>
+              <a:xfrm>
+                <a:off x="603163" y="463400"/>
+                <a:ext cx="1013688" cy="921725"/>
+              </a:xfrm>
+              <a:prstGeom prst="rect">
+                <a:avLst/>
+              </a:prstGeom>
+            </p:spPr>
+          </p:pic>
+        </p:grpSp>
+        <p:pic>
+          <p:nvPicPr>
+            <p:cNvPr id="34" name="Picture 33" descr="\documentclass{article}&#10;\usepackage{amsmath}&#10;\pagestyle{empty}&#10;\begin{document}&#10;\begin{align}&#10;\lambda\nonumber&#10;\end{align}&#10;\end{document}" title="IguanaTex Bitmap Display">
+              <a:extLst>
+                <a:ext uri="{FF2B5EF4-FFF2-40B4-BE49-F238E27FC236}">
+                  <a16:creationId xmlns:a16="http://schemas.microsoft.com/office/drawing/2014/main" id="{ED74CB42-C866-4653-8967-06CCC367F8E2}"/>
+                </a:ext>
+              </a:extLst>
+            </p:cNvPr>
+            <p:cNvPicPr>
+              <a:picLocks noChangeAspect="1"/>
+            </p:cNvPicPr>
+            <p:nvPr>
+              <p:custDataLst>
+                <p:tags r:id="rId13"/>
+              </p:custDataLst>
+            </p:nvPr>
+          </p:nvPicPr>
+          <p:blipFill>
+            <a:blip r:embed="rId28">
+              <a:extLst>
+                <a:ext uri="{28A0092B-C50C-407E-A947-70E740481C1C}">
+                  <a14:useLocalDpi xmlns:a14="http://schemas.microsoft.com/office/drawing/2010/main" val="0"/>
+                </a:ext>
+              </a:extLst>
+            </a:blip>
+            <a:stretch>
+              <a:fillRect/>
+            </a:stretch>
+          </p:blipFill>
+          <p:spPr>
+            <a:xfrm>
+              <a:off x="2631387" y="887322"/>
+              <a:ext cx="51200" cy="70705"/>
+            </a:xfrm>
+            <a:prstGeom prst="rect">
+              <a:avLst/>
+            </a:prstGeom>
+          </p:spPr>
+        </p:pic>
+        <p:cxnSp>
+          <p:nvCxnSpPr>
+            <p:cNvPr id="107" name="Straight Connector 106">
+              <a:extLst>
+                <a:ext uri="{FF2B5EF4-FFF2-40B4-BE49-F238E27FC236}">
+                  <a16:creationId xmlns:a16="http://schemas.microsoft.com/office/drawing/2014/main" id="{872FE44D-93A2-4C44-9847-7B6D2D2D11CB}"/>
+                </a:ext>
+              </a:extLst>
+            </p:cNvPr>
+            <p:cNvCxnSpPr>
+              <a:cxnSpLocks/>
+            </p:cNvCxnSpPr>
+            <p:nvPr/>
+          </p:nvCxnSpPr>
+          <p:spPr>
+            <a:xfrm flipH="1" flipV="1">
+              <a:off x="1794188" y="1060001"/>
+              <a:ext cx="45720" cy="0"/>
+            </a:xfrm>
+            <a:prstGeom prst="line">
+              <a:avLst/>
+            </a:prstGeom>
+          </p:spPr>
+          <p:style>
+            <a:lnRef idx="1">
+              <a:schemeClr val="dk1"/>
+            </a:lnRef>
+            <a:fillRef idx="0">
+              <a:schemeClr val="dk1"/>
+            </a:fillRef>
+            <a:effectRef idx="0">
+              <a:schemeClr val="dk1"/>
+            </a:effectRef>
+            <a:fontRef idx="minor">
+              <a:schemeClr val="tx1"/>
+            </a:fontRef>
+          </p:style>
+        </p:cxnSp>
+        <p:cxnSp>
+          <p:nvCxnSpPr>
+            <p:cNvPr id="109" name="Straight Arrow Connector 108">
+              <a:extLst>
+                <a:ext uri="{FF2B5EF4-FFF2-40B4-BE49-F238E27FC236}">
+                  <a16:creationId xmlns:a16="http://schemas.microsoft.com/office/drawing/2014/main" id="{16DB86F9-7C7E-4048-9387-3E9424D60A19}"/>
+                </a:ext>
+              </a:extLst>
+            </p:cNvPr>
+            <p:cNvCxnSpPr>
+              <a:cxnSpLocks/>
+              <a:stCxn id="4" idx="3"/>
+              <a:endCxn id="11" idx="2"/>
+            </p:cNvCxnSpPr>
+            <p:nvPr/>
+          </p:nvCxnSpPr>
+          <p:spPr>
+            <a:xfrm flipV="1">
+              <a:off x="1580033" y="910511"/>
+              <a:ext cx="237015" cy="194"/>
+            </a:xfrm>
+            <a:prstGeom prst="straightConnector1">
+              <a:avLst/>
+            </a:prstGeom>
+            <a:ln>
+              <a:solidFill>
+                <a:schemeClr val="tx1"/>
+              </a:solidFill>
+              <a:tailEnd type="triangle"/>
+            </a:ln>
+          </p:spPr>
+          <p:style>
+            <a:lnRef idx="1">
+              <a:schemeClr val="accent1"/>
+            </a:lnRef>
+            <a:fillRef idx="0">
+              <a:schemeClr val="accent1"/>
+            </a:fillRef>
+            <a:effectRef idx="0">
+              <a:schemeClr val="accent1"/>
+            </a:effectRef>
+            <a:fontRef idx="minor">
+              <a:schemeClr val="tx1"/>
+            </a:fontRef>
+          </p:style>
+        </p:cxnSp>
+        <p:cxnSp>
+          <p:nvCxnSpPr>
+            <p:cNvPr id="111" name="Connector: Elbow 110">
+              <a:extLst>
+                <a:ext uri="{FF2B5EF4-FFF2-40B4-BE49-F238E27FC236}">
+                  <a16:creationId xmlns:a16="http://schemas.microsoft.com/office/drawing/2014/main" id="{D77FEBA9-8562-481F-A1EA-6DC8B4D302F5}"/>
+                </a:ext>
+              </a:extLst>
+            </p:cNvPr>
+            <p:cNvCxnSpPr>
+              <a:cxnSpLocks/>
+            </p:cNvCxnSpPr>
+            <p:nvPr/>
+          </p:nvCxnSpPr>
+          <p:spPr>
+            <a:xfrm rot="10800000" flipV="1">
+              <a:off x="1575452" y="421715"/>
+              <a:ext cx="578742" cy="0"/>
+            </a:xfrm>
+            <a:prstGeom prst="bentConnector3">
+              <a:avLst>
+                <a:gd name="adj1" fmla="val 50000"/>
+              </a:avLst>
+            </a:prstGeom>
+            <a:ln>
+              <a:solidFill>
+                <a:srgbClr val="FF0000"/>
+              </a:solidFill>
+              <a:prstDash val="lgDashDot"/>
+              <a:tailEnd type="triangle"/>
+            </a:ln>
+          </p:spPr>
+          <p:style>
+            <a:lnRef idx="1">
+              <a:schemeClr val="accent2"/>
+            </a:lnRef>
+            <a:fillRef idx="0">
+              <a:schemeClr val="accent2"/>
+            </a:fillRef>
+            <a:effectRef idx="0">
+              <a:schemeClr val="accent2"/>
+            </a:effectRef>
+            <a:fontRef idx="minor">
+              <a:schemeClr val="tx1"/>
+            </a:fontRef>
+          </p:style>
+        </p:cxnSp>
+        <p:cxnSp>
+          <p:nvCxnSpPr>
+            <p:cNvPr id="113" name="Connector: Elbow 112">
+              <a:extLst>
+                <a:ext uri="{FF2B5EF4-FFF2-40B4-BE49-F238E27FC236}">
+                  <a16:creationId xmlns:a16="http://schemas.microsoft.com/office/drawing/2014/main" id="{9089A71A-2E0B-4B2A-8CD8-AB6345A9D572}"/>
+                </a:ext>
+              </a:extLst>
+            </p:cNvPr>
+            <p:cNvCxnSpPr>
+              <a:cxnSpLocks/>
+            </p:cNvCxnSpPr>
+            <p:nvPr/>
+          </p:nvCxnSpPr>
+          <p:spPr>
+            <a:xfrm rot="10800000">
+              <a:off x="1580033" y="1316180"/>
+              <a:ext cx="2544740" cy="193"/>
+            </a:xfrm>
+            <a:prstGeom prst="bentConnector3">
+              <a:avLst>
+                <a:gd name="adj1" fmla="val 50000"/>
+              </a:avLst>
+            </a:prstGeom>
+            <a:ln>
+              <a:solidFill>
+                <a:srgbClr val="FF0000"/>
+              </a:solidFill>
+              <a:prstDash val="lgDashDot"/>
+              <a:tailEnd type="triangle"/>
+            </a:ln>
+          </p:spPr>
+          <p:style>
+            <a:lnRef idx="1">
+              <a:schemeClr val="accent2"/>
+            </a:lnRef>
+            <a:fillRef idx="0">
+              <a:schemeClr val="accent2"/>
+            </a:fillRef>
+            <a:effectRef idx="0">
+              <a:schemeClr val="accent2"/>
+            </a:effectRef>
+            <a:fontRef idx="minor">
+              <a:schemeClr val="tx1"/>
+            </a:fontRef>
+          </p:style>
+        </p:cxnSp>
+        <p:cxnSp>
+          <p:nvCxnSpPr>
+            <p:cNvPr id="131" name="Straight Arrow Connector 130">
+              <a:extLst>
+                <a:ext uri="{FF2B5EF4-FFF2-40B4-BE49-F238E27FC236}">
+                  <a16:creationId xmlns:a16="http://schemas.microsoft.com/office/drawing/2014/main" id="{F9B85FA8-6413-414E-833C-5E5A4352261B}"/>
+                </a:ext>
+              </a:extLst>
+            </p:cNvPr>
+            <p:cNvCxnSpPr>
+              <a:cxnSpLocks/>
+              <a:endCxn id="4" idx="1"/>
+            </p:cNvCxnSpPr>
+            <p:nvPr/>
+          </p:nvCxnSpPr>
+          <p:spPr>
+            <a:xfrm>
+              <a:off x="46526" y="910705"/>
+              <a:ext cx="466425" cy="0"/>
+            </a:xfrm>
+            <a:prstGeom prst="straightConnector1">
+              <a:avLst/>
+            </a:prstGeom>
+            <a:ln>
+              <a:solidFill>
+                <a:schemeClr val="tx1"/>
+              </a:solidFill>
+              <a:tailEnd type="triangle"/>
+            </a:ln>
+          </p:spPr>
+          <p:style>
+            <a:lnRef idx="1">
+              <a:schemeClr val="accent1"/>
+            </a:lnRef>
+            <a:fillRef idx="0">
+              <a:schemeClr val="accent1"/>
+            </a:fillRef>
+            <a:effectRef idx="0">
+              <a:schemeClr val="accent1"/>
+            </a:effectRef>
+            <a:fontRef idx="minor">
+              <a:schemeClr val="tx1"/>
+            </a:fontRef>
+          </p:style>
+        </p:cxnSp>
+      </p:grpSp>
+    </p:spTree>
+    <p:extLst>
+      <p:ext uri="{BB962C8B-B14F-4D97-AF65-F5344CB8AC3E}">
+        <p14:creationId xmlns:p14="http://schemas.microsoft.com/office/powerpoint/2010/main" val="3894869913"/>
       </p:ext>
     </p:extLst>
   </p:cSld>
@@ -5019,6 +7073,79 @@
 </p:tagLst>
 </file>
 
+<file path=ppt/tags/tag16.xml><?xml version="1.0" encoding="utf-8"?>
+<p:tagLst xmlns:a="http://schemas.openxmlformats.org/drawingml/2006/main" xmlns:r="http://schemas.openxmlformats.org/officeDocument/2006/relationships" xmlns:p="http://schemas.openxmlformats.org/presentationml/2006/main">
+  <p:tag name="OUTPUTDPI" val="300"/>
+  <p:tag name="ORIGINALHEIGHT" val="35.99551"/>
+  <p:tag name="ORIGINALWIDTH" val="111.7361"/>
+  <p:tag name="LATEXADDIN" val="\documentclass{article}&#10;\usepackage{amsmath}&#10;\pagestyle{empty}&#10;\begin{document}&#10;\begin{align}&#10;\theta_d,\dot{\theta}_d,\ddot{\theta}_d\nonumber&#10;\end{align}&#10;\end{document}"/>
+  <p:tag name="IGUANATEXSIZE" val="8"/>
+  <p:tag name="IGUANATEXCURSOR" val="142"/>
+  <p:tag name="TRANSPARENCY" val="True"/>
+  <p:tag name="LATEXENGINEID" val="0"/>
+  <p:tag name="TEMPFOLDER" val="D:\"/>
+  <p:tag name="LATEXFORMHEIGHT" val="312"/>
+  <p:tag name="LATEXFORMWIDTH" val="384"/>
+  <p:tag name="LATEXFORMWRAP" val="True"/>
+  <p:tag name="BITMAPVECTOR" val="0"/>
+</p:tagLst>
+</file>
+
+<file path=ppt/tags/tag17.xml><?xml version="1.0" encoding="utf-8"?>
+<p:tagLst xmlns:a="http://schemas.openxmlformats.org/drawingml/2006/main" xmlns:r="http://schemas.openxmlformats.org/officeDocument/2006/relationships" xmlns:p="http://schemas.openxmlformats.org/presentationml/2006/main">
+  <p:tag name="OUTPUTDPI" val="300"/>
+  <p:tag name="ORIGINALHEIGHT" val="21.74724"/>
+  <p:tag name="ORIGINALWIDTH" val="20.9974"/>
+  <p:tag name="LATEXADDIN" val="\documentclass{article}&#10;\usepackage{amsmath}&#10;\pagestyle{empty}&#10;\begin{document}&#10;\begin{align}&#10;+\nonumber&#10;\end{align}&#10;\end{document}"/>
+  <p:tag name="IGUANATEXSIZE" val="12"/>
+  <p:tag name="IGUANATEXCURSOR" val="104"/>
+  <p:tag name="TRANSPARENCY" val="True"/>
+  <p:tag name="FILENAME" val=""/>
+  <p:tag name="LATEXENGINEID" val="0"/>
+  <p:tag name="TEMPFOLDER" val="D:\"/>
+  <p:tag name="LATEXFORMHEIGHT" val="312"/>
+  <p:tag name="LATEXFORMWIDTH" val="384"/>
+  <p:tag name="LATEXFORMWRAP" val="True"/>
+  <p:tag name="BITMAPVECTOR" val="0"/>
+</p:tagLst>
+</file>
+
+<file path=ppt/tags/tag18.xml><?xml version="1.0" encoding="utf-8"?>
+<p:tagLst xmlns:a="http://schemas.openxmlformats.org/drawingml/2006/main" xmlns:r="http://schemas.openxmlformats.org/officeDocument/2006/relationships" xmlns:p="http://schemas.openxmlformats.org/presentationml/2006/main">
+  <p:tag name="OUTPUTDPI" val="300"/>
+  <p:tag name="ORIGINALHEIGHT" val="13.49835"/>
+  <p:tag name="ORIGINALWIDTH" val="12.74843"/>
+  <p:tag name="LATEXADDIN" val="\documentclass{article}&#10;\usepackage{amsmath}&#10;\pagestyle{empty}&#10;\begin{document}&#10;\begin{align}&#10;e\nonumber&#10;\end{align}&#10;\end{document}"/>
+  <p:tag name="IGUANATEXSIZE" val="8"/>
+  <p:tag name="IGUANATEXCURSOR" val="104"/>
+  <p:tag name="TRANSPARENCY" val="True"/>
+  <p:tag name="LATEXENGINEID" val="0"/>
+  <p:tag name="TEMPFOLDER" val="D:\"/>
+  <p:tag name="LATEXFORMHEIGHT" val="312"/>
+  <p:tag name="LATEXFORMWIDTH" val="384"/>
+  <p:tag name="LATEXFORMWRAP" val="True"/>
+  <p:tag name="BITMAPVECTOR" val="0"/>
+</p:tagLst>
+</file>
+
+<file path=ppt/tags/tag19.xml><?xml version="1.0" encoding="utf-8"?>
+<p:tagLst xmlns:a="http://schemas.openxmlformats.org/drawingml/2006/main" xmlns:r="http://schemas.openxmlformats.org/officeDocument/2006/relationships" xmlns:p="http://schemas.openxmlformats.org/presentationml/2006/main">
+  <p:tag name="OUTPUTDPI" val="300"/>
+  <p:tag name="ORIGINALHEIGHT" val="21.74724"/>
+  <p:tag name="ORIGINALWIDTH" val="13.49835"/>
+  <p:tag name="LATEXADDIN" val="\documentclass{article}&#10;\usepackage{amsmath}&#10;\pagestyle{empty}&#10;\begin{document}&#10;\begin{align}&#10;\theta\nonumber&#10;\end{align}&#10;\end{document}"/>
+  <p:tag name="IGUANATEXSIZE" val="8"/>
+  <p:tag name="IGUANATEXCURSOR" val="100"/>
+  <p:tag name="TRANSPARENCY" val="True"/>
+  <p:tag name="LATEXENGINEID" val="0"/>
+  <p:tag name="TEMPFOLDER" val="D:\"/>
+  <p:tag name="LATEXFORMHEIGHT" val="312"/>
+  <p:tag name="LATEXFORMWIDTH" val="384"/>
+  <p:tag name="LATEXFORMWRAP" val="True"/>
+  <p:tag name="BITMAPVECTOR" val="0"/>
+</p:tagLst>
+</file>
+
 <file path=ppt/tags/tag2.xml><?xml version="1.0" encoding="utf-8"?>
 <p:tagLst xmlns:a="http://schemas.openxmlformats.org/drawingml/2006/main" xmlns:r="http://schemas.openxmlformats.org/officeDocument/2006/relationships" xmlns:p="http://schemas.openxmlformats.org/presentationml/2006/main">
   <p:tag name="OUTPUTDPI" val="300"/>
@@ -5029,6 +7156,188 @@
   <p:tag name="IGUANATEXCURSOR" val="104"/>
   <p:tag name="TRANSPARENCY" val="True"/>
   <p:tag name="FILENAME" val=""/>
+  <p:tag name="LATEXENGINEID" val="0"/>
+  <p:tag name="TEMPFOLDER" val="D:\"/>
+  <p:tag name="LATEXFORMHEIGHT" val="312"/>
+  <p:tag name="LATEXFORMWIDTH" val="384"/>
+  <p:tag name="LATEXFORMWRAP" val="True"/>
+  <p:tag name="BITMAPVECTOR" val="0"/>
+</p:tagLst>
+</file>
+
+<file path=ppt/tags/tag20.xml><?xml version="1.0" encoding="utf-8"?>
+<p:tagLst xmlns:a="http://schemas.openxmlformats.org/drawingml/2006/main" xmlns:r="http://schemas.openxmlformats.org/officeDocument/2006/relationships" xmlns:p="http://schemas.openxmlformats.org/presentationml/2006/main">
+  <p:tag name="OUTPUTDPI" val="300"/>
+  <p:tag name="ORIGINALHEIGHT" val="27.74654"/>
+  <p:tag name="ORIGINALWIDTH" val="47.24409"/>
+  <p:tag name="LATEXADDIN" val="\documentclass{article}&#10;\usepackage{amsmath}&#10;\pagestyle{empty}&#10;\begin{document}&#10;\begin{align}&#10;\theta,\phi\nonumber&#10;\end{align}&#10;\end{document}"/>
+  <p:tag name="IGUANATEXSIZE" val="8"/>
+  <p:tag name="IGUANATEXCURSOR" val="105"/>
+  <p:tag name="TRANSPARENCY" val="True"/>
+  <p:tag name="LATEXENGINEID" val="0"/>
+  <p:tag name="TEMPFOLDER" val="D:\"/>
+  <p:tag name="LATEXFORMHEIGHT" val="312"/>
+  <p:tag name="LATEXFORMWIDTH" val="384"/>
+  <p:tag name="LATEXFORMWRAP" val="True"/>
+  <p:tag name="BITMAPVECTOR" val="0"/>
+</p:tagLst>
+</file>
+
+<file path=ppt/tags/tag21.xml><?xml version="1.0" encoding="utf-8"?>
+<p:tagLst xmlns:a="http://schemas.openxmlformats.org/drawingml/2006/main" xmlns:r="http://schemas.openxmlformats.org/officeDocument/2006/relationships" xmlns:p="http://schemas.openxmlformats.org/presentationml/2006/main">
+  <p:tag name="OUTPUTDPI" val="300"/>
+  <p:tag name="ORIGINALHEIGHT" val="21.74724"/>
+  <p:tag name="ORIGINALWIDTH" val="20.9974"/>
+  <p:tag name="LATEXADDIN" val="\documentclass{article}&#10;\usepackage{amsmath}&#10;\pagestyle{empty}&#10;\begin{document}&#10;\begin{align}&#10;+\nonumber&#10;\end{align}&#10;\end{document}"/>
+  <p:tag name="IGUANATEXSIZE" val="12"/>
+  <p:tag name="IGUANATEXCURSOR" val="104"/>
+  <p:tag name="TRANSPARENCY" val="True"/>
+  <p:tag name="FILENAME" val=""/>
+  <p:tag name="LATEXENGINEID" val="0"/>
+  <p:tag name="TEMPFOLDER" val="D:\"/>
+  <p:tag name="LATEXFORMHEIGHT" val="312"/>
+  <p:tag name="LATEXFORMWIDTH" val="384"/>
+  <p:tag name="LATEXFORMWRAP" val="True"/>
+  <p:tag name="BITMAPVECTOR" val="0"/>
+</p:tagLst>
+</file>
+
+<file path=ppt/tags/tag22.xml><?xml version="1.0" encoding="utf-8"?>
+<p:tagLst xmlns:a="http://schemas.openxmlformats.org/drawingml/2006/main" xmlns:r="http://schemas.openxmlformats.org/officeDocument/2006/relationships" xmlns:p="http://schemas.openxmlformats.org/presentationml/2006/main">
+  <p:tag name="OUTPUTDPI" val="300"/>
+  <p:tag name="ORIGINALHEIGHT" val="21.74724"/>
+  <p:tag name="ORIGINALWIDTH" val="20.9974"/>
+  <p:tag name="LATEXADDIN" val="\documentclass{article}&#10;\usepackage{amsmath}&#10;\pagestyle{empty}&#10;\begin{document}&#10;\begin{align}&#10;+\nonumber&#10;\end{align}&#10;\end{document}"/>
+  <p:tag name="IGUANATEXSIZE" val="12"/>
+  <p:tag name="IGUANATEXCURSOR" val="104"/>
+  <p:tag name="TRANSPARENCY" val="True"/>
+  <p:tag name="FILENAME" val=""/>
+  <p:tag name="LATEXENGINEID" val="0"/>
+  <p:tag name="TEMPFOLDER" val="D:\"/>
+  <p:tag name="LATEXFORMHEIGHT" val="312"/>
+  <p:tag name="LATEXFORMWIDTH" val="384"/>
+  <p:tag name="LATEXFORMWRAP" val="True"/>
+  <p:tag name="BITMAPVECTOR" val="0"/>
+</p:tagLst>
+</file>
+
+<file path=ppt/tags/tag23.xml><?xml version="1.0" encoding="utf-8"?>
+<p:tagLst xmlns:a="http://schemas.openxmlformats.org/drawingml/2006/main" xmlns:r="http://schemas.openxmlformats.org/officeDocument/2006/relationships" xmlns:p="http://schemas.openxmlformats.org/presentationml/2006/main">
+  <p:tag name="OUTPUTDPI" val="300"/>
+  <p:tag name="ORIGINALHEIGHT" val="13.49835"/>
+  <p:tag name="ORIGINALWIDTH" val="17.24787"/>
+  <p:tag name="LATEXADDIN" val="\documentclass{article}&#10;\usepackage{amsmath}&#10;\pagestyle{empty}&#10;\begin{document}&#10;\begin{align}&#10;\sigma\nonumber&#10;\end{align}&#10;\end{document}"/>
+  <p:tag name="IGUANATEXSIZE" val="8"/>
+  <p:tag name="IGUANATEXCURSOR" val="100"/>
+  <p:tag name="TRANSPARENCY" val="True"/>
+  <p:tag name="LATEXENGINEID" val="0"/>
+  <p:tag name="TEMPFOLDER" val="D:\"/>
+  <p:tag name="LATEXFORMHEIGHT" val="312"/>
+  <p:tag name="LATEXFORMWIDTH" val="384"/>
+  <p:tag name="LATEXFORMWRAP" val="True"/>
+  <p:tag name="BITMAPVECTOR" val="0"/>
+</p:tagLst>
+</file>
+
+<file path=ppt/tags/tag24.xml><?xml version="1.0" encoding="utf-8"?>
+<p:tagLst xmlns:a="http://schemas.openxmlformats.org/drawingml/2006/main" xmlns:r="http://schemas.openxmlformats.org/officeDocument/2006/relationships" xmlns:p="http://schemas.openxmlformats.org/presentationml/2006/main">
+  <p:tag name="OUTPUTDPI" val="300"/>
+  <p:tag name="ORIGINALHEIGHT" val="30.74614"/>
+  <p:tag name="ORIGINALWIDTH" val="23.99701"/>
+  <p:tag name="LATEXADDIN" val="\documentclass{article}&#10;\usepackage{amsmath}&#10;\usepackage{xcolor}&#10;\pagestyle{empty}&#10;\begin{document}&#10;\begin{align}&#10;\color{blue}&#10;\hat{\Delta}\nonumber&#10;\end{align}&#10;\end{document}"/>
+  <p:tag name="IGUANATEXSIZE" val="8"/>
+  <p:tag name="IGUANATEXCURSOR" val="125"/>
+  <p:tag name="TRANSPARENCY" val="True"/>
+  <p:tag name="LATEXENGINEID" val="0"/>
+  <p:tag name="TEMPFOLDER" val="D:\"/>
+  <p:tag name="LATEXFORMHEIGHT" val="312"/>
+  <p:tag name="LATEXFORMWIDTH" val="384"/>
+  <p:tag name="LATEXFORMWRAP" val="True"/>
+  <p:tag name="BITMAPVECTOR" val="0"/>
+</p:tagLst>
+</file>
+
+<file path=ppt/tags/tag25.xml><?xml version="1.0" encoding="utf-8"?>
+<p:tagLst xmlns:a="http://schemas.openxmlformats.org/drawingml/2006/main" xmlns:r="http://schemas.openxmlformats.org/officeDocument/2006/relationships" xmlns:p="http://schemas.openxmlformats.org/presentationml/2006/main">
+  <p:tag name="OUTPUTDPI" val="300"/>
+  <p:tag name="ORIGINALHEIGHT" val="19.49756"/>
+  <p:tag name="ORIGINALWIDTH" val="29.99622"/>
+  <p:tag name="LATEXADDIN" val="\documentclass{article}&#10;\usepackage{amsmath}&#10;\pagestyle{empty}&#10;\begin{document}&#10;\begin{align}&#10;p_d\nonumber&#10;\end{align}&#10;\end{document}"/>
+  <p:tag name="IGUANATEXSIZE" val="8"/>
+  <p:tag name="IGUANATEXCURSOR" val="94"/>
+  <p:tag name="TRANSPARENCY" val="True"/>
+  <p:tag name="LATEXENGINEID" val="0"/>
+  <p:tag name="TEMPFOLDER" val="D:\"/>
+  <p:tag name="LATEXFORMHEIGHT" val="312"/>
+  <p:tag name="LATEXFORMWIDTH" val="384"/>
+  <p:tag name="LATEXFORMWRAP" val="True"/>
+  <p:tag name="BITMAPVECTOR" val="0"/>
+</p:tagLst>
+</file>
+
+<file path=ppt/tags/tag26.xml><?xml version="1.0" encoding="utf-8"?>
+<p:tagLst xmlns:a="http://schemas.openxmlformats.org/drawingml/2006/main" xmlns:r="http://schemas.openxmlformats.org/officeDocument/2006/relationships" xmlns:p="http://schemas.openxmlformats.org/presentationml/2006/main">
+  <p:tag name="OUTPUTDPI" val="300"/>
+  <p:tag name="ORIGINALHEIGHT" val="19.49756"/>
+  <p:tag name="ORIGINALWIDTH" val="38.99512"/>
+  <p:tag name="LATEXADDIN" val="\documentclass{article}&#10;\usepackage{amsmath}&#10;\pagestyle{empty}&#10;\begin{document}&#10;\begin{align}&#10;p_m\nonumber&#10;\end{align}&#10;\end{document}"/>
+  <p:tag name="IGUANATEXSIZE" val="8"/>
+  <p:tag name="IGUANATEXCURSOR" val="97"/>
+  <p:tag name="TRANSPARENCY" val="True"/>
+  <p:tag name="LATEXENGINEID" val="0"/>
+  <p:tag name="TEMPFOLDER" val="D:\"/>
+  <p:tag name="LATEXFORMHEIGHT" val="312"/>
+  <p:tag name="LATEXFORMWIDTH" val="384"/>
+  <p:tag name="LATEXFORMWRAP" val="True"/>
+  <p:tag name="BITMAPVECTOR" val="0"/>
+</p:tagLst>
+</file>
+
+<file path=ppt/tags/tag27.xml><?xml version="1.0" encoding="utf-8"?>
+<p:tagLst xmlns:a="http://schemas.openxmlformats.org/drawingml/2006/main" xmlns:r="http://schemas.openxmlformats.org/officeDocument/2006/relationships" xmlns:p="http://schemas.openxmlformats.org/presentationml/2006/main">
+  <p:tag name="OUTPUTDPI" val="300"/>
+  <p:tag name="ORIGINALHEIGHT" val="27.74654"/>
+  <p:tag name="ORIGINALWIDTH" val="16.49795"/>
+  <p:tag name="LATEXADDIN" val="\documentclass{article}&#10;\usepackage{amsmath}&#10;\pagestyle{empty}&#10;\begin{document}&#10;\begin{align}&#10;\phi\nonumber&#10;\end{align}&#10;\end{document}"/>
+  <p:tag name="IGUANATEXSIZE" val="8"/>
+  <p:tag name="IGUANATEXCURSOR" val="98"/>
+  <p:tag name="TRANSPARENCY" val="True"/>
+  <p:tag name="LATEXENGINEID" val="0"/>
+  <p:tag name="TEMPFOLDER" val="D:\"/>
+  <p:tag name="LATEXFORMHEIGHT" val="312"/>
+  <p:tag name="LATEXFORMWIDTH" val="384"/>
+  <p:tag name="LATEXFORMWRAP" val="True"/>
+  <p:tag name="BITMAPVECTOR" val="0"/>
+</p:tagLst>
+</file>
+
+<file path=ppt/tags/tag28.xml><?xml version="1.0" encoding="utf-8"?>
+<p:tagLst xmlns:a="http://schemas.openxmlformats.org/drawingml/2006/main" xmlns:r="http://schemas.openxmlformats.org/officeDocument/2006/relationships" xmlns:p="http://schemas.openxmlformats.org/presentationml/2006/main">
+  <p:tag name="OUTPUTDPI" val="300"/>
+  <p:tag name="ORIGINALHEIGHT" val="21.74724"/>
+  <p:tag name="ORIGINALWIDTH" val="15.74803"/>
+  <p:tag name="LATEXADDIN" val="\documentclass{article}&#10;\usepackage{amsmath}&#10;\pagestyle{empty}&#10;\begin{document}&#10;\begin{align}&#10;\lambda\nonumber&#10;\end{align}&#10;\end{document}"/>
+  <p:tag name="IGUANATEXSIZE" val="8"/>
+  <p:tag name="IGUANATEXCURSOR" val="110"/>
+  <p:tag name="TRANSPARENCY" val="True"/>
+  <p:tag name="LATEXENGINEID" val="0"/>
+  <p:tag name="TEMPFOLDER" val="D:\"/>
+  <p:tag name="LATEXFORMHEIGHT" val="312"/>
+  <p:tag name="LATEXFORMWIDTH" val="384"/>
+  <p:tag name="LATEXFORMWRAP" val="True"/>
+  <p:tag name="BITMAPVECTOR" val="0"/>
+</p:tagLst>
+</file>
+
+<file path=ppt/tags/tag29.xml><?xml version="1.0" encoding="utf-8"?>
+<p:tagLst xmlns:a="http://schemas.openxmlformats.org/drawingml/2006/main" xmlns:r="http://schemas.openxmlformats.org/officeDocument/2006/relationships" xmlns:p="http://schemas.openxmlformats.org/presentationml/2006/main">
+  <p:tag name="OUTPUTDPI" val="300"/>
+  <p:tag name="ORIGINALHEIGHT" val="30.74614"/>
+  <p:tag name="ORIGINALWIDTH" val="72.74094"/>
+  <p:tag name="LATEXADDIN" val="\documentclass{article}&#10;\usepackage{amsmath}&#10;\pagestyle{empty}&#10;\begin{document}&#10;\begin{align}&#10;de/dt\nonumber&#10;\end{align}&#10;\end{document}"/>
+  <p:tag name="IGUANATEXSIZE" val="8"/>
+  <p:tag name="IGUANATEXCURSOR" val="108"/>
+  <p:tag name="TRANSPARENCY" val="True"/>
   <p:tag name="LATEXENGINEID" val="0"/>
   <p:tag name="TEMPFOLDER" val="D:\"/>
   <p:tag name="LATEXFORMHEIGHT" val="312"/>

--- a/Processed figure/blockdiagram.pptx
+++ b/Processed figure/blockdiagram.pptx
@@ -14,8 +14,8 @@
     <a:defPPr>
       <a:defRPr lang="en-US"/>
     </a:defPPr>
-    <a:lvl1pPr marL="0" algn="l" defTabSz="457200" rtl="0" eaLnBrk="1" latinLnBrk="0" hangingPunct="1">
-      <a:defRPr sz="1800" kern="1200">
+    <a:lvl1pPr marL="0" algn="l" defTabSz="457138" rtl="0" eaLnBrk="1" latinLnBrk="0" hangingPunct="1">
+      <a:defRPr sz="1799" kern="1200">
         <a:solidFill>
           <a:schemeClr val="tx1"/>
         </a:solidFill>
@@ -24,8 +24,8 @@
         <a:cs typeface="+mn-cs"/>
       </a:defRPr>
     </a:lvl1pPr>
-    <a:lvl2pPr marL="457200" algn="l" defTabSz="457200" rtl="0" eaLnBrk="1" latinLnBrk="0" hangingPunct="1">
-      <a:defRPr sz="1800" kern="1200">
+    <a:lvl2pPr marL="457138" algn="l" defTabSz="457138" rtl="0" eaLnBrk="1" latinLnBrk="0" hangingPunct="1">
+      <a:defRPr sz="1799" kern="1200">
         <a:solidFill>
           <a:schemeClr val="tx1"/>
         </a:solidFill>
@@ -34,8 +34,8 @@
         <a:cs typeface="+mn-cs"/>
       </a:defRPr>
     </a:lvl2pPr>
-    <a:lvl3pPr marL="914400" algn="l" defTabSz="457200" rtl="0" eaLnBrk="1" latinLnBrk="0" hangingPunct="1">
-      <a:defRPr sz="1800" kern="1200">
+    <a:lvl3pPr marL="914275" algn="l" defTabSz="457138" rtl="0" eaLnBrk="1" latinLnBrk="0" hangingPunct="1">
+      <a:defRPr sz="1799" kern="1200">
         <a:solidFill>
           <a:schemeClr val="tx1"/>
         </a:solidFill>
@@ -44,8 +44,8 @@
         <a:cs typeface="+mn-cs"/>
       </a:defRPr>
     </a:lvl3pPr>
-    <a:lvl4pPr marL="1371600" algn="l" defTabSz="457200" rtl="0" eaLnBrk="1" latinLnBrk="0" hangingPunct="1">
-      <a:defRPr sz="1800" kern="1200">
+    <a:lvl4pPr marL="1371413" algn="l" defTabSz="457138" rtl="0" eaLnBrk="1" latinLnBrk="0" hangingPunct="1">
+      <a:defRPr sz="1799" kern="1200">
         <a:solidFill>
           <a:schemeClr val="tx1"/>
         </a:solidFill>
@@ -54,8 +54,8 @@
         <a:cs typeface="+mn-cs"/>
       </a:defRPr>
     </a:lvl4pPr>
-    <a:lvl5pPr marL="1828800" algn="l" defTabSz="457200" rtl="0" eaLnBrk="1" latinLnBrk="0" hangingPunct="1">
-      <a:defRPr sz="1800" kern="1200">
+    <a:lvl5pPr marL="1828549" algn="l" defTabSz="457138" rtl="0" eaLnBrk="1" latinLnBrk="0" hangingPunct="1">
+      <a:defRPr sz="1799" kern="1200">
         <a:solidFill>
           <a:schemeClr val="tx1"/>
         </a:solidFill>
@@ -64,8 +64,8 @@
         <a:cs typeface="+mn-cs"/>
       </a:defRPr>
     </a:lvl5pPr>
-    <a:lvl6pPr marL="2286000" algn="l" defTabSz="457200" rtl="0" eaLnBrk="1" latinLnBrk="0" hangingPunct="1">
-      <a:defRPr sz="1800" kern="1200">
+    <a:lvl6pPr marL="2285688" algn="l" defTabSz="457138" rtl="0" eaLnBrk="1" latinLnBrk="0" hangingPunct="1">
+      <a:defRPr sz="1799" kern="1200">
         <a:solidFill>
           <a:schemeClr val="tx1"/>
         </a:solidFill>
@@ -74,8 +74,8 @@
         <a:cs typeface="+mn-cs"/>
       </a:defRPr>
     </a:lvl6pPr>
-    <a:lvl7pPr marL="2743200" algn="l" defTabSz="457200" rtl="0" eaLnBrk="1" latinLnBrk="0" hangingPunct="1">
-      <a:defRPr sz="1800" kern="1200">
+    <a:lvl7pPr marL="2742826" algn="l" defTabSz="457138" rtl="0" eaLnBrk="1" latinLnBrk="0" hangingPunct="1">
+      <a:defRPr sz="1799" kern="1200">
         <a:solidFill>
           <a:schemeClr val="tx1"/>
         </a:solidFill>
@@ -84,8 +84,8 @@
         <a:cs typeface="+mn-cs"/>
       </a:defRPr>
     </a:lvl7pPr>
-    <a:lvl8pPr marL="3200400" algn="l" defTabSz="457200" rtl="0" eaLnBrk="1" latinLnBrk="0" hangingPunct="1">
-      <a:defRPr sz="1800" kern="1200">
+    <a:lvl8pPr marL="3199962" algn="l" defTabSz="457138" rtl="0" eaLnBrk="1" latinLnBrk="0" hangingPunct="1">
+      <a:defRPr sz="1799" kern="1200">
         <a:solidFill>
           <a:schemeClr val="tx1"/>
         </a:solidFill>
@@ -94,8 +94,8 @@
         <a:cs typeface="+mn-cs"/>
       </a:defRPr>
     </a:lvl8pPr>
-    <a:lvl9pPr marL="3657600" algn="l" defTabSz="457200" rtl="0" eaLnBrk="1" latinLnBrk="0" hangingPunct="1">
-      <a:defRPr sz="1800" kern="1200">
+    <a:lvl9pPr marL="3657101" algn="l" defTabSz="457138" rtl="0" eaLnBrk="1" latinLnBrk="0" hangingPunct="1">
+      <a:defRPr sz="1799" kern="1200">
         <a:solidFill>
           <a:schemeClr val="tx1"/>
         </a:solidFill>
@@ -142,7 +142,7 @@
         </p:nvSpPr>
         <p:spPr>
           <a:xfrm>
-            <a:off x="855067" y="374121"/>
+            <a:off x="855069" y="374122"/>
             <a:ext cx="5130404" cy="795867"/>
           </a:xfrm>
         </p:spPr>
@@ -174,8 +174,8 @@
         </p:nvSpPr>
         <p:spPr>
           <a:xfrm>
-            <a:off x="855067" y="1200679"/>
-            <a:ext cx="5130404" cy="551921"/>
+            <a:off x="855069" y="1200679"/>
+            <a:ext cx="5130404" cy="551920"/>
           </a:xfrm>
         </p:spPr>
         <p:txBody>
@@ -244,7 +244,7 @@
           <a:p>
             <a:fld id="{3B1DD487-E9A5-4BD0-B6C1-1043E79918C3}" type="datetimeFigureOut">
               <a:rPr lang="en-US" smtClean="0"/>
-              <a:t>12/30/2021</a:t>
+              <a:t>1/17/2022</a:t>
             </a:fld>
             <a:endParaRPr lang="en-US"/>
           </a:p>
@@ -414,7 +414,7 @@
           <a:p>
             <a:fld id="{3B1DD487-E9A5-4BD0-B6C1-1043E79918C3}" type="datetimeFigureOut">
               <a:rPr lang="en-US" smtClean="0"/>
-              <a:t>12/30/2021</a:t>
+              <a:t>1/17/2022</a:t>
             </a:fld>
             <a:endParaRPr lang="en-US"/>
           </a:p>
@@ -504,8 +504,8 @@
         </p:nvSpPr>
         <p:spPr>
           <a:xfrm>
-            <a:off x="4895260" y="121709"/>
-            <a:ext cx="1474991" cy="1937279"/>
+            <a:off x="4895262" y="121710"/>
+            <a:ext cx="1474990" cy="1937280"/>
           </a:xfrm>
         </p:spPr>
         <p:txBody>
@@ -532,8 +532,8 @@
         </p:nvSpPr>
         <p:spPr>
           <a:xfrm>
-            <a:off x="470287" y="121709"/>
-            <a:ext cx="4339466" cy="1937279"/>
+            <a:off x="470288" y="121710"/>
+            <a:ext cx="4339465" cy="1937280"/>
           </a:xfrm>
         </p:spPr>
         <p:txBody>
@@ -594,7 +594,7 @@
           <a:p>
             <a:fld id="{3B1DD487-E9A5-4BD0-B6C1-1043E79918C3}" type="datetimeFigureOut">
               <a:rPr lang="en-US" smtClean="0"/>
-              <a:t>12/30/2021</a:t>
+              <a:t>1/17/2022</a:t>
             </a:fld>
             <a:endParaRPr lang="en-US"/>
           </a:p>
@@ -764,7 +764,7 @@
           <a:p>
             <a:fld id="{3B1DD487-E9A5-4BD0-B6C1-1043E79918C3}" type="datetimeFigureOut">
               <a:rPr lang="en-US" smtClean="0"/>
-              <a:t>12/30/2021</a:t>
+              <a:t>1/17/2022</a:t>
             </a:fld>
             <a:endParaRPr lang="en-US"/>
           </a:p>
@@ -854,8 +854,8 @@
         </p:nvSpPr>
         <p:spPr>
           <a:xfrm>
-            <a:off x="466724" y="569913"/>
-            <a:ext cx="5899964" cy="950912"/>
+            <a:off x="466724" y="569914"/>
+            <a:ext cx="5899965" cy="950912"/>
           </a:xfrm>
         </p:spPr>
         <p:txBody>
@@ -887,7 +887,7 @@
         <p:spPr>
           <a:xfrm>
             <a:off x="466724" y="1529821"/>
-            <a:ext cx="5899964" cy="500062"/>
+            <a:ext cx="5899965" cy="500062"/>
           </a:xfrm>
         </p:spPr>
         <p:txBody>
@@ -1010,7 +1010,7 @@
           <a:p>
             <a:fld id="{3B1DD487-E9A5-4BD0-B6C1-1043E79918C3}" type="datetimeFigureOut">
               <a:rPr lang="en-US" smtClean="0"/>
-              <a:t>12/30/2021</a:t>
+              <a:t>1/17/2022</a:t>
             </a:fld>
             <a:endParaRPr lang="en-US"/>
           </a:p>
@@ -1123,8 +1123,8 @@
         </p:nvSpPr>
         <p:spPr>
           <a:xfrm>
-            <a:off x="470287" y="608542"/>
-            <a:ext cx="2907229" cy="1450446"/>
+            <a:off x="470287" y="608543"/>
+            <a:ext cx="2907230" cy="1450446"/>
           </a:xfrm>
         </p:spPr>
         <p:txBody>
@@ -1180,8 +1180,8 @@
         </p:nvSpPr>
         <p:spPr>
           <a:xfrm>
-            <a:off x="3463022" y="608542"/>
-            <a:ext cx="2907229" cy="1450446"/>
+            <a:off x="3463021" y="608543"/>
+            <a:ext cx="2907230" cy="1450446"/>
           </a:xfrm>
         </p:spPr>
         <p:txBody>
@@ -1242,7 +1242,7 @@
           <a:p>
             <a:fld id="{3B1DD487-E9A5-4BD0-B6C1-1043E79918C3}" type="datetimeFigureOut">
               <a:rPr lang="en-US" smtClean="0"/>
-              <a:t>12/30/2021</a:t>
+              <a:t>1/17/2022</a:t>
             </a:fld>
             <a:endParaRPr lang="en-US"/>
           </a:p>
@@ -1333,7 +1333,7 @@
         <p:spPr>
           <a:xfrm>
             <a:off x="471178" y="121709"/>
-            <a:ext cx="5899964" cy="441854"/>
+            <a:ext cx="5899965" cy="441854"/>
           </a:xfrm>
         </p:spPr>
         <p:txBody>
@@ -1360,8 +1360,8 @@
         </p:nvSpPr>
         <p:spPr>
           <a:xfrm>
-            <a:off x="471178" y="560388"/>
-            <a:ext cx="2893868" cy="274637"/>
+            <a:off x="471180" y="560388"/>
+            <a:ext cx="2893867" cy="274637"/>
           </a:xfrm>
         </p:spPr>
         <p:txBody>
@@ -1425,8 +1425,8 @@
         </p:nvSpPr>
         <p:spPr>
           <a:xfrm>
-            <a:off x="471178" y="835025"/>
-            <a:ext cx="2893868" cy="1228196"/>
+            <a:off x="471180" y="835026"/>
+            <a:ext cx="2893867" cy="1228196"/>
           </a:xfrm>
         </p:spPr>
         <p:txBody>
@@ -1483,7 +1483,7 @@
         <p:spPr>
           <a:xfrm>
             <a:off x="3463022" y="560388"/>
-            <a:ext cx="2908120" cy="274637"/>
+            <a:ext cx="2908119" cy="274637"/>
           </a:xfrm>
         </p:spPr>
         <p:txBody>
@@ -1547,8 +1547,8 @@
         </p:nvSpPr>
         <p:spPr>
           <a:xfrm>
-            <a:off x="3463022" y="835025"/>
-            <a:ext cx="2908120" cy="1228196"/>
+            <a:off x="3463022" y="835026"/>
+            <a:ext cx="2908119" cy="1228196"/>
           </a:xfrm>
         </p:spPr>
         <p:txBody>
@@ -1609,7 +1609,7 @@
           <a:p>
             <a:fld id="{3B1DD487-E9A5-4BD0-B6C1-1043E79918C3}" type="datetimeFigureOut">
               <a:rPr lang="en-US" smtClean="0"/>
-              <a:t>12/30/2021</a:t>
+              <a:t>1/17/2022</a:t>
             </a:fld>
             <a:endParaRPr lang="en-US"/>
           </a:p>
@@ -1727,7 +1727,7 @@
           <a:p>
             <a:fld id="{3B1DD487-E9A5-4BD0-B6C1-1043E79918C3}" type="datetimeFigureOut">
               <a:rPr lang="en-US" smtClean="0"/>
-              <a:t>12/30/2021</a:t>
+              <a:t>1/17/2022</a:t>
             </a:fld>
             <a:endParaRPr lang="en-US"/>
           </a:p>
@@ -1822,7 +1822,7 @@
           <a:p>
             <a:fld id="{3B1DD487-E9A5-4BD0-B6C1-1043E79918C3}" type="datetimeFigureOut">
               <a:rPr lang="en-US" smtClean="0"/>
-              <a:t>12/30/2021</a:t>
+              <a:t>1/17/2022</a:t>
             </a:fld>
             <a:endParaRPr lang="en-US"/>
           </a:p>
@@ -1912,7 +1912,7 @@
         </p:nvSpPr>
         <p:spPr>
           <a:xfrm>
-            <a:off x="471178" y="152400"/>
+            <a:off x="471179" y="152400"/>
             <a:ext cx="2206251" cy="533400"/>
           </a:xfrm>
         </p:spPr>
@@ -1945,7 +1945,7 @@
         <p:spPr>
           <a:xfrm>
             <a:off x="2908120" y="329142"/>
-            <a:ext cx="3463022" cy="1624542"/>
+            <a:ext cx="3463022" cy="1624543"/>
           </a:xfrm>
         </p:spPr>
         <p:txBody>
@@ -2029,8 +2029,8 @@
         </p:nvSpPr>
         <p:spPr>
           <a:xfrm>
-            <a:off x="471178" y="685800"/>
-            <a:ext cx="2206251" cy="1270529"/>
+            <a:off x="471179" y="685801"/>
+            <a:ext cx="2206251" cy="1270530"/>
           </a:xfrm>
         </p:spPr>
         <p:txBody>
@@ -2099,7 +2099,7 @@
           <a:p>
             <a:fld id="{3B1DD487-E9A5-4BD0-B6C1-1043E79918C3}" type="datetimeFigureOut">
               <a:rPr lang="en-US" smtClean="0"/>
-              <a:t>12/30/2021</a:t>
+              <a:t>1/17/2022</a:t>
             </a:fld>
             <a:endParaRPr lang="en-US"/>
           </a:p>
@@ -2189,7 +2189,7 @@
         </p:nvSpPr>
         <p:spPr>
           <a:xfrm>
-            <a:off x="471178" y="152400"/>
+            <a:off x="471179" y="152400"/>
             <a:ext cx="2206251" cy="533400"/>
           </a:xfrm>
         </p:spPr>
@@ -2222,7 +2222,7 @@
         <p:spPr>
           <a:xfrm>
             <a:off x="2908120" y="329142"/>
-            <a:ext cx="3463022" cy="1624542"/>
+            <a:ext cx="3463022" cy="1624543"/>
           </a:xfrm>
         </p:spPr>
         <p:txBody>
@@ -2286,8 +2286,8 @@
         </p:nvSpPr>
         <p:spPr>
           <a:xfrm>
-            <a:off x="471178" y="685800"/>
-            <a:ext cx="2206251" cy="1270529"/>
+            <a:off x="471179" y="685801"/>
+            <a:ext cx="2206251" cy="1270530"/>
           </a:xfrm>
         </p:spPr>
         <p:txBody>
@@ -2356,7 +2356,7 @@
           <a:p>
             <a:fld id="{3B1DD487-E9A5-4BD0-B6C1-1043E79918C3}" type="datetimeFigureOut">
               <a:rPr lang="en-US" smtClean="0"/>
-              <a:t>12/30/2021</a:t>
+              <a:t>1/17/2022</a:t>
             </a:fld>
             <a:endParaRPr lang="en-US"/>
           </a:p>
@@ -2452,7 +2452,7 @@
         <p:spPr>
           <a:xfrm>
             <a:off x="470287" y="121709"/>
-            <a:ext cx="5899964" cy="441854"/>
+            <a:ext cx="5899965" cy="441854"/>
           </a:xfrm>
           <a:prstGeom prst="rect">
             <a:avLst/>
@@ -2484,8 +2484,8 @@
         </p:nvSpPr>
         <p:spPr>
           <a:xfrm>
-            <a:off x="470287" y="608542"/>
-            <a:ext cx="5899964" cy="1450446"/>
+            <a:off x="470287" y="608543"/>
+            <a:ext cx="5899965" cy="1450446"/>
           </a:xfrm>
           <a:prstGeom prst="rect">
             <a:avLst/>
@@ -2546,8 +2546,8 @@
         </p:nvSpPr>
         <p:spPr>
           <a:xfrm>
-            <a:off x="470287" y="2118784"/>
-            <a:ext cx="1539121" cy="121708"/>
+            <a:off x="470290" y="2118785"/>
+            <a:ext cx="1539120" cy="121708"/>
           </a:xfrm>
           <a:prstGeom prst="rect">
             <a:avLst/>
@@ -2569,7 +2569,7 @@
           <a:p>
             <a:fld id="{3B1DD487-E9A5-4BD0-B6C1-1043E79918C3}" type="datetimeFigureOut">
               <a:rPr lang="en-US" smtClean="0"/>
-              <a:t>12/30/2021</a:t>
+              <a:t>1/17/2022</a:t>
             </a:fld>
             <a:endParaRPr lang="en-US"/>
           </a:p>
@@ -2587,8 +2587,8 @@
         </p:nvSpPr>
         <p:spPr>
           <a:xfrm>
-            <a:off x="2265928" y="2118784"/>
-            <a:ext cx="2308682" cy="121708"/>
+            <a:off x="2265929" y="2118785"/>
+            <a:ext cx="2308681" cy="121708"/>
           </a:xfrm>
           <a:prstGeom prst="rect">
             <a:avLst/>
@@ -2624,8 +2624,8 @@
         </p:nvSpPr>
         <p:spPr>
           <a:xfrm>
-            <a:off x="4831130" y="2118784"/>
-            <a:ext cx="1539121" cy="121708"/>
+            <a:off x="4831132" y="2118785"/>
+            <a:ext cx="1539120" cy="121708"/>
           </a:xfrm>
           <a:prstGeom prst="rect">
             <a:avLst/>
@@ -3135,7 +3135,7 @@
         </p:nvSpPr>
         <p:spPr>
           <a:xfrm>
-            <a:off x="3670987" y="839910"/>
+            <a:off x="3670990" y="839912"/>
             <a:ext cx="551617" cy="289631"/>
           </a:xfrm>
           <a:prstGeom prst="rect">
@@ -3228,7 +3228,7 @@
         </p:nvSpPr>
         <p:spPr>
           <a:xfrm>
-            <a:off x="4480552" y="741233"/>
+            <a:off x="4480556" y="741234"/>
             <a:ext cx="805289" cy="486928"/>
           </a:xfrm>
           <a:prstGeom prst="rect">
@@ -3322,8 +3322,8 @@
         </p:nvCxnSpPr>
         <p:spPr>
           <a:xfrm flipV="1">
-            <a:off x="4222604" y="984697"/>
-            <a:ext cx="257948" cy="29"/>
+            <a:off x="4222607" y="984699"/>
+            <a:ext cx="257949" cy="29"/>
           </a:xfrm>
           <a:prstGeom prst="straightConnector1">
             <a:avLst/>
@@ -3618,7 +3618,7 @@
             <a:off x="2220941" y="313993"/>
             <a:ext cx="644329" cy="289631"/>
             <a:chOff x="1997416" y="1398635"/>
-            <a:chExt cx="602909" cy="271012"/>
+            <a:chExt cx="602909" cy="213470"/>
           </a:xfrm>
         </p:grpSpPr>
         <p:sp>
@@ -3636,7 +3636,7 @@
           <p:spPr>
             <a:xfrm>
               <a:off x="1997416" y="1398635"/>
-              <a:ext cx="602909" cy="271012"/>
+              <a:ext cx="602909" cy="213470"/>
             </a:xfrm>
             <a:prstGeom prst="rect">
               <a:avLst/>
@@ -3915,7 +3915,7 @@
         </p:nvGrpSpPr>
         <p:grpSpPr>
           <a:xfrm>
-            <a:off x="2220942" y="839913"/>
+            <a:off x="2220945" y="839915"/>
             <a:ext cx="644329" cy="289631"/>
             <a:chOff x="2276570" y="1008312"/>
             <a:chExt cx="602909" cy="271012"/>
@@ -4060,7 +4060,7 @@
         </p:nvSpPr>
         <p:spPr>
           <a:xfrm>
-            <a:off x="3086106" y="914629"/>
+            <a:off x="3086109" y="914632"/>
             <a:ext cx="146583" cy="146583"/>
           </a:xfrm>
           <a:prstGeom prst="ellipse">
@@ -4112,7 +4112,7 @@
         </p:nvSpPr>
         <p:spPr>
           <a:xfrm>
-            <a:off x="4578480" y="1490541"/>
+            <a:off x="4578484" y="1490544"/>
             <a:ext cx="632749" cy="289631"/>
           </a:xfrm>
           <a:prstGeom prst="rect">
@@ -4174,8 +4174,8 @@
         </p:nvCxnSpPr>
         <p:spPr>
           <a:xfrm>
-            <a:off x="2865271" y="984729"/>
-            <a:ext cx="220835" cy="3192"/>
+            <a:off x="2865274" y="984731"/>
+            <a:ext cx="220835" cy="3193"/>
           </a:xfrm>
           <a:prstGeom prst="straightConnector1">
             <a:avLst/>
@@ -4234,7 +4234,7 @@
         </p:blipFill>
         <p:spPr>
           <a:xfrm>
-            <a:off x="2907976" y="842860"/>
+            <a:off x="2907980" y="842864"/>
             <a:ext cx="109435" cy="113343"/>
           </a:xfrm>
           <a:prstGeom prst="rect">
@@ -4260,8 +4260,8 @@
         </p:nvCxnSpPr>
         <p:spPr>
           <a:xfrm flipV="1">
-            <a:off x="3232689" y="984726"/>
-            <a:ext cx="438298" cy="3195"/>
+            <a:off x="3232691" y="984727"/>
+            <a:ext cx="438298" cy="3196"/>
           </a:xfrm>
           <a:prstGeom prst="straightConnector1">
             <a:avLst/>
@@ -4409,7 +4409,7 @@
         </p:blipFill>
         <p:spPr>
           <a:xfrm>
-            <a:off x="3175673" y="725130"/>
+            <a:off x="3175675" y="725132"/>
             <a:ext cx="109435" cy="113343"/>
           </a:xfrm>
           <a:prstGeom prst="rect">
@@ -4449,7 +4449,7 @@
         </p:blipFill>
         <p:spPr>
           <a:xfrm>
-            <a:off x="3388642" y="864359"/>
+            <a:off x="3388645" y="864361"/>
             <a:ext cx="89893" cy="70351"/>
           </a:xfrm>
           <a:prstGeom prst="rect">
@@ -4475,7 +4475,7 @@
         <p:spPr>
           <a:xfrm>
             <a:off x="2865270" y="458809"/>
-            <a:ext cx="294128" cy="455820"/>
+            <a:ext cx="294131" cy="455823"/>
           </a:xfrm>
           <a:prstGeom prst="bentConnector2">
             <a:avLst/>
@@ -4516,7 +4516,7 @@
         <p:spPr>
           <a:xfrm rot="5400000" flipH="1" flipV="1">
             <a:off x="1861102" y="628087"/>
-            <a:ext cx="529116" cy="190561"/>
+            <a:ext cx="529117" cy="190562"/>
           </a:xfrm>
           <a:prstGeom prst="bentConnector2">
             <a:avLst/>
@@ -4605,8 +4605,8 @@
         </p:nvCxnSpPr>
         <p:spPr>
           <a:xfrm rot="10800000">
-            <a:off x="3946796" y="1129541"/>
-            <a:ext cx="631684" cy="505816"/>
+            <a:off x="3946800" y="1129544"/>
+            <a:ext cx="631685" cy="505817"/>
           </a:xfrm>
           <a:prstGeom prst="bentConnector2">
             <a:avLst/>
@@ -4711,7 +4711,7 @@
         </p:blipFill>
         <p:spPr>
           <a:xfrm>
-            <a:off x="3973399" y="1447820"/>
+            <a:off x="3973400" y="1447820"/>
             <a:ext cx="125068" cy="160244"/>
           </a:xfrm>
           <a:prstGeom prst="rect">
@@ -4751,7 +4751,7 @@
         </p:blipFill>
         <p:spPr>
           <a:xfrm>
-            <a:off x="4244630" y="848722"/>
+            <a:off x="4244632" y="848722"/>
             <a:ext cx="156335" cy="101618"/>
           </a:xfrm>
           <a:prstGeom prst="rect">
@@ -4815,7 +4815,7 @@
         </p:nvCxnSpPr>
         <p:spPr>
           <a:xfrm rot="5400000" flipH="1" flipV="1">
-            <a:off x="3109083" y="1439549"/>
+            <a:off x="3109087" y="1439553"/>
             <a:ext cx="928359" cy="195445"/>
           </a:xfrm>
           <a:prstGeom prst="bentConnector2">
@@ -4872,7 +4872,7 @@
         </p:blipFill>
         <p:spPr>
           <a:xfrm>
-            <a:off x="3362954" y="1108112"/>
+            <a:off x="3362956" y="1108113"/>
             <a:ext cx="85985" cy="144610"/>
           </a:xfrm>
           <a:prstGeom prst="rect">
@@ -4910,12 +4910,48 @@
           <a:chExt cx="0" cy="0"/>
         </a:xfrm>
       </p:grpSpPr>
+      <p:pic>
+        <p:nvPicPr>
+          <p:cNvPr id="9" name="Picture 8" descr="A picture containing graphical user interface&#10;&#10;Description automatically generated">
+            <a:extLst>
+              <a:ext uri="{FF2B5EF4-FFF2-40B4-BE49-F238E27FC236}">
+                <a16:creationId xmlns:a16="http://schemas.microsoft.com/office/drawing/2014/main" id="{7E726BF1-A175-4EF2-A02F-90B98FAC40EC}"/>
+              </a:ext>
+            </a:extLst>
+          </p:cNvPr>
+          <p:cNvPicPr>
+            <a:picLocks noChangeAspect="1"/>
+          </p:cNvPicPr>
+          <p:nvPr/>
+        </p:nvPicPr>
+        <p:blipFill>
+          <a:blip r:embed="rId21">
+            <a:extLst>
+              <a:ext uri="{28A0092B-C50C-407E-A947-70E740481C1C}">
+                <a14:useLocalDpi xmlns:a14="http://schemas.microsoft.com/office/drawing/2010/main" val="0"/>
+              </a:ext>
+            </a:extLst>
+          </a:blip>
+          <a:stretch>
+            <a:fillRect/>
+          </a:stretch>
+        </p:blipFill>
+        <p:spPr>
+          <a:xfrm>
+            <a:off x="-1830834" y="1501949"/>
+            <a:ext cx="1013688" cy="921725"/>
+          </a:xfrm>
+          <a:prstGeom prst="rect">
+            <a:avLst/>
+          </a:prstGeom>
+        </p:spPr>
+      </p:pic>
       <p:grpSp>
         <p:nvGrpSpPr>
-          <p:cNvPr id="130" name="Group 129">
+          <p:cNvPr id="99" name="Group 98">
             <a:extLst>
               <a:ext uri="{FF2B5EF4-FFF2-40B4-BE49-F238E27FC236}">
-                <a16:creationId xmlns:a16="http://schemas.microsoft.com/office/drawing/2014/main" id="{0CBF73D7-C769-4B50-B9C6-FC542C0BCCD9}"/>
+                <a16:creationId xmlns:a16="http://schemas.microsoft.com/office/drawing/2014/main" id="{5083FD78-B004-49F6-B39B-BA01CF5EA81E}"/>
               </a:ext>
             </a:extLst>
           </p:cNvPr>
@@ -4924,12 +4960,48 @@
         </p:nvGrpSpPr>
         <p:grpSpPr>
           <a:xfrm>
-            <a:off x="46526" y="310540"/>
-            <a:ext cx="6748910" cy="1212236"/>
-            <a:chOff x="46526" y="310540"/>
-            <a:chExt cx="6748910" cy="1212236"/>
+            <a:off x="8356" y="64124"/>
+            <a:ext cx="6782054" cy="1692771"/>
+            <a:chOff x="8356" y="64124"/>
+            <a:chExt cx="6782054" cy="1692771"/>
           </a:xfrm>
         </p:grpSpPr>
+        <p:pic>
+          <p:nvPicPr>
+            <p:cNvPr id="56" name="Picture 55" descr="A picture containing background pattern&#10;&#10;Description automatically generated">
+              <a:extLst>
+                <a:ext uri="{FF2B5EF4-FFF2-40B4-BE49-F238E27FC236}">
+                  <a16:creationId xmlns:a16="http://schemas.microsoft.com/office/drawing/2014/main" id="{C55B8582-2C36-409D-8CB9-2B9EF33544CA}"/>
+                </a:ext>
+              </a:extLst>
+            </p:cNvPr>
+            <p:cNvPicPr>
+              <a:picLocks noChangeAspect="1"/>
+            </p:cNvPicPr>
+            <p:nvPr/>
+          </p:nvPicPr>
+          <p:blipFill>
+            <a:blip r:embed="rId22">
+              <a:extLst>
+                <a:ext uri="{28A0092B-C50C-407E-A947-70E740481C1C}">
+                  <a14:useLocalDpi xmlns:a14="http://schemas.microsoft.com/office/drawing/2010/main" val="0"/>
+                </a:ext>
+              </a:extLst>
+            </a:blip>
+            <a:stretch>
+              <a:fillRect/>
+            </a:stretch>
+          </p:blipFill>
+          <p:spPr>
+            <a:xfrm>
+              <a:off x="390430" y="258318"/>
+              <a:ext cx="1554615" cy="1450974"/>
+            </a:xfrm>
+            <a:prstGeom prst="rect">
+              <a:avLst/>
+            </a:prstGeom>
+          </p:spPr>
+        </p:pic>
         <p:sp>
           <p:nvSpPr>
             <p:cNvPr id="10" name="TextBox 9">
@@ -4944,7 +5016,7 @@
           </p:nvSpPr>
           <p:spPr>
             <a:xfrm>
-              <a:off x="3796729" y="802788"/>
+              <a:off x="3968181" y="802790"/>
               <a:ext cx="425875" cy="215444"/>
             </a:xfrm>
             <a:prstGeom prst="rect">
@@ -4965,7 +5037,10 @@
             <a:p>
               <a:pPr algn="ctr"/>
               <a:r>
-                <a:rPr lang="en-US" sz="800" dirty="0"/>
+                <a:rPr lang="en-US" sz="800" dirty="0">
+                  <a:latin typeface="Times New Roman" panose="02020603050405020304" pitchFamily="18" charset="0"/>
+                  <a:cs typeface="Times New Roman" panose="02020603050405020304" pitchFamily="18" charset="0"/>
+                </a:rPr>
                 <a:t>SMC</a:t>
               </a:r>
             </a:p>
@@ -4985,7 +5060,7 @@
           </p:nvSpPr>
           <p:spPr>
             <a:xfrm>
-              <a:off x="1817048" y="837219"/>
+              <a:off x="2514533" y="837222"/>
               <a:ext cx="146583" cy="146583"/>
             </a:xfrm>
             <a:prstGeom prst="ellipse">
@@ -5019,7 +5094,10 @@
             <a:lstStyle/>
             <a:p>
               <a:pPr algn="ctr"/>
-              <a:endParaRPr lang="en-US" sz="800"/>
+              <a:endParaRPr lang="en-US" sz="800">
+                <a:latin typeface="Times New Roman" panose="02020603050405020304" pitchFamily="18" charset="0"/>
+                <a:cs typeface="Times New Roman" panose="02020603050405020304" pitchFamily="18" charset="0"/>
+              </a:endParaRPr>
             </a:p>
           </p:txBody>
         </p:sp>
@@ -5037,7 +5115,7 @@
           </p:nvSpPr>
           <p:spPr>
             <a:xfrm>
-              <a:off x="4480553" y="741233"/>
+              <a:off x="4652002" y="741234"/>
               <a:ext cx="630930" cy="338554"/>
             </a:xfrm>
             <a:prstGeom prst="rect">
@@ -5058,7 +5136,10 @@
             <a:p>
               <a:pPr algn="ctr"/>
               <a:r>
-                <a:rPr lang="en-US" sz="800" dirty="0"/>
+                <a:rPr lang="en-US" sz="800" dirty="0">
+                  <a:latin typeface="Times New Roman" panose="02020603050405020304" pitchFamily="18" charset="0"/>
+                  <a:cs typeface="Times New Roman" panose="02020603050405020304" pitchFamily="18" charset="0"/>
+                </a:rPr>
                 <a:t>Pressure Control</a:t>
               </a:r>
             </a:p>
@@ -5078,7 +5159,7 @@
           </p:nvSpPr>
           <p:spPr>
             <a:xfrm>
-              <a:off x="5557940" y="741233"/>
+              <a:off x="5729388" y="741233"/>
               <a:ext cx="678828" cy="338554"/>
             </a:xfrm>
             <a:prstGeom prst="rect">
@@ -5099,14 +5180,20 @@
             <a:p>
               <a:pPr algn="ctr"/>
               <a:r>
-                <a:rPr lang="en-US" sz="800" dirty="0"/>
+                <a:rPr lang="en-US" sz="800" dirty="0">
+                  <a:latin typeface="Times New Roman" panose="02020603050405020304" pitchFamily="18" charset="0"/>
+                  <a:cs typeface="Times New Roman" panose="02020603050405020304" pitchFamily="18" charset="0"/>
+                </a:rPr>
                 <a:t>Soft</a:t>
               </a:r>
             </a:p>
             <a:p>
               <a:pPr algn="ctr"/>
               <a:r>
-                <a:rPr lang="en-US" sz="800" dirty="0"/>
+                <a:rPr lang="en-US" sz="800" dirty="0">
+                  <a:latin typeface="Times New Roman" panose="02020603050405020304" pitchFamily="18" charset="0"/>
+                  <a:cs typeface="Times New Roman" panose="02020603050405020304" pitchFamily="18" charset="0"/>
+                </a:rPr>
                 <a:t>Actuator</a:t>
               </a:r>
             </a:p>
@@ -5129,9 +5216,9 @@
             <p:nvPr/>
           </p:nvCxnSpPr>
           <p:spPr>
-            <a:xfrm>
-              <a:off x="4222604" y="910510"/>
-              <a:ext cx="257949" cy="0"/>
+            <a:xfrm flipV="1">
+              <a:off x="4394056" y="910512"/>
+              <a:ext cx="257947" cy="1"/>
             </a:xfrm>
             <a:prstGeom prst="straightConnector1">
               <a:avLst/>
@@ -5176,7 +5263,7 @@
           </p:nvCxnSpPr>
           <p:spPr>
             <a:xfrm>
-              <a:off x="5111483" y="910510"/>
+              <a:off x="5282931" y="910510"/>
               <a:ext cx="446457" cy="0"/>
             </a:xfrm>
             <a:prstGeom prst="straightConnector1">
@@ -5221,8 +5308,8 @@
           </p:nvCxnSpPr>
           <p:spPr>
             <a:xfrm>
-              <a:off x="6236768" y="910510"/>
-              <a:ext cx="558668" cy="0"/>
+              <a:off x="6408216" y="910510"/>
+              <a:ext cx="382194" cy="0"/>
             </a:xfrm>
             <a:prstGeom prst="straightConnector1">
               <a:avLst/>
@@ -5268,7 +5355,7 @@
             </p:nvPr>
           </p:nvPicPr>
           <p:blipFill>
-            <a:blip r:embed="rId16">
+            <a:blip r:embed="rId23">
               <a:extLst>
                 <a:ext uri="{28A0092B-C50C-407E-A947-70E740481C1C}">
                   <a14:useLocalDpi xmlns:a14="http://schemas.microsoft.com/office/drawing/2010/main" val="0"/>
@@ -5281,7 +5368,7 @@
           </p:blipFill>
           <p:spPr>
             <a:xfrm>
-              <a:off x="66494" y="761488"/>
+              <a:off x="8356" y="721747"/>
               <a:ext cx="363276" cy="117029"/>
             </a:xfrm>
             <a:prstGeom prst="rect">
@@ -5308,7 +5395,7 @@
             </p:nvPr>
           </p:nvPicPr>
           <p:blipFill>
-            <a:blip r:embed="rId17">
+            <a:blip r:embed="rId24">
               <a:extLst>
                 <a:ext uri="{28A0092B-C50C-407E-A947-70E740481C1C}">
                   <a14:useLocalDpi xmlns:a14="http://schemas.microsoft.com/office/drawing/2010/main" val="0"/>
@@ -5321,7 +5408,7 @@
           </p:blipFill>
           <p:spPr>
             <a:xfrm>
-              <a:off x="1660234" y="842860"/>
+              <a:off x="2357721" y="842861"/>
               <a:ext cx="44143" cy="45720"/>
             </a:xfrm>
             <a:prstGeom prst="rect">
@@ -5348,7 +5435,7 @@
             </p:nvPr>
           </p:nvPicPr>
           <p:blipFill>
-            <a:blip r:embed="rId18">
+            <a:blip r:embed="rId25">
               <a:extLst>
                 <a:ext uri="{28A0092B-C50C-407E-A947-70E740481C1C}">
                   <a14:useLocalDpi xmlns:a14="http://schemas.microsoft.com/office/drawing/2010/main" val="0"/>
@@ -5361,7 +5448,7 @@
           </p:blipFill>
           <p:spPr>
             <a:xfrm>
-              <a:off x="2011447" y="858492"/>
+              <a:off x="2708930" y="858492"/>
               <a:ext cx="41448" cy="43886"/>
             </a:xfrm>
             <a:prstGeom prst="rect">
@@ -5383,10 +5470,10 @@
           </p:nvGrpSpPr>
           <p:grpSpPr>
             <a:xfrm>
-              <a:off x="2344757" y="313995"/>
-              <a:ext cx="644329" cy="215444"/>
-              <a:chOff x="2220941" y="313995"/>
-              <a:chExt cx="644329" cy="215444"/>
+              <a:off x="3058883" y="313995"/>
+              <a:ext cx="385010" cy="215444"/>
+              <a:chOff x="2596925" y="313995"/>
+              <a:chExt cx="385010" cy="167853"/>
             </a:xfrm>
           </p:grpSpPr>
           <p:sp>
@@ -5403,8 +5490,8 @@
             </p:nvSpPr>
             <p:spPr>
               <a:xfrm>
-                <a:off x="2220941" y="313995"/>
-                <a:ext cx="644329" cy="215444"/>
+                <a:off x="2596925" y="313995"/>
+                <a:ext cx="385010" cy="167853"/>
               </a:xfrm>
               <a:prstGeom prst="rect">
                 <a:avLst/>
@@ -5423,7 +5510,10 @@
               <a:lstStyle/>
               <a:p>
                 <a:pPr algn="ctr"/>
-                <a:endParaRPr lang="en-US" sz="800" dirty="0"/>
+                <a:endParaRPr lang="en-US" sz="800" dirty="0">
+                  <a:latin typeface="Times New Roman" panose="02020603050405020304" pitchFamily="18" charset="0"/>
+                  <a:cs typeface="Times New Roman" panose="02020603050405020304" pitchFamily="18" charset="0"/>
+                </a:endParaRPr>
               </a:p>
             </p:txBody>
           </p:sp>
@@ -5441,12 +5531,12 @@
               </p:cNvPicPr>
               <p:nvPr>
                 <p:custDataLst>
-                  <p:tags r:id="rId14"/>
+                  <p:tags r:id="rId19"/>
                 </p:custDataLst>
               </p:nvPr>
             </p:nvPicPr>
             <p:blipFill>
-              <a:blip r:embed="rId19">
+              <a:blip r:embed="rId26">
                 <a:extLst>
                   <a:ext uri="{28A0092B-C50C-407E-A947-70E740481C1C}">
                     <a14:useLocalDpi xmlns:a14="http://schemas.microsoft.com/office/drawing/2010/main" val="0"/>
@@ -5459,7 +5549,7 @@
             </p:blipFill>
             <p:spPr>
               <a:xfrm>
-                <a:off x="2353548" y="381886"/>
+                <a:off x="2666220" y="355909"/>
                 <a:ext cx="236495" cy="99962"/>
               </a:xfrm>
               <a:prstGeom prst="rect">
@@ -5487,7 +5577,7 @@
             </p:nvPr>
           </p:nvPicPr>
           <p:blipFill>
-            <a:blip r:embed="rId20">
+            <a:blip r:embed="rId27">
               <a:extLst>
                 <a:ext uri="{28A0092B-C50C-407E-A947-70E740481C1C}">
                   <a14:useLocalDpi xmlns:a14="http://schemas.microsoft.com/office/drawing/2010/main" val="0"/>
@@ -5500,7 +5590,7 @@
           </p:blipFill>
           <p:spPr>
             <a:xfrm>
-              <a:off x="1999938" y="1177944"/>
+              <a:off x="2611002" y="1084603"/>
               <a:ext cx="43886" cy="70705"/>
             </a:xfrm>
             <a:prstGeom prst="rect">
@@ -5523,9 +5613,9 @@
             <p:nvPr/>
           </p:nvCxnSpPr>
           <p:spPr>
-            <a:xfrm flipH="1" flipV="1">
-              <a:off x="1890340" y="1509043"/>
-              <a:ext cx="4629751" cy="13733"/>
+            <a:xfrm flipH="1">
+              <a:off x="2585659" y="1501949"/>
+              <a:ext cx="3985311" cy="7097"/>
             </a:xfrm>
             <a:prstGeom prst="line">
               <a:avLst/>
@@ -5563,7 +5653,7 @@
           </p:nvCxnSpPr>
           <p:spPr>
             <a:xfrm flipV="1">
-              <a:off x="1890340" y="983802"/>
+              <a:off x="2587823" y="983806"/>
               <a:ext cx="0" cy="525241"/>
             </a:xfrm>
             <a:prstGeom prst="straightConnector1">
@@ -5607,7 +5697,7 @@
           </p:nvCxnSpPr>
           <p:spPr>
             <a:xfrm flipV="1">
-              <a:off x="6520090" y="912096"/>
+              <a:off x="6570970" y="902360"/>
               <a:ext cx="0" cy="608768"/>
             </a:xfrm>
             <a:prstGeom prst="line">
@@ -5648,7 +5738,7 @@
             </p:nvPr>
           </p:nvPicPr>
           <p:blipFill>
-            <a:blip r:embed="rId21">
+            <a:blip r:embed="rId28">
               <a:extLst>
                 <a:ext uri="{28A0092B-C50C-407E-A947-70E740481C1C}">
                   <a14:useLocalDpi xmlns:a14="http://schemas.microsoft.com/office/drawing/2010/main" val="0"/>
@@ -5661,7 +5751,7 @@
           </p:blipFill>
           <p:spPr>
             <a:xfrm>
-              <a:off x="6465362" y="772931"/>
+              <a:off x="6507963" y="792117"/>
               <a:ext cx="153600" cy="90210"/>
             </a:xfrm>
             <a:prstGeom prst="rect">
@@ -5683,8 +5773,8 @@
           </p:nvSpPr>
           <p:spPr>
             <a:xfrm>
-              <a:off x="2344758" y="802788"/>
-              <a:ext cx="644329" cy="215444"/>
+              <a:off x="3067952" y="802790"/>
+              <a:ext cx="358682" cy="215444"/>
             </a:xfrm>
             <a:prstGeom prst="rect">
               <a:avLst/>
@@ -5703,7 +5793,10 @@
             <a:lstStyle/>
             <a:p>
               <a:pPr algn="ctr"/>
-              <a:endParaRPr lang="en-US" sz="800" dirty="0"/>
+              <a:endParaRPr lang="en-US" sz="800" dirty="0">
+                <a:latin typeface="Times New Roman" panose="02020603050405020304" pitchFamily="18" charset="0"/>
+                <a:cs typeface="Times New Roman" panose="02020603050405020304" pitchFamily="18" charset="0"/>
+              </a:endParaRPr>
             </a:p>
           </p:txBody>
         </p:sp>
@@ -5725,8 +5818,8 @@
           </p:nvCxnSpPr>
           <p:spPr>
             <a:xfrm flipV="1">
-              <a:off x="1963631" y="910510"/>
-              <a:ext cx="381127" cy="1"/>
+              <a:off x="2661116" y="910513"/>
+              <a:ext cx="406837" cy="1"/>
             </a:xfrm>
             <a:prstGeom prst="straightConnector1">
               <a:avLst/>
@@ -5767,7 +5860,7 @@
           </p:nvSpPr>
           <p:spPr>
             <a:xfrm>
-              <a:off x="3209922" y="837219"/>
+              <a:off x="3548067" y="837222"/>
               <a:ext cx="146583" cy="146583"/>
             </a:xfrm>
             <a:prstGeom prst="ellipse">
@@ -5801,7 +5894,10 @@
             <a:lstStyle/>
             <a:p>
               <a:pPr algn="ctr"/>
-              <a:endParaRPr lang="en-US" sz="800"/>
+              <a:endParaRPr lang="en-US" sz="800">
+                <a:latin typeface="Times New Roman" panose="02020603050405020304" pitchFamily="18" charset="0"/>
+                <a:cs typeface="Times New Roman" panose="02020603050405020304" pitchFamily="18" charset="0"/>
+              </a:endParaRPr>
             </a:p>
           </p:txBody>
         </p:sp>
@@ -5819,7 +5915,7 @@
           </p:nvSpPr>
           <p:spPr>
             <a:xfrm>
-              <a:off x="4578480" y="1214614"/>
+              <a:off x="4749932" y="1214615"/>
               <a:ext cx="632749" cy="215444"/>
             </a:xfrm>
             <a:prstGeom prst="rect">
@@ -5857,6 +5953,8 @@
                   <a:solidFill>
                     <a:srgbClr val="2D0AFE"/>
                   </a:solidFill>
+                  <a:latin typeface="Times New Roman" panose="02020603050405020304" pitchFamily="18" charset="0"/>
+                  <a:cs typeface="Times New Roman" panose="02020603050405020304" pitchFamily="18" charset="0"/>
                 </a:rPr>
                 <a:t>NDOB</a:t>
               </a:r>
@@ -5881,8 +5979,8 @@
           </p:nvCxnSpPr>
           <p:spPr>
             <a:xfrm>
-              <a:off x="2989087" y="910510"/>
-              <a:ext cx="220835" cy="1"/>
+              <a:off x="3426634" y="910513"/>
+              <a:ext cx="121432" cy="1"/>
             </a:xfrm>
             <a:prstGeom prst="straightConnector1">
               <a:avLst/>
@@ -5928,7 +6026,7 @@
             </p:nvPr>
           </p:nvPicPr>
           <p:blipFill>
-            <a:blip r:embed="rId17">
+            <a:blip r:embed="rId24">
               <a:extLst>
                 <a:ext uri="{28A0092B-C50C-407E-A947-70E740481C1C}">
                   <a14:useLocalDpi xmlns:a14="http://schemas.microsoft.com/office/drawing/2010/main" val="0"/>
@@ -5941,7 +6039,7 @@
           </p:blipFill>
           <p:spPr>
             <a:xfrm>
-              <a:off x="3119529" y="807833"/>
+              <a:off x="3457675" y="807834"/>
               <a:ext cx="44143" cy="45720"/>
             </a:xfrm>
             <a:prstGeom prst="rect">
@@ -5967,8 +6065,8 @@
           </p:nvCxnSpPr>
           <p:spPr>
             <a:xfrm flipV="1">
-              <a:off x="3356505" y="910510"/>
-              <a:ext cx="440224" cy="1"/>
+              <a:off x="3694650" y="910512"/>
+              <a:ext cx="273531" cy="2"/>
             </a:xfrm>
             <a:prstGeom prst="straightConnector1">
               <a:avLst/>
@@ -6011,8 +6109,8 @@
           </p:nvCxnSpPr>
           <p:spPr>
             <a:xfrm flipH="1">
-              <a:off x="5211227" y="1395128"/>
-              <a:ext cx="1308863" cy="0"/>
+              <a:off x="5382676" y="1395128"/>
+              <a:ext cx="1188294" cy="0"/>
             </a:xfrm>
             <a:prstGeom prst="straightConnector1">
               <a:avLst/>
@@ -6056,7 +6154,7 @@
           </p:nvCxnSpPr>
           <p:spPr>
             <a:xfrm rot="5400000">
-              <a:off x="5097104" y="1024638"/>
+              <a:off x="5268552" y="1024638"/>
               <a:ext cx="411824" cy="183573"/>
             </a:xfrm>
             <a:prstGeom prst="bentConnector2">
@@ -6103,7 +6201,7 @@
             </p:nvPr>
           </p:nvPicPr>
           <p:blipFill>
-            <a:blip r:embed="rId17">
+            <a:blip r:embed="rId24">
               <a:extLst>
                 <a:ext uri="{28A0092B-C50C-407E-A947-70E740481C1C}">
                   <a14:useLocalDpi xmlns:a14="http://schemas.microsoft.com/office/drawing/2010/main" val="0"/>
@@ -6116,7 +6214,7 @@
           </p:blipFill>
           <p:spPr>
             <a:xfrm>
-              <a:off x="3333856" y="734542"/>
+              <a:off x="3672000" y="734542"/>
               <a:ext cx="44143" cy="45720"/>
             </a:xfrm>
             <a:prstGeom prst="rect">
@@ -6143,7 +6241,7 @@
             </p:nvPr>
           </p:nvPicPr>
           <p:blipFill>
-            <a:blip r:embed="rId22">
+            <a:blip r:embed="rId29">
               <a:extLst>
                 <a:ext uri="{28A0092B-C50C-407E-A947-70E740481C1C}">
                   <a14:useLocalDpi xmlns:a14="http://schemas.microsoft.com/office/drawing/2010/main" val="0"/>
@@ -6156,7 +6254,7 @@
           </p:blipFill>
           <p:spPr>
             <a:xfrm>
-              <a:off x="3621836" y="858474"/>
+              <a:off x="3793284" y="858474"/>
               <a:ext cx="56076" cy="43886"/>
             </a:xfrm>
             <a:prstGeom prst="rect">
@@ -6174,6 +6272,7 @@
               </a:extLst>
             </p:cNvPr>
             <p:cNvCxnSpPr>
+              <a:cxnSpLocks/>
               <a:stCxn id="40" idx="3"/>
               <a:endCxn id="78" idx="0"/>
             </p:cNvCxnSpPr>
@@ -6181,8 +6280,8 @@
           </p:nvCxnSpPr>
           <p:spPr>
             <a:xfrm>
-              <a:off x="2989086" y="421717"/>
-              <a:ext cx="294128" cy="415502"/>
+              <a:off x="3443893" y="421717"/>
+              <a:ext cx="177466" cy="415505"/>
             </a:xfrm>
             <a:prstGeom prst="bentConnector2">
               <a:avLst/>
@@ -6223,8 +6322,8 @@
           </p:nvCxnSpPr>
           <p:spPr>
             <a:xfrm rot="5400000" flipH="1" flipV="1">
-              <a:off x="2009823" y="567445"/>
-              <a:ext cx="480661" cy="189207"/>
+              <a:off x="2725765" y="569273"/>
+              <a:ext cx="480674" cy="185562"/>
             </a:xfrm>
             <a:prstGeom prst="bentConnector2">
               <a:avLst/>
@@ -6266,8 +6365,8 @@
           </p:nvCxnSpPr>
           <p:spPr>
             <a:xfrm rot="10800000">
-              <a:off x="4009668" y="1018232"/>
-              <a:ext cx="568813" cy="304104"/>
+              <a:off x="4181120" y="1018236"/>
+              <a:ext cx="568813" cy="304103"/>
             </a:xfrm>
             <a:prstGeom prst="bentConnector2">
               <a:avLst/>
@@ -6313,7 +6412,7 @@
             </p:nvPr>
           </p:nvPicPr>
           <p:blipFill>
-            <a:blip r:embed="rId23">
+            <a:blip r:embed="rId30">
               <a:extLst>
                 <a:ext uri="{28A0092B-C50C-407E-A947-70E740481C1C}">
                   <a14:useLocalDpi xmlns:a14="http://schemas.microsoft.com/office/drawing/2010/main" val="0"/>
@@ -6326,7 +6425,7 @@
           </p:blipFill>
           <p:spPr>
             <a:xfrm>
-              <a:off x="4046750" y="1184237"/>
+              <a:off x="4218200" y="1184237"/>
               <a:ext cx="78019" cy="99962"/>
             </a:xfrm>
             <a:prstGeom prst="rect">
@@ -6353,7 +6452,7 @@
             </p:nvPr>
           </p:nvPicPr>
           <p:blipFill>
-            <a:blip r:embed="rId24">
+            <a:blip r:embed="rId31">
               <a:extLst>
                 <a:ext uri="{28A0092B-C50C-407E-A947-70E740481C1C}">
                   <a14:useLocalDpi xmlns:a14="http://schemas.microsoft.com/office/drawing/2010/main" val="0"/>
@@ -6366,7 +6465,7 @@
           </p:blipFill>
           <p:spPr>
             <a:xfrm>
-              <a:off x="4278851" y="812429"/>
+              <a:off x="4450299" y="812429"/>
               <a:ext cx="97524" cy="63390"/>
             </a:xfrm>
             <a:prstGeom prst="rect">
@@ -6393,7 +6492,7 @@
             </p:nvPr>
           </p:nvPicPr>
           <p:blipFill>
-            <a:blip r:embed="rId25">
+            <a:blip r:embed="rId32">
               <a:extLst>
                 <a:ext uri="{28A0092B-C50C-407E-A947-70E740481C1C}">
                   <a14:useLocalDpi xmlns:a14="http://schemas.microsoft.com/office/drawing/2010/main" val="0"/>
@@ -6406,7 +6505,7 @@
           </p:blipFill>
           <p:spPr>
             <a:xfrm>
-              <a:off x="5331412" y="797891"/>
+              <a:off x="5502860" y="797891"/>
               <a:ext cx="126781" cy="63390"/>
             </a:xfrm>
             <a:prstGeom prst="rect">
@@ -6430,7 +6529,7 @@
           </p:nvCxnSpPr>
           <p:spPr>
             <a:xfrm rot="5400000" flipH="1" flipV="1">
-              <a:off x="3413403" y="1127645"/>
+              <a:off x="3584862" y="1127649"/>
               <a:ext cx="521124" cy="241675"/>
             </a:xfrm>
             <a:prstGeom prst="bentConnector3">
@@ -6476,7 +6575,7 @@
             </p:nvPr>
           </p:nvPicPr>
           <p:blipFill>
-            <a:blip r:embed="rId26">
+            <a:blip r:embed="rId33">
               <a:extLst>
                 <a:ext uri="{28A0092B-C50C-407E-A947-70E740481C1C}">
                   <a14:useLocalDpi xmlns:a14="http://schemas.microsoft.com/office/drawing/2010/main" val="0"/>
@@ -6489,7 +6588,7 @@
           </p:blipFill>
           <p:spPr>
             <a:xfrm>
-              <a:off x="3605566" y="1006415"/>
+              <a:off x="3791650" y="1010082"/>
               <a:ext cx="53638" cy="90210"/>
             </a:xfrm>
             <a:prstGeom prst="rect">
@@ -6497,172 +6596,173 @@
             </a:prstGeom>
           </p:spPr>
         </p:pic>
-        <p:grpSp>
-          <p:nvGrpSpPr>
-            <p:cNvPr id="14" name="Group 13">
+        <p:sp>
+          <p:nvSpPr>
+            <p:cNvPr id="4" name="TextBox 3">
               <a:extLst>
                 <a:ext uri="{FF2B5EF4-FFF2-40B4-BE49-F238E27FC236}">
-                  <a16:creationId xmlns:a16="http://schemas.microsoft.com/office/drawing/2014/main" id="{93B87088-D6B9-4E1A-8DEB-E8E669858BCA}"/>
+                  <a16:creationId xmlns:a16="http://schemas.microsoft.com/office/drawing/2014/main" id="{39E59FA6-C8C0-47B2-96FF-4C3017BE85D2}"/>
                 </a:ext>
               </a:extLst>
             </p:cNvPr>
-            <p:cNvGrpSpPr/>
+            <p:cNvSpPr txBox="1"/>
             <p:nvPr/>
-          </p:nvGrpSpPr>
-          <p:grpSpPr>
+          </p:nvSpPr>
+          <p:spPr>
             <a:xfrm>
-              <a:off x="512951" y="310540"/>
-              <a:ext cx="1067082" cy="1200329"/>
-              <a:chOff x="579985" y="244501"/>
-              <a:chExt cx="1067082" cy="1200329"/>
+              <a:off x="379583" y="64124"/>
+              <a:ext cx="1577316" cy="1692771"/>
             </a:xfrm>
-          </p:grpSpPr>
-          <p:sp>
-            <p:nvSpPr>
-              <p:cNvPr id="4" name="TextBox 3">
-                <a:extLst>
-                  <a:ext uri="{FF2B5EF4-FFF2-40B4-BE49-F238E27FC236}">
-                    <a16:creationId xmlns:a16="http://schemas.microsoft.com/office/drawing/2014/main" id="{39E59FA6-C8C0-47B2-96FF-4C3017BE85D2}"/>
-                  </a:ext>
-                </a:extLst>
-              </p:cNvPr>
-              <p:cNvSpPr txBox="1"/>
-              <p:nvPr/>
-            </p:nvSpPr>
-            <p:spPr>
-              <a:xfrm>
-                <a:off x="579985" y="244501"/>
-                <a:ext cx="1067082" cy="1200329"/>
-              </a:xfrm>
-              <a:prstGeom prst="rect">
-                <a:avLst/>
-              </a:prstGeom>
-              <a:noFill/>
-              <a:ln>
+            <a:prstGeom prst="rect">
+              <a:avLst/>
+            </a:prstGeom>
+            <a:noFill/>
+            <a:ln>
+              <a:solidFill>
+                <a:srgbClr val="FF0000"/>
+              </a:solidFill>
+            </a:ln>
+          </p:spPr>
+          <p:txBody>
+            <a:bodyPr wrap="square" rtlCol="0">
+              <a:spAutoFit/>
+            </a:bodyPr>
+            <a:lstStyle/>
+            <a:p>
+              <a:pPr algn="ctr"/>
+              <a:r>
+                <a:rPr lang="en-US" sz="800" dirty="0">
+                  <a:solidFill>
+                    <a:srgbClr val="FF0000"/>
+                  </a:solidFill>
+                  <a:latin typeface="Times New Roman" panose="02020603050405020304" pitchFamily="18" charset="0"/>
+                  <a:cs typeface="Times New Roman" panose="02020603050405020304" pitchFamily="18" charset="0"/>
+                </a:rPr>
+                <a:t>Mode Switching</a:t>
+              </a:r>
+            </a:p>
+            <a:p>
+              <a:pPr algn="ctr"/>
+              <a:endParaRPr lang="en-US" sz="800" dirty="0">
                 <a:solidFill>
                   <a:srgbClr val="FF0000"/>
                 </a:solidFill>
-              </a:ln>
-            </p:spPr>
-            <p:txBody>
-              <a:bodyPr wrap="square" rtlCol="0">
-                <a:spAutoFit/>
-              </a:bodyPr>
-              <a:lstStyle/>
-              <a:p>
-                <a:pPr algn="ctr"/>
-                <a:r>
-                  <a:rPr lang="en-US" sz="800" dirty="0">
-                    <a:solidFill>
-                      <a:srgbClr val="FF0000"/>
-                    </a:solidFill>
-                  </a:rPr>
-                  <a:t>Mode Switching</a:t>
-                </a:r>
-              </a:p>
-              <a:p>
-                <a:pPr algn="ctr"/>
-                <a:endParaRPr lang="en-US" sz="800" dirty="0">
-                  <a:solidFill>
-                    <a:srgbClr val="FF0000"/>
-                  </a:solidFill>
-                </a:endParaRPr>
-              </a:p>
-              <a:p>
-                <a:pPr algn="ctr"/>
-                <a:endParaRPr lang="en-US" sz="800" dirty="0">
-                  <a:solidFill>
-                    <a:srgbClr val="FF0000"/>
-                  </a:solidFill>
-                </a:endParaRPr>
-              </a:p>
-              <a:p>
-                <a:pPr algn="ctr"/>
-                <a:endParaRPr lang="en-US" sz="800" dirty="0">
-                  <a:solidFill>
-                    <a:srgbClr val="FF0000"/>
-                  </a:solidFill>
-                </a:endParaRPr>
-              </a:p>
-              <a:p>
-                <a:pPr algn="ctr"/>
-                <a:endParaRPr lang="en-US" sz="800" dirty="0">
-                  <a:solidFill>
-                    <a:srgbClr val="FF0000"/>
-                  </a:solidFill>
-                </a:endParaRPr>
-              </a:p>
-              <a:p>
-                <a:pPr algn="ctr"/>
-                <a:endParaRPr lang="en-US" sz="800" dirty="0">
-                  <a:solidFill>
-                    <a:srgbClr val="FF0000"/>
-                  </a:solidFill>
-                </a:endParaRPr>
-              </a:p>
-              <a:p>
-                <a:pPr algn="ctr"/>
-                <a:endParaRPr lang="en-US" sz="800" dirty="0">
-                  <a:solidFill>
-                    <a:srgbClr val="FF0000"/>
-                  </a:solidFill>
-                </a:endParaRPr>
-              </a:p>
-              <a:p>
-                <a:pPr algn="ctr"/>
-                <a:endParaRPr lang="en-US" sz="800" dirty="0">
-                  <a:solidFill>
-                    <a:srgbClr val="FF0000"/>
-                  </a:solidFill>
-                </a:endParaRPr>
-              </a:p>
-              <a:p>
-                <a:pPr algn="ctr"/>
-                <a:endParaRPr lang="en-US" sz="800" dirty="0">
-                  <a:solidFill>
-                    <a:srgbClr val="FF0000"/>
-                  </a:solidFill>
-                </a:endParaRPr>
-              </a:p>
-            </p:txBody>
-          </p:sp>
-          <p:pic>
-            <p:nvPicPr>
-              <p:cNvPr id="9" name="Picture 8" descr="A picture containing graphical user interface&#10;&#10;Description automatically generated">
-                <a:extLst>
-                  <a:ext uri="{FF2B5EF4-FFF2-40B4-BE49-F238E27FC236}">
-                    <a16:creationId xmlns:a16="http://schemas.microsoft.com/office/drawing/2014/main" id="{7E726BF1-A175-4EF2-A02F-90B98FAC40EC}"/>
-                  </a:ext>
-                </a:extLst>
-              </p:cNvPr>
-              <p:cNvPicPr>
-                <a:picLocks noChangeAspect="1"/>
-              </p:cNvPicPr>
-              <p:nvPr/>
-            </p:nvPicPr>
-            <p:blipFill>
-              <a:blip r:embed="rId27">
-                <a:extLst>
-                  <a:ext uri="{28A0092B-C50C-407E-A947-70E740481C1C}">
-                    <a14:useLocalDpi xmlns:a14="http://schemas.microsoft.com/office/drawing/2010/main" val="0"/>
-                  </a:ext>
-                </a:extLst>
-              </a:blip>
-              <a:stretch>
-                <a:fillRect/>
-              </a:stretch>
-            </p:blipFill>
-            <p:spPr>
-              <a:xfrm>
-                <a:off x="603163" y="463400"/>
-                <a:ext cx="1013688" cy="921725"/>
-              </a:xfrm>
-              <a:prstGeom prst="rect">
-                <a:avLst/>
-              </a:prstGeom>
-            </p:spPr>
-          </p:pic>
-        </p:grpSp>
+                <a:latin typeface="Times New Roman" panose="02020603050405020304" pitchFamily="18" charset="0"/>
+                <a:cs typeface="Times New Roman" panose="02020603050405020304" pitchFamily="18" charset="0"/>
+              </a:endParaRPr>
+            </a:p>
+            <a:p>
+              <a:pPr algn="ctr"/>
+              <a:endParaRPr lang="en-US" sz="800" dirty="0">
+                <a:solidFill>
+                  <a:srgbClr val="FF0000"/>
+                </a:solidFill>
+                <a:latin typeface="Times New Roman" panose="02020603050405020304" pitchFamily="18" charset="0"/>
+                <a:cs typeface="Times New Roman" panose="02020603050405020304" pitchFamily="18" charset="0"/>
+              </a:endParaRPr>
+            </a:p>
+            <a:p>
+              <a:pPr algn="ctr"/>
+              <a:endParaRPr lang="en-US" sz="800" dirty="0">
+                <a:solidFill>
+                  <a:srgbClr val="FF0000"/>
+                </a:solidFill>
+                <a:latin typeface="Times New Roman" panose="02020603050405020304" pitchFamily="18" charset="0"/>
+                <a:cs typeface="Times New Roman" panose="02020603050405020304" pitchFamily="18" charset="0"/>
+              </a:endParaRPr>
+            </a:p>
+            <a:p>
+              <a:pPr algn="ctr"/>
+              <a:endParaRPr lang="en-US" sz="800" dirty="0">
+                <a:solidFill>
+                  <a:srgbClr val="FF0000"/>
+                </a:solidFill>
+                <a:latin typeface="Times New Roman" panose="02020603050405020304" pitchFamily="18" charset="0"/>
+                <a:cs typeface="Times New Roman" panose="02020603050405020304" pitchFamily="18" charset="0"/>
+              </a:endParaRPr>
+            </a:p>
+            <a:p>
+              <a:pPr algn="ctr"/>
+              <a:endParaRPr lang="en-US" sz="800" dirty="0">
+                <a:solidFill>
+                  <a:srgbClr val="FF0000"/>
+                </a:solidFill>
+                <a:latin typeface="Times New Roman" panose="02020603050405020304" pitchFamily="18" charset="0"/>
+                <a:cs typeface="Times New Roman" panose="02020603050405020304" pitchFamily="18" charset="0"/>
+              </a:endParaRPr>
+            </a:p>
+            <a:p>
+              <a:pPr algn="ctr"/>
+              <a:endParaRPr lang="en-US" sz="800" dirty="0">
+                <a:solidFill>
+                  <a:srgbClr val="FF0000"/>
+                </a:solidFill>
+                <a:latin typeface="Times New Roman" panose="02020603050405020304" pitchFamily="18" charset="0"/>
+                <a:cs typeface="Times New Roman" panose="02020603050405020304" pitchFamily="18" charset="0"/>
+              </a:endParaRPr>
+            </a:p>
+            <a:p>
+              <a:pPr algn="ctr"/>
+              <a:endParaRPr lang="en-US" sz="800" dirty="0">
+                <a:solidFill>
+                  <a:srgbClr val="FF0000"/>
+                </a:solidFill>
+                <a:latin typeface="Times New Roman" panose="02020603050405020304" pitchFamily="18" charset="0"/>
+                <a:cs typeface="Times New Roman" panose="02020603050405020304" pitchFamily="18" charset="0"/>
+              </a:endParaRPr>
+            </a:p>
+            <a:p>
+              <a:pPr algn="ctr"/>
+              <a:endParaRPr lang="en-US" sz="800" dirty="0">
+                <a:solidFill>
+                  <a:srgbClr val="FF0000"/>
+                </a:solidFill>
+                <a:latin typeface="Times New Roman" panose="02020603050405020304" pitchFamily="18" charset="0"/>
+                <a:cs typeface="Times New Roman" panose="02020603050405020304" pitchFamily="18" charset="0"/>
+              </a:endParaRPr>
+            </a:p>
+            <a:p>
+              <a:pPr algn="ctr"/>
+              <a:endParaRPr lang="en-US" sz="800" dirty="0">
+                <a:solidFill>
+                  <a:srgbClr val="FF0000"/>
+                </a:solidFill>
+                <a:latin typeface="Times New Roman" panose="02020603050405020304" pitchFamily="18" charset="0"/>
+                <a:cs typeface="Times New Roman" panose="02020603050405020304" pitchFamily="18" charset="0"/>
+              </a:endParaRPr>
+            </a:p>
+            <a:p>
+              <a:pPr algn="ctr"/>
+              <a:endParaRPr lang="en-US" sz="800" dirty="0">
+                <a:solidFill>
+                  <a:srgbClr val="FF0000"/>
+                </a:solidFill>
+                <a:latin typeface="Times New Roman" panose="02020603050405020304" pitchFamily="18" charset="0"/>
+                <a:cs typeface="Times New Roman" panose="02020603050405020304" pitchFamily="18" charset="0"/>
+              </a:endParaRPr>
+            </a:p>
+            <a:p>
+              <a:pPr algn="ctr"/>
+              <a:endParaRPr lang="en-US" sz="800" dirty="0">
+                <a:solidFill>
+                  <a:srgbClr val="FF0000"/>
+                </a:solidFill>
+                <a:latin typeface="Times New Roman" panose="02020603050405020304" pitchFamily="18" charset="0"/>
+                <a:cs typeface="Times New Roman" panose="02020603050405020304" pitchFamily="18" charset="0"/>
+              </a:endParaRPr>
+            </a:p>
+            <a:p>
+              <a:pPr algn="ctr"/>
+              <a:endParaRPr lang="en-US" sz="800" dirty="0">
+                <a:solidFill>
+                  <a:srgbClr val="FF0000"/>
+                </a:solidFill>
+                <a:latin typeface="Times New Roman" panose="02020603050405020304" pitchFamily="18" charset="0"/>
+                <a:cs typeface="Times New Roman" panose="02020603050405020304" pitchFamily="18" charset="0"/>
+              </a:endParaRPr>
+            </a:p>
+          </p:txBody>
+        </p:sp>
         <p:pic>
           <p:nvPicPr>
             <p:cNvPr id="34" name="Picture 33" descr="\documentclass{article}&#10;\usepackage{amsmath}&#10;\pagestyle{empty}&#10;\begin{document}&#10;\begin{align}&#10;\lambda\nonumber&#10;\end{align}&#10;\end{document}" title="IguanaTex Bitmap Display">
@@ -6682,7 +6782,7 @@
             </p:nvPr>
           </p:nvPicPr>
           <p:blipFill>
-            <a:blip r:embed="rId28">
+            <a:blip r:embed="rId34">
               <a:extLst>
                 <a:ext uri="{28A0092B-C50C-407E-A947-70E740481C1C}">
                   <a14:useLocalDpi xmlns:a14="http://schemas.microsoft.com/office/drawing/2010/main" val="0"/>
@@ -6695,7 +6795,7 @@
           </p:blipFill>
           <p:spPr>
             <a:xfrm>
-              <a:off x="2631387" y="887322"/>
+              <a:off x="3225697" y="887325"/>
               <a:ext cx="51200" cy="70705"/>
             </a:xfrm>
             <a:prstGeom prst="rect">
@@ -6719,7 +6819,7 @@
           </p:nvCxnSpPr>
           <p:spPr>
             <a:xfrm flipH="1" flipV="1">
-              <a:off x="1794188" y="1060001"/>
+              <a:off x="2491672" y="1060001"/>
               <a:ext cx="45720" cy="0"/>
             </a:xfrm>
             <a:prstGeom prst="line">
@@ -6758,9 +6858,9 @@
             <p:nvPr/>
           </p:nvCxnSpPr>
           <p:spPr>
-            <a:xfrm flipV="1">
-              <a:off x="1580033" y="910511"/>
-              <a:ext cx="237015" cy="194"/>
+            <a:xfrm>
+              <a:off x="1956899" y="910510"/>
+              <a:ext cx="557634" cy="4"/>
             </a:xfrm>
             <a:prstGeom prst="straightConnector1">
               <a:avLst/>
@@ -6803,8 +6903,8 @@
           </p:nvCxnSpPr>
           <p:spPr>
             <a:xfrm rot="10800000" flipV="1">
-              <a:off x="1575452" y="421715"/>
-              <a:ext cx="578742" cy="0"/>
+              <a:off x="1945045" y="421714"/>
+              <a:ext cx="922676" cy="5083"/>
             </a:xfrm>
             <a:prstGeom prst="bentConnector3">
               <a:avLst>
@@ -6850,7 +6950,7 @@
           </p:nvCxnSpPr>
           <p:spPr>
             <a:xfrm rot="10800000">
-              <a:off x="1580033" y="1316180"/>
+              <a:off x="1957401" y="1324226"/>
               <a:ext cx="2544740" cy="193"/>
             </a:xfrm>
             <a:prstGeom prst="bentConnector3">
@@ -6898,8 +6998,8 @@
           </p:nvCxnSpPr>
           <p:spPr>
             <a:xfrm>
-              <a:off x="46526" y="910705"/>
-              <a:ext cx="466425" cy="0"/>
+              <a:off x="8356" y="910510"/>
+              <a:ext cx="371227" cy="0"/>
             </a:xfrm>
             <a:prstGeom prst="straightConnector1">
               <a:avLst/>
@@ -6926,6 +7026,206 @@
             </a:fontRef>
           </p:style>
         </p:cxnSp>
+        <p:pic>
+          <p:nvPicPr>
+            <p:cNvPr id="70" name="Picture 69" descr="\documentclass{article}&#10;\usepackage{amsmath}&#10;\pagestyle{empty}&#10;\begin{document}&#10;\begin{align}&#10;&amp;\theta_{d_{new}},\dot{\theta}_{d_{new}},\nonumber&#10;\\\nonumber&#10;&amp;\ddot{\theta}_{d_{new}}\nonumber&#10;\end{align}&#10;\end{document}" title="IguanaTex Bitmap Display">
+              <a:extLst>
+                <a:ext uri="{FF2B5EF4-FFF2-40B4-BE49-F238E27FC236}">
+                  <a16:creationId xmlns:a16="http://schemas.microsoft.com/office/drawing/2014/main" id="{12ED6848-1771-4D4B-8A8C-9F6E5340C09F}"/>
+                </a:ext>
+              </a:extLst>
+            </p:cNvPr>
+            <p:cNvPicPr>
+              <a:picLocks noChangeAspect="1"/>
+            </p:cNvPicPr>
+            <p:nvPr>
+              <p:custDataLst>
+                <p:tags r:id="rId14"/>
+              </p:custDataLst>
+            </p:nvPr>
+          </p:nvPicPr>
+          <p:blipFill>
+            <a:blip r:embed="rId35">
+              <a:extLst>
+                <a:ext uri="{28A0092B-C50C-407E-A947-70E740481C1C}">
+                  <a14:useLocalDpi xmlns:a14="http://schemas.microsoft.com/office/drawing/2010/main" val="0"/>
+                </a:ext>
+              </a:extLst>
+            </a:blip>
+            <a:stretch>
+              <a:fillRect/>
+            </a:stretch>
+          </p:blipFill>
+          <p:spPr>
+            <a:xfrm>
+              <a:off x="2002053" y="597008"/>
+              <a:ext cx="526629" cy="292572"/>
+            </a:xfrm>
+            <a:prstGeom prst="rect">
+              <a:avLst/>
+            </a:prstGeom>
+          </p:spPr>
+        </p:pic>
+        <p:pic>
+          <p:nvPicPr>
+            <p:cNvPr id="77" name="Picture 76" descr="\documentclass{article}&#10;\usepackage{amsmath}&#10;\pagestyle{empty}&#10;\begin{document}&#10;\begin{align}&#10;|e|&lt;e_{th}\nonumber&#10;\end{align}&#10;\end{document}" title="IguanaTex Bitmap Display">
+              <a:extLst>
+                <a:ext uri="{FF2B5EF4-FFF2-40B4-BE49-F238E27FC236}">
+                  <a16:creationId xmlns:a16="http://schemas.microsoft.com/office/drawing/2014/main" id="{2E698963-19FB-4AEE-BC0D-402B5EBB4CEC}"/>
+                </a:ext>
+              </a:extLst>
+            </p:cNvPr>
+            <p:cNvPicPr>
+              <a:picLocks noChangeAspect="1"/>
+            </p:cNvPicPr>
+            <p:nvPr>
+              <p:custDataLst>
+                <p:tags r:id="rId15"/>
+              </p:custDataLst>
+            </p:nvPr>
+          </p:nvPicPr>
+          <p:blipFill>
+            <a:blip r:embed="rId36">
+              <a:extLst>
+                <a:ext uri="{28A0092B-C50C-407E-A947-70E740481C1C}">
+                  <a14:useLocalDpi xmlns:a14="http://schemas.microsoft.com/office/drawing/2010/main" val="0"/>
+                </a:ext>
+              </a:extLst>
+            </a:blip>
+            <a:stretch>
+              <a:fillRect/>
+            </a:stretch>
+          </p:blipFill>
+          <p:spPr>
+            <a:xfrm rot="-3600000">
+              <a:off x="569563" y="853209"/>
+              <a:ext cx="351086" cy="102400"/>
+            </a:xfrm>
+            <a:prstGeom prst="rect">
+              <a:avLst/>
+            </a:prstGeom>
+          </p:spPr>
+        </p:pic>
+        <p:pic>
+          <p:nvPicPr>
+            <p:cNvPr id="88" name="Picture 87" descr="\documentclass{article}&#10;\usepackage{amsmath}&#10;\pagestyle{empty}&#10;\begin{document}&#10;\begin{align}&#10;&amp;|\hat{\Delta}|&gt;\Delta_{th1}\nonumber\\&#10;&amp;|e|&gt;e_{th}\nonumber&#10;\end{align}&#10;\end{document}" title="IguanaTex Bitmap Display">
+              <a:extLst>
+                <a:ext uri="{FF2B5EF4-FFF2-40B4-BE49-F238E27FC236}">
+                  <a16:creationId xmlns:a16="http://schemas.microsoft.com/office/drawing/2014/main" id="{FE7E2043-B8D3-49C8-A239-471BF52B3572}"/>
+                </a:ext>
+              </a:extLst>
+            </p:cNvPr>
+            <p:cNvPicPr>
+              <a:picLocks noChangeAspect="1"/>
+            </p:cNvPicPr>
+            <p:nvPr>
+              <p:custDataLst>
+                <p:tags r:id="rId16"/>
+              </p:custDataLst>
+            </p:nvPr>
+          </p:nvPicPr>
+          <p:blipFill>
+            <a:blip r:embed="rId37">
+              <a:extLst>
+                <a:ext uri="{28A0092B-C50C-407E-A947-70E740481C1C}">
+                  <a14:useLocalDpi xmlns:a14="http://schemas.microsoft.com/office/drawing/2010/main" val="0"/>
+                </a:ext>
+              </a:extLst>
+            </a:blip>
+            <a:stretch>
+              <a:fillRect/>
+            </a:stretch>
+          </p:blipFill>
+          <p:spPr>
+            <a:xfrm rot="3600000">
+              <a:off x="1384130" y="748091"/>
+              <a:ext cx="463239" cy="275505"/>
+            </a:xfrm>
+            <a:prstGeom prst="rect">
+              <a:avLst/>
+            </a:prstGeom>
+          </p:spPr>
+        </p:pic>
+        <p:pic>
+          <p:nvPicPr>
+            <p:cNvPr id="94" name="Picture 93" descr="\documentclass{article}&#10;\usepackage{amsmath}&#10;\pagestyle{empty}&#10;\begin{document}&#10;\begin{align}&#10;&amp;|\hat{\Delta}|&gt;\Delta_{th1}\nonumber&#10;\end{align}&#10;\end{document}" title="IguanaTex Bitmap Display">
+              <a:extLst>
+                <a:ext uri="{FF2B5EF4-FFF2-40B4-BE49-F238E27FC236}">
+                  <a16:creationId xmlns:a16="http://schemas.microsoft.com/office/drawing/2014/main" id="{AE8BB079-3F98-4DAC-ACE0-4041A231F7D6}"/>
+                </a:ext>
+              </a:extLst>
+            </p:cNvPr>
+            <p:cNvPicPr>
+              <a:picLocks noChangeAspect="1"/>
+            </p:cNvPicPr>
+            <p:nvPr>
+              <p:custDataLst>
+                <p:tags r:id="rId17"/>
+              </p:custDataLst>
+            </p:nvPr>
+          </p:nvPicPr>
+          <p:blipFill>
+            <a:blip r:embed="rId38">
+              <a:extLst>
+                <a:ext uri="{28A0092B-C50C-407E-A947-70E740481C1C}">
+                  <a14:useLocalDpi xmlns:a14="http://schemas.microsoft.com/office/drawing/2010/main" val="0"/>
+                </a:ext>
+              </a:extLst>
+            </a:blip>
+            <a:stretch>
+              <a:fillRect/>
+            </a:stretch>
+          </p:blipFill>
+          <p:spPr>
+            <a:xfrm>
+              <a:off x="936117" y="1528385"/>
+              <a:ext cx="463239" cy="124343"/>
+            </a:xfrm>
+            <a:prstGeom prst="rect">
+              <a:avLst/>
+            </a:prstGeom>
+          </p:spPr>
+        </p:pic>
+        <p:pic>
+          <p:nvPicPr>
+            <p:cNvPr id="96" name="Picture 95" descr="\documentclass{article}&#10;\usepackage{amsmath}&#10;\pagestyle{empty}&#10;\begin{document}&#10;\begin{align}&#10;&amp;|\hat{\Delta}|&lt;\Delta_{th2}\nonumber&#10;\end{align}&#10;\end{document}" title="IguanaTex Bitmap Display">
+              <a:extLst>
+                <a:ext uri="{FF2B5EF4-FFF2-40B4-BE49-F238E27FC236}">
+                  <a16:creationId xmlns:a16="http://schemas.microsoft.com/office/drawing/2014/main" id="{EF58C0EF-5FE4-4FF6-A0BA-42CF5D670CDC}"/>
+                </a:ext>
+              </a:extLst>
+            </p:cNvPr>
+            <p:cNvPicPr>
+              <a:picLocks noChangeAspect="1"/>
+            </p:cNvPicPr>
+            <p:nvPr>
+              <p:custDataLst>
+                <p:tags r:id="rId18"/>
+              </p:custDataLst>
+            </p:nvPr>
+          </p:nvPicPr>
+          <p:blipFill>
+            <a:blip r:embed="rId39">
+              <a:extLst>
+                <a:ext uri="{28A0092B-C50C-407E-A947-70E740481C1C}">
+                  <a14:useLocalDpi xmlns:a14="http://schemas.microsoft.com/office/drawing/2010/main" val="0"/>
+                </a:ext>
+              </a:extLst>
+            </a:blip>
+            <a:stretch>
+              <a:fillRect/>
+            </a:stretch>
+          </p:blipFill>
+          <p:spPr>
+            <a:xfrm>
+              <a:off x="933679" y="1179457"/>
+              <a:ext cx="465677" cy="124343"/>
+            </a:xfrm>
+            <a:prstGeom prst="rect">
+              <a:avLst/>
+            </a:prstGeom>
+          </p:spPr>
+        </p:pic>
       </p:grpSp>
     </p:spTree>
     <p:extLst>
@@ -7332,11 +7632,11 @@
 <file path=ppt/tags/tag29.xml><?xml version="1.0" encoding="utf-8"?>
 <p:tagLst xmlns:a="http://schemas.openxmlformats.org/drawingml/2006/main" xmlns:r="http://schemas.openxmlformats.org/officeDocument/2006/relationships" xmlns:p="http://schemas.openxmlformats.org/presentationml/2006/main">
   <p:tag name="OUTPUTDPI" val="300"/>
-  <p:tag name="ORIGINALHEIGHT" val="30.74614"/>
-  <p:tag name="ORIGINALWIDTH" val="72.74094"/>
-  <p:tag name="LATEXADDIN" val="\documentclass{article}&#10;\usepackage{amsmath}&#10;\pagestyle{empty}&#10;\begin{document}&#10;\begin{align}&#10;de/dt\nonumber&#10;\end{align}&#10;\end{document}"/>
+  <p:tag name="ORIGINALHEIGHT" val="89.98874"/>
+  <p:tag name="ORIGINALWIDTH" val="161.9798"/>
+  <p:tag name="LATEXADDIN" val="\documentclass{article}&#10;\usepackage{amsmath}&#10;\pagestyle{empty}&#10;\begin{document}&#10;\begin{align}&#10;&amp;\theta_{d_{new}},\dot{\theta}_{d_{new}},\nonumber&#10;\\\nonumber&#10;&amp;\ddot{\theta}_{d_{new}}\nonumber&#10;\end{align}&#10;\end{document}"/>
   <p:tag name="IGUANATEXSIZE" val="8"/>
-  <p:tag name="IGUANATEXCURSOR" val="108"/>
+  <p:tag name="IGUANATEXCURSOR" val="158"/>
   <p:tag name="TRANSPARENCY" val="True"/>
   <p:tag name="LATEXENGINEID" val="0"/>
   <p:tag name="TEMPFOLDER" val="D:\"/>
@@ -7357,6 +7657,96 @@
   <p:tag name="IGUANATEXCURSOR" val="104"/>
   <p:tag name="TRANSPARENCY" val="True"/>
   <p:tag name="FILENAME" val=""/>
+  <p:tag name="LATEXENGINEID" val="0"/>
+  <p:tag name="TEMPFOLDER" val="D:\"/>
+  <p:tag name="LATEXFORMHEIGHT" val="312"/>
+  <p:tag name="LATEXFORMWIDTH" val="384"/>
+  <p:tag name="LATEXFORMWRAP" val="True"/>
+  <p:tag name="BITMAPVECTOR" val="0"/>
+</p:tagLst>
+</file>
+
+<file path=ppt/tags/tag30.xml><?xml version="1.0" encoding="utf-8"?>
+<p:tagLst xmlns:a="http://schemas.openxmlformats.org/drawingml/2006/main" xmlns:r="http://schemas.openxmlformats.org/officeDocument/2006/relationships" xmlns:p="http://schemas.openxmlformats.org/presentationml/2006/main">
+  <p:tag name="OUTPUTDPI" val="300"/>
+  <p:tag name="ORIGINALHEIGHT" val="31.49606"/>
+  <p:tag name="ORIGINALWIDTH" val="107.9865"/>
+  <p:tag name="LATEXADDIN" val="\documentclass{article}&#10;\usepackage{amsmath}&#10;\pagestyle{empty}&#10;\begin{document}&#10;\begin{align}&#10;|e|&lt;e_{th}\nonumber&#10;\end{align}&#10;\end{document}"/>
+  <p:tag name="IGUANATEXSIZE" val="8"/>
+  <p:tag name="IGUANATEXCURSOR" val="113"/>
+  <p:tag name="TRANSPARENCY" val="True"/>
+  <p:tag name="LATEXENGINEID" val="0"/>
+  <p:tag name="TEMPFOLDER" val="D:\"/>
+  <p:tag name="LATEXFORMHEIGHT" val="312"/>
+  <p:tag name="LATEXFORMWIDTH" val="384"/>
+  <p:tag name="LATEXFORMWRAP" val="True"/>
+  <p:tag name="BITMAPVECTOR" val="0"/>
+</p:tagLst>
+</file>
+
+<file path=ppt/tags/tag31.xml><?xml version="1.0" encoding="utf-8"?>
+<p:tagLst xmlns:a="http://schemas.openxmlformats.org/drawingml/2006/main" xmlns:r="http://schemas.openxmlformats.org/officeDocument/2006/relationships" xmlns:p="http://schemas.openxmlformats.org/presentationml/2006/main">
+  <p:tag name="OUTPUTDPI" val="300"/>
+  <p:tag name="ORIGINALHEIGHT" val="84.73937"/>
+  <p:tag name="ORIGINALWIDTH" val="142.4822"/>
+  <p:tag name="LATEXADDIN" val="\documentclass{article}&#10;\usepackage{amsmath}&#10;\pagestyle{empty}&#10;\begin{document}&#10;\begin{align}&#10;&amp;|\hat{\Delta}|&gt;\Delta_{th1}\nonumber\\&#10;&amp;|e|&gt;e_{th}\nonumber&#10;\end{align}&#10;\end{document}"/>
+  <p:tag name="IGUANATEXSIZE" val="8"/>
+  <p:tag name="IGUANATEXCURSOR" val="135"/>
+  <p:tag name="TRANSPARENCY" val="True"/>
+  <p:tag name="LATEXENGINEID" val="0"/>
+  <p:tag name="TEMPFOLDER" val="D:\"/>
+  <p:tag name="LATEXFORMHEIGHT" val="312"/>
+  <p:tag name="LATEXFORMWIDTH" val="384"/>
+  <p:tag name="LATEXFORMWRAP" val="True"/>
+  <p:tag name="BITMAPVECTOR" val="0"/>
+</p:tagLst>
+</file>
+
+<file path=ppt/tags/tag32.xml><?xml version="1.0" encoding="utf-8"?>
+<p:tagLst xmlns:a="http://schemas.openxmlformats.org/drawingml/2006/main" xmlns:r="http://schemas.openxmlformats.org/officeDocument/2006/relationships" xmlns:p="http://schemas.openxmlformats.org/presentationml/2006/main">
+  <p:tag name="OUTPUTDPI" val="300"/>
+  <p:tag name="ORIGINALHEIGHT" val="38.2452"/>
+  <p:tag name="ORIGINALWIDTH" val="142.4822"/>
+  <p:tag name="LATEXADDIN" val="\documentclass{article}&#10;\usepackage{amsmath}&#10;\pagestyle{empty}&#10;\begin{document}&#10;\begin{align}&#10;&amp;|\hat{\Delta}|&gt;\Delta_{th1}\nonumber&#10;\end{align}&#10;\end{document}"/>
+  <p:tag name="IGUANATEXSIZE" val="8"/>
+  <p:tag name="IGUANATEXCURSOR" val="131"/>
+  <p:tag name="TRANSPARENCY" val="True"/>
+  <p:tag name="LATEXENGINEID" val="0"/>
+  <p:tag name="TEMPFOLDER" val="D:\"/>
+  <p:tag name="LATEXFORMHEIGHT" val="312"/>
+  <p:tag name="LATEXFORMWIDTH" val="384"/>
+  <p:tag name="LATEXFORMWRAP" val="True"/>
+  <p:tag name="BITMAPVECTOR" val="0"/>
+</p:tagLst>
+</file>
+
+<file path=ppt/tags/tag33.xml><?xml version="1.0" encoding="utf-8"?>
+<p:tagLst xmlns:a="http://schemas.openxmlformats.org/drawingml/2006/main" xmlns:r="http://schemas.openxmlformats.org/officeDocument/2006/relationships" xmlns:p="http://schemas.openxmlformats.org/presentationml/2006/main">
+  <p:tag name="OUTPUTDPI" val="300"/>
+  <p:tag name="ORIGINALHEIGHT" val="38.2452"/>
+  <p:tag name="ORIGINALWIDTH" val="143.2321"/>
+  <p:tag name="LATEXADDIN" val="\documentclass{article}&#10;\usepackage{amsmath}&#10;\pagestyle{empty}&#10;\begin{document}&#10;\begin{align}&#10;&amp;|\hat{\Delta}|&lt;\Delta_{th2}\nonumber&#10;\end{align}&#10;\end{document}"/>
+  <p:tag name="IGUANATEXSIZE" val="8"/>
+  <p:tag name="IGUANATEXCURSOR" val="121"/>
+  <p:tag name="TRANSPARENCY" val="True"/>
+  <p:tag name="LATEXENGINEID" val="0"/>
+  <p:tag name="TEMPFOLDER" val="D:\"/>
+  <p:tag name="LATEXFORMHEIGHT" val="312"/>
+  <p:tag name="LATEXFORMWIDTH" val="384"/>
+  <p:tag name="LATEXFORMWRAP" val="True"/>
+  <p:tag name="BITMAPVECTOR" val="0"/>
+</p:tagLst>
+</file>
+
+<file path=ppt/tags/tag34.xml><?xml version="1.0" encoding="utf-8"?>
+<p:tagLst xmlns:a="http://schemas.openxmlformats.org/drawingml/2006/main" xmlns:r="http://schemas.openxmlformats.org/officeDocument/2006/relationships" xmlns:p="http://schemas.openxmlformats.org/presentationml/2006/main">
+  <p:tag name="OUTPUTDPI" val="300"/>
+  <p:tag name="ORIGINALHEIGHT" val="30.74614"/>
+  <p:tag name="ORIGINALWIDTH" val="72.74094"/>
+  <p:tag name="LATEXADDIN" val="\documentclass{article}&#10;\usepackage{amsmath}&#10;\pagestyle{empty}&#10;\begin{document}&#10;\begin{align}&#10;de/dt\nonumber&#10;\end{align}&#10;\end{document}"/>
+  <p:tag name="IGUANATEXSIZE" val="8"/>
+  <p:tag name="IGUANATEXCURSOR" val="108"/>
+  <p:tag name="TRANSPARENCY" val="True"/>
   <p:tag name="LATEXENGINEID" val="0"/>
   <p:tag name="TEMPFOLDER" val="D:\"/>
   <p:tag name="LATEXFORMHEIGHT" val="312"/>
